--- a/DOC/DE_Yandex_2023-2024.pptx
+++ b/DOC/DE_Yandex_2023-2024.pptx
@@ -4421,9 +4421,9 @@
           </p:nvPr>
         </p:nvSpPr>
         <p:spPr bwMode="auto">
-          <a:xfrm>
-            <a:off x="1524539" y="1122480"/>
-            <a:ext cx="9142920" cy="2386440"/>
+          <a:xfrm flipH="0" flipV="0">
+            <a:off x="1524538" y="1185270"/>
+            <a:ext cx="9142920" cy="790575"/>
           </a:xfrm>
           <a:prstGeom prst="rect">
             <a:avLst/>
@@ -4474,7 +4474,7 @@
         </p:nvSpPr>
         <p:spPr bwMode="auto">
           <a:xfrm>
-            <a:off x="1524539" y="3602160"/>
+            <a:off x="1524539" y="4411785"/>
             <a:ext cx="9142920" cy="1654560"/>
           </a:xfrm>
           <a:prstGeom prst="rect">
@@ -4518,17 +4518,6 @@
               <a:defRPr/>
             </a:pPr>
             <a:r>
-              <a:rPr lang="ru-RU" sz="2400" b="0" i="0" u="none" strike="noStrike" cap="none" spc="0">
-                <a:solidFill>
-                  <a:srgbClr val="000000"/>
-                </a:solidFill>
-                <a:latin typeface="Liberation Sans"/>
-                <a:ea typeface="Liberation Sans"/>
-                <a:cs typeface="Liberation Sans"/>
-              </a:rPr>
-              <a:t>WEB</a:t>
-            </a:r>
-            <a:r>
               <a:rPr sz="2400" b="0" strike="noStrike" spc="0">
                 <a:solidFill>
                   <a:srgbClr val="000000"/>
@@ -4536,7 +4525,7 @@
                 <a:latin typeface="Liberation Sans"/>
                 <a:cs typeface="Liberation Sans"/>
               </a:rPr>
-              <a:t> DE ML DQ</a:t>
+              <a:t>Nginx DE ML DQ</a:t>
             </a:r>
             <a:endParaRPr sz="2400" b="0" strike="noStrike" spc="0">
               <a:solidFill>
@@ -4559,7 +4548,7 @@
                 <a:latin typeface="Liberation Sans"/>
                 <a:cs typeface="Liberation Sans"/>
               </a:rPr>
-              <a:t>и с любовью к животным</a:t>
+              <a:t>с любовью к животным</a:t>
             </a:r>
             <a:endParaRPr sz="2400" b="0" strike="noStrike" spc="0">
               <a:solidFill>
@@ -4568,6 +4557,271 @@
               <a:latin typeface="Liberation Sans"/>
               <a:cs typeface="Liberation Sans"/>
             </a:endParaRPr>
+          </a:p>
+        </p:txBody>
+      </p:sp>
+      <p:sp>
+        <p:nvSpPr>
+          <p:cNvPr id="2041007298" name=""/>
+          <p:cNvSpPr txBox="1"/>
+          <p:nvPr/>
+        </p:nvSpPr>
+        <p:spPr bwMode="auto">
+          <a:xfrm flipH="0" flipV="0">
+            <a:off x="5439623" y="819150"/>
+            <a:ext cx="1312750" cy="366119"/>
+          </a:xfrm>
+          <a:prstGeom prst="rect">
+            <a:avLst/>
+          </a:prstGeom>
+          <a:noFill/>
+        </p:spPr>
+        <p:txBody>
+          <a:bodyPr vertOverflow="overflow" horzOverflow="overflow" vert="horz" wrap="none" lIns="91440" tIns="45720" rIns="91440" bIns="45720" numCol="1" spcCol="0" rtlCol="0" fromWordArt="0" anchor="t" anchorCtr="0" forceAA="0" upright="0" compatLnSpc="0">
+            <a:spAutoFit/>
+          </a:bodyPr>
+          <a:p>
+            <a:pPr>
+              <a:defRPr/>
+            </a:pPr>
+            <a:r>
+              <a:rPr/>
+              <a:t>Pet-проект</a:t>
+            </a:r>
+            <a:endParaRPr/>
+          </a:p>
+        </p:txBody>
+      </p:sp>
+      <p:sp>
+        <p:nvSpPr>
+          <p:cNvPr id="230870413" name=""/>
+          <p:cNvSpPr txBox="1"/>
+          <p:nvPr/>
+        </p:nvSpPr>
+        <p:spPr bwMode="auto">
+          <a:xfrm rot="0" flipH="0" flipV="0">
+            <a:off x="6566399" y="2179724"/>
+            <a:ext cx="4536780" cy="914760"/>
+          </a:xfrm>
+          <a:prstGeom prst="rect">
+            <a:avLst/>
+          </a:prstGeom>
+          <a:noFill/>
+        </p:spPr>
+        <p:txBody>
+          <a:bodyPr vertOverflow="overflow" horzOverflow="overflow" vert="horz" wrap="square" lIns="91440" tIns="45720" rIns="91440" bIns="45720" numCol="2" spcCol="36000" rtlCol="0" fromWordArt="0" anchor="t" anchorCtr="0" forceAA="0" upright="0" compatLnSpc="0">
+            <a:spAutoFit/>
+          </a:bodyPr>
+          <a:p>
+            <a:pPr algn="r">
+              <a:defRPr/>
+            </a:pPr>
+            <a:r>
+              <a:rPr/>
+              <a:t>Выполнил:  </a:t>
+            </a:r>
+            <a:endParaRPr/>
+          </a:p>
+          <a:p>
+            <a:pPr algn="r">
+              <a:defRPr/>
+            </a:pPr>
+            <a:endParaRPr/>
+          </a:p>
+          <a:p>
+            <a:pPr algn="r">
+              <a:defRPr/>
+            </a:pPr>
+            <a:endParaRPr/>
+          </a:p>
+          <a:p>
+            <a:pPr algn="l">
+              <a:defRPr/>
+            </a:pPr>
+            <a:r>
+              <a:rPr/>
+              <a:t>студент когорты 23</a:t>
+            </a:r>
+            <a:endParaRPr/>
+          </a:p>
+          <a:p>
+            <a:pPr algn="l">
+              <a:defRPr/>
+            </a:pPr>
+            <a:r>
+              <a:rPr/>
+              <a:t>Янгалин Руслан</a:t>
+            </a:r>
+            <a:endParaRPr/>
+          </a:p>
+        </p:txBody>
+      </p:sp>
+      <p:sp>
+        <p:nvSpPr>
+          <p:cNvPr id="317582388" name=""/>
+          <p:cNvSpPr txBox="1"/>
+          <p:nvPr/>
+        </p:nvSpPr>
+        <p:spPr bwMode="auto">
+          <a:xfrm rot="0" flipH="0" flipV="0">
+            <a:off x="6800009" y="2857499"/>
+            <a:ext cx="4062360" cy="640440"/>
+          </a:xfrm>
+          <a:prstGeom prst="rect">
+            <a:avLst/>
+          </a:prstGeom>
+          <a:noFill/>
+        </p:spPr>
+        <p:txBody>
+          <a:bodyPr vertOverflow="overflow" horzOverflow="overflow" vert="horz" wrap="square" lIns="91440" tIns="45720" rIns="91440" bIns="45720" numCol="2" spcCol="36000" rtlCol="0" fromWordArt="0" anchor="t" anchorCtr="0" forceAA="0" upright="0" compatLnSpc="0">
+            <a:spAutoFit/>
+          </a:bodyPr>
+          <a:p>
+            <a:pPr algn="r">
+              <a:defRPr/>
+            </a:pPr>
+            <a:r>
+              <a:rPr/>
+              <a:t>Преподаватели: </a:t>
+            </a:r>
+            <a:endParaRPr/>
+          </a:p>
+          <a:p>
+            <a:pPr algn="r">
+              <a:defRPr/>
+            </a:pPr>
+            <a:endParaRPr/>
+          </a:p>
+          <a:p>
+            <a:pPr algn="l">
+              <a:defRPr/>
+            </a:pPr>
+            <a:r>
+              <a:rPr/>
+              <a:t>Бондарев Руслан</a:t>
+            </a:r>
+            <a:endParaRPr/>
+          </a:p>
+          <a:p>
+            <a:pPr algn="l">
+              <a:defRPr/>
+            </a:pPr>
+            <a:r>
+              <a:rPr/>
+              <a:t>Васильев Олег</a:t>
+            </a:r>
+            <a:endParaRPr/>
+          </a:p>
+        </p:txBody>
+      </p:sp>
+      <p:sp>
+        <p:nvSpPr>
+          <p:cNvPr id="647220895" name=""/>
+          <p:cNvSpPr txBox="1"/>
+          <p:nvPr/>
+        </p:nvSpPr>
+        <p:spPr bwMode="auto">
+          <a:xfrm rot="0" flipH="0" flipV="0">
+            <a:off x="6800009" y="3562350"/>
+            <a:ext cx="4069560" cy="640440"/>
+          </a:xfrm>
+          <a:prstGeom prst="rect">
+            <a:avLst/>
+          </a:prstGeom>
+          <a:noFill/>
+        </p:spPr>
+        <p:txBody>
+          <a:bodyPr vertOverflow="overflow" horzOverflow="overflow" vert="horz" wrap="square" lIns="91440" tIns="45720" rIns="91440" bIns="45720" numCol="2" spcCol="36000" rtlCol="0" fromWordArt="0" anchor="t" anchorCtr="0" forceAA="0" upright="0" compatLnSpc="0">
+            <a:spAutoFit/>
+          </a:bodyPr>
+          <a:p>
+            <a:pPr algn="r">
+              <a:defRPr/>
+            </a:pPr>
+            <a:r>
+              <a:rPr/>
+              <a:t>Куратор: </a:t>
+            </a:r>
+            <a:endParaRPr/>
+          </a:p>
+          <a:p>
+            <a:pPr algn="r">
+              <a:defRPr/>
+            </a:pPr>
+            <a:endParaRPr/>
+          </a:p>
+          <a:p>
+            <a:pPr algn="l">
+              <a:defRPr/>
+            </a:pPr>
+            <a:r>
+              <a:rPr/>
+              <a:t>Мелузова Ира</a:t>
+            </a:r>
+            <a:endParaRPr/>
+          </a:p>
+        </p:txBody>
+      </p:sp>
+      <p:sp>
+        <p:nvSpPr>
+          <p:cNvPr id="1263666963" name=""/>
+          <p:cNvSpPr txBox="1"/>
+          <p:nvPr/>
+        </p:nvSpPr>
+        <p:spPr bwMode="auto">
+          <a:xfrm flipH="0" flipV="0">
+            <a:off x="5332598" y="6142545"/>
+            <a:ext cx="1927146" cy="518520"/>
+          </a:xfrm>
+          <a:prstGeom prst="rect">
+            <a:avLst/>
+          </a:prstGeom>
+          <a:noFill/>
+        </p:spPr>
+        <p:txBody>
+          <a:bodyPr vertOverflow="overflow" horzOverflow="overflow" vert="horz" wrap="square" lIns="91440" tIns="45720" rIns="91440" bIns="45720" numCol="1" spcCol="0" rtlCol="0" fromWordArt="0" anchor="t" anchorCtr="0" forceAA="0" upright="0" compatLnSpc="0">
+            <a:spAutoFit/>
+          </a:bodyPr>
+          <a:p>
+            <a:pPr algn="ctr">
+              <a:defRPr/>
+            </a:pPr>
+            <a:r>
+              <a:rPr sz="1400" b="0" i="0" u="none" spc="-36">
+                <a:solidFill>
+                  <a:srgbClr val="1D1D1D"/>
+                </a:solidFill>
+                <a:latin typeface="Liberation Sans"/>
+                <a:ea typeface="Liberation Sans"/>
+                <a:cs typeface="Liberation Sans"/>
+              </a:rPr>
+              <a:t>Яндекс Практикум</a:t>
+            </a:r>
+            <a:endParaRPr sz="1400" b="0" i="0" u="none" spc="-36">
+              <a:solidFill>
+                <a:srgbClr val="1D1D1D"/>
+              </a:solidFill>
+              <a:latin typeface="Liberation Sans"/>
+              <a:ea typeface="Liberation Sans"/>
+              <a:cs typeface="Liberation Sans"/>
+            </a:endParaRPr>
+          </a:p>
+          <a:p>
+            <a:pPr algn="ctr">
+              <a:defRPr/>
+            </a:pPr>
+            <a:r>
+              <a:rPr sz="1400" b="0" i="0" u="none" spc="-36">
+                <a:solidFill>
+                  <a:srgbClr val="1D1D1D"/>
+                </a:solidFill>
+                <a:latin typeface="Liberation Sans"/>
+                <a:ea typeface="Liberation Sans"/>
+                <a:cs typeface="Liberation Sans"/>
+              </a:rPr>
+              <a:t>Москва, 2024 г.</a:t>
+            </a:r>
+            <a:endParaRPr/>
           </a:p>
         </p:txBody>
       </p:sp>
@@ -4973,8 +5227,8 @@
         </p:nvSpPr>
         <p:spPr bwMode="auto">
           <a:xfrm flipH="0" flipV="0">
-            <a:off x="201807" y="6169934"/>
-            <a:ext cx="5838017" cy="567150"/>
+            <a:off x="201806" y="6169933"/>
+            <a:ext cx="5838015" cy="567149"/>
           </a:xfrm>
           <a:prstGeom prst="flowChartAlternateProcess">
             <a:avLst/>
@@ -5010,8 +5264,8 @@
         </p:nvSpPr>
         <p:spPr bwMode="auto">
           <a:xfrm flipH="0" flipV="0">
-            <a:off x="949258" y="5879445"/>
-            <a:ext cx="5192819" cy="290488"/>
+            <a:off x="949258" y="5879444"/>
+            <a:ext cx="5192819" cy="290487"/>
           </a:xfrm>
           <a:prstGeom prst="flowChartAlternateProcess">
             <a:avLst/>
@@ -5874,7 +6128,7 @@
         </p:nvSpPr>
         <p:spPr bwMode="auto">
           <a:xfrm flipH="0" flipV="0">
-            <a:off x="143399" y="6132164"/>
+            <a:off x="143398" y="6132163"/>
             <a:ext cx="6004798" cy="640440"/>
           </a:xfrm>
           <a:prstGeom prst="rect">
@@ -5910,7 +6164,7 @@
         </p:nvSpPr>
         <p:spPr bwMode="auto">
           <a:xfrm flipH="0" flipV="0">
-            <a:off x="886799" y="5857484"/>
+            <a:off x="886799" y="5857483"/>
             <a:ext cx="5259957" cy="274679"/>
           </a:xfrm>
           <a:prstGeom prst="rect">
@@ -6509,7 +6763,7 @@
         <p:spPr bwMode="auto">
           <a:xfrm flipH="0" flipV="0">
             <a:off x="4077675" y="790573"/>
-            <a:ext cx="66674" cy="5048250"/>
+            <a:ext cx="66673" cy="5048250"/>
           </a:xfrm>
           <a:prstGeom prst="line">
             <a:avLst/>
@@ -6548,8 +6802,8 @@
         </p:nvCxnSpPr>
         <p:spPr bwMode="auto">
           <a:xfrm flipH="0" flipV="0">
-            <a:off x="5244685" y="790573"/>
-            <a:ext cx="66673" cy="4972048"/>
+            <a:off x="5244684" y="790573"/>
+            <a:ext cx="66672" cy="4972048"/>
           </a:xfrm>
           <a:prstGeom prst="line">
             <a:avLst/>
@@ -7264,8 +7518,8 @@
         </p:nvSpPr>
         <p:spPr bwMode="auto">
           <a:xfrm flipH="0" flipV="0">
-            <a:off x="1583497" y="-1586"/>
-            <a:ext cx="9998901" cy="668337"/>
+            <a:off x="1583496" y="-1586"/>
+            <a:ext cx="9998901" cy="668336"/>
           </a:xfrm>
         </p:spPr>
         <p:txBody>
@@ -7297,8 +7551,8 @@
         </p:blipFill>
         <p:spPr bwMode="auto">
           <a:xfrm flipH="0" flipV="0">
-            <a:off x="1191599" y="666750"/>
-            <a:ext cx="10390798" cy="2850572"/>
+            <a:off x="1191599" y="666749"/>
+            <a:ext cx="10390797" cy="2850572"/>
           </a:xfrm>
           <a:prstGeom prst="rect">
             <a:avLst/>
@@ -7320,7 +7574,7 @@
         <p:spPr bwMode="auto">
           <a:xfrm flipH="0" flipV="0">
             <a:off x="1191600" y="3695140"/>
-            <a:ext cx="10390798" cy="3024747"/>
+            <a:ext cx="10390797" cy="3024747"/>
           </a:xfrm>
           <a:prstGeom prst="rect">
             <a:avLst/>

--- a/DOC/DE_Yandex_2023-2024.pptx
+++ b/DOC/DE_Yandex_2023-2024.pptx
@@ -13,6 +13,10 @@
     <p:sldId id="261" r:id="rId8"/>
     <p:sldId id="262" r:id="rId9"/>
     <p:sldId id="263" r:id="rId10"/>
+    <p:sldId id="264" r:id="rId11"/>
+    <p:sldId id="265" r:id="rId12"/>
+    <p:sldId id="266" r:id="rId13"/>
+    <p:sldId id="267" r:id="rId14"/>
   </p:sldIdLst>
   <p:sldSz cx="12192000" cy="6858000"/>
   <p:notesSz cx="12192000" cy="6858000"/>
@@ -4422,8 +4426,8 @@
         </p:nvSpPr>
         <p:spPr bwMode="auto">
           <a:xfrm flipH="0" flipV="0">
-            <a:off x="1524538" y="1185270"/>
-            <a:ext cx="9142920" cy="790575"/>
+            <a:off x="1524539" y="1313856"/>
+            <a:ext cx="9142920" cy="790574"/>
           </a:xfrm>
           <a:prstGeom prst="rect">
             <a:avLst/>
@@ -4450,7 +4454,49 @@
                 <a:ea typeface="Liberation Sans"/>
                 <a:cs typeface="Liberation Sans"/>
               </a:rPr>
-              <a:t>Прогноз погоды</a:t>
+              <a:t>Сайт «Прогноз температуры»</a:t>
+            </a:r>
+            <a:br>
+              <a:rPr lang="ru-RU" sz="3600" b="0" i="0" u="none" strike="noStrike" cap="none" spc="0">
+                <a:solidFill>
+                  <a:srgbClr val="000000"/>
+                </a:solidFill>
+                <a:latin typeface="Liberation Sans"/>
+                <a:ea typeface="Liberation Sans"/>
+                <a:cs typeface="Liberation Sans"/>
+              </a:rPr>
+            </a:br>
+            <a:r>
+              <a:rPr lang="ru-RU" sz="3600" b="0" i="0" u="none" strike="noStrike" cap="none" spc="0">
+                <a:solidFill>
+                  <a:srgbClr val="000000"/>
+                </a:solidFill>
+                <a:latin typeface="Liberation Sans"/>
+                <a:ea typeface="Liberation Sans"/>
+                <a:cs typeface="Liberation Sans"/>
+              </a:rPr>
+              <a:t>или</a:t>
+            </a:r>
+            <a:br>
+              <a:rPr lang="ru-RU" sz="3600" b="0" i="0" u="none" strike="noStrike" cap="none" spc="0">
+                <a:solidFill>
+                  <a:srgbClr val="000000"/>
+                </a:solidFill>
+                <a:latin typeface="Liberation Sans"/>
+                <a:ea typeface="Liberation Sans"/>
+                <a:cs typeface="Liberation Sans"/>
+              </a:rPr>
+            </a:br>
+            <a:r>
+              <a:rPr lang="ru-RU" sz="3600" b="0" i="0" u="none" strike="noStrike" cap="none" spc="0">
+                <a:solidFill>
+                  <a:srgbClr val="000000"/>
+                </a:solidFill>
+                <a:latin typeface="Liberation Sans"/>
+                <a:ea typeface="Liberation Sans"/>
+                <a:cs typeface="Liberation Sans"/>
+              </a:rPr>
+              <a:t>что я узнал за 6 месяцев</a:t>
             </a:r>
             <a:endParaRPr lang="ru-RU" sz="3600" b="0" i="0" u="none" strike="noStrike" cap="none" spc="0">
               <a:solidFill>
@@ -4464,112 +4510,46 @@
       </p:sp>
       <p:sp>
         <p:nvSpPr>
-          <p:cNvPr id="48" name="PlaceHolder 2"/>
-          <p:cNvSpPr>
-            <a:spLocks noGrp="1"/>
-          </p:cNvSpPr>
-          <p:nvPr>
-            <p:ph type="subTitle"/>
-          </p:nvPr>
-        </p:nvSpPr>
-        <p:spPr bwMode="auto">
-          <a:xfrm>
-            <a:off x="1524539" y="4411785"/>
-            <a:ext cx="9142920" cy="1654560"/>
+          <p:cNvPr id="2041007298" name=""/>
+          <p:cNvSpPr txBox="1"/>
+          <p:nvPr/>
+        </p:nvSpPr>
+        <p:spPr bwMode="auto">
+          <a:xfrm flipH="0" flipV="0">
+            <a:off x="5188701" y="342897"/>
+            <a:ext cx="1814597" cy="488039"/>
           </a:xfrm>
           <a:prstGeom prst="rect">
             <a:avLst/>
           </a:prstGeom>
           <a:noFill/>
-          <a:ln w="0">
-            <a:noFill/>
-          </a:ln>
-        </p:spPr>
-        <p:txBody>
-          <a:bodyPr lIns="0" tIns="0" rIns="0" bIns="0" anchor="t">
-            <a:noAutofit/>
+        </p:spPr>
+        <p:txBody>
+          <a:bodyPr vertOverflow="overflow" horzOverflow="overflow" vert="horz" wrap="none" lIns="91440" tIns="45720" rIns="91440" bIns="45720" numCol="1" spcCol="0" rtlCol="0" fromWordArt="0" anchor="t" anchorCtr="0" forceAA="0" upright="0" compatLnSpc="0">
+            <a:spAutoFit/>
           </a:bodyPr>
           <a:p>
-            <a:pPr indent="0" algn="ctr">
-              <a:buNone/>
-              <a:defRPr/>
-            </a:pPr>
-            <a:r>
-              <a:rPr sz="2400" b="0" strike="noStrike" spc="-1">
-                <a:solidFill>
-                  <a:srgbClr val="000000"/>
-                </a:solidFill>
-                <a:latin typeface="Liberation Sans"/>
-                <a:cs typeface="Liberation Sans"/>
-              </a:rPr>
-              <a:t>Docker PostgreS Airflow</a:t>
-            </a:r>
-            <a:endParaRPr sz="2400" b="0" strike="noStrike" spc="0">
-              <a:solidFill>
-                <a:srgbClr val="000000"/>
-              </a:solidFill>
-              <a:latin typeface="Liberation Sans"/>
-              <a:cs typeface="Liberation Sans"/>
-            </a:endParaRPr>
-          </a:p>
-          <a:p>
-            <a:pPr indent="0" algn="ctr">
-              <a:buNone/>
-              <a:defRPr/>
-            </a:pPr>
-            <a:r>
-              <a:rPr sz="2400" b="0" strike="noStrike" spc="0">
-                <a:solidFill>
-                  <a:srgbClr val="000000"/>
-                </a:solidFill>
-                <a:latin typeface="Liberation Sans"/>
-                <a:cs typeface="Liberation Sans"/>
-              </a:rPr>
-              <a:t>Nginx DE ML DQ</a:t>
-            </a:r>
-            <a:endParaRPr sz="2400" b="0" strike="noStrike" spc="0">
-              <a:solidFill>
-                <a:srgbClr val="000000"/>
-              </a:solidFill>
-              <a:latin typeface="Liberation Sans"/>
-              <a:cs typeface="Liberation Sans"/>
-            </a:endParaRPr>
-          </a:p>
-          <a:p>
-            <a:pPr indent="0" algn="ctr">
-              <a:buNone/>
-              <a:defRPr/>
-            </a:pPr>
-            <a:r>
-              <a:rPr sz="2400" b="0" strike="noStrike" spc="0">
-                <a:solidFill>
-                  <a:srgbClr val="000000"/>
-                </a:solidFill>
-                <a:latin typeface="Liberation Sans"/>
-                <a:cs typeface="Liberation Sans"/>
-              </a:rPr>
-              <a:t>с любовью к животным</a:t>
-            </a:r>
-            <a:endParaRPr sz="2400" b="0" strike="noStrike" spc="0">
-              <a:solidFill>
-                <a:srgbClr val="000000"/>
-              </a:solidFill>
-              <a:latin typeface="Liberation Sans"/>
-              <a:cs typeface="Liberation Sans"/>
-            </a:endParaRPr>
-          </a:p>
-        </p:txBody>
-      </p:sp>
-      <p:sp>
-        <p:nvSpPr>
-          <p:cNvPr id="2041007298" name=""/>
+            <a:pPr>
+              <a:defRPr/>
+            </a:pPr>
+            <a:r>
+              <a:rPr sz="2600"/>
+              <a:t>Pet-проект</a:t>
+            </a:r>
+            <a:endParaRPr/>
+          </a:p>
+        </p:txBody>
+      </p:sp>
+      <p:sp>
+        <p:nvSpPr>
+          <p:cNvPr id="230870413" name=""/>
           <p:cNvSpPr txBox="1"/>
           <p:nvPr/>
         </p:nvSpPr>
         <p:spPr bwMode="auto">
-          <a:xfrm flipH="0" flipV="0">
-            <a:off x="5439623" y="819150"/>
-            <a:ext cx="1312750" cy="366119"/>
+          <a:xfrm rot="0" flipH="0" flipV="0">
+            <a:off x="6566398" y="3094483"/>
+            <a:ext cx="4536779" cy="914760"/>
           </a:xfrm>
           <a:prstGeom prst="rect">
             <a:avLst/>
@@ -4577,31 +4557,63 @@
           <a:noFill/>
         </p:spPr>
         <p:txBody>
-          <a:bodyPr vertOverflow="overflow" horzOverflow="overflow" vert="horz" wrap="none" lIns="91440" tIns="45720" rIns="91440" bIns="45720" numCol="1" spcCol="0" rtlCol="0" fromWordArt="0" anchor="t" anchorCtr="0" forceAA="0" upright="0" compatLnSpc="0">
+          <a:bodyPr vertOverflow="overflow" horzOverflow="overflow" vert="horz" wrap="square" lIns="91440" tIns="45720" rIns="91440" bIns="45720" numCol="2" spcCol="36000" rtlCol="0" fromWordArt="0" anchor="t" anchorCtr="0" forceAA="0" upright="0" compatLnSpc="0">
             <a:spAutoFit/>
           </a:bodyPr>
           <a:p>
-            <a:pPr>
+            <a:pPr algn="r">
               <a:defRPr/>
             </a:pPr>
             <a:r>
               <a:rPr/>
-              <a:t>Pet-проект</a:t>
-            </a:r>
-            <a:endParaRPr/>
-          </a:p>
-        </p:txBody>
-      </p:sp>
-      <p:sp>
-        <p:nvSpPr>
-          <p:cNvPr id="230870413" name=""/>
+              <a:t>Выполнил:  </a:t>
+            </a:r>
+            <a:endParaRPr/>
+          </a:p>
+          <a:p>
+            <a:pPr algn="r">
+              <a:defRPr/>
+            </a:pPr>
+            <a:endParaRPr/>
+          </a:p>
+          <a:p>
+            <a:pPr algn="r">
+              <a:defRPr/>
+            </a:pPr>
+            <a:endParaRPr/>
+          </a:p>
+          <a:p>
+            <a:pPr algn="l">
+              <a:defRPr/>
+            </a:pPr>
+            <a:r>
+              <a:rPr/>
+              <a:t>студент когорты 23</a:t>
+            </a:r>
+            <a:endParaRPr/>
+          </a:p>
+          <a:p>
+            <a:pPr algn="l">
+              <a:defRPr/>
+            </a:pPr>
+            <a:r>
+              <a:rPr/>
+              <a:t>Янгалин Руслан</a:t>
+            </a:r>
+            <a:endParaRPr/>
+          </a:p>
+        </p:txBody>
+      </p:sp>
+      <p:sp>
+        <p:nvSpPr>
+          <p:cNvPr id="317582388" name=""/>
           <p:cNvSpPr txBox="1"/>
           <p:nvPr/>
         </p:nvSpPr>
         <p:spPr bwMode="auto">
           <a:xfrm rot="0" flipH="0" flipV="0">
-            <a:off x="6566399" y="2179724"/>
-            <a:ext cx="4536780" cy="914760"/>
+            <a:off x="6803608" y="4091563"/>
+            <a:ext cx="4062359" cy="640440"/>
           </a:xfrm>
           <a:prstGeom prst="rect">
             <a:avLst/>
@@ -4618,7 +4630,7 @@
             </a:pPr>
             <a:r>
               <a:rPr/>
-              <a:t>Выполнил:  </a:t>
+              <a:t>Преподаватели: </a:t>
             </a:r>
             <a:endParaRPr/>
           </a:p>
@@ -4629,18 +4641,12 @@
             <a:endParaRPr/>
           </a:p>
           <a:p>
-            <a:pPr algn="r">
-              <a:defRPr/>
-            </a:pPr>
-            <a:endParaRPr/>
-          </a:p>
-          <a:p>
             <a:pPr algn="l">
               <a:defRPr/>
             </a:pPr>
             <a:r>
               <a:rPr/>
-              <a:t>студент когорты 23</a:t>
+              <a:t>Бондарев Руслан</a:t>
             </a:r>
             <a:endParaRPr/>
           </a:p>
@@ -4650,22 +4656,22 @@
             </a:pPr>
             <a:r>
               <a:rPr/>
-              <a:t>Янгалин Руслан</a:t>
-            </a:r>
-            <a:endParaRPr/>
-          </a:p>
-        </p:txBody>
-      </p:sp>
-      <p:sp>
-        <p:nvSpPr>
-          <p:cNvPr id="317582388" name=""/>
+              <a:t>Васильев Олег</a:t>
+            </a:r>
+            <a:endParaRPr/>
+          </a:p>
+        </p:txBody>
+      </p:sp>
+      <p:sp>
+        <p:nvSpPr>
+          <p:cNvPr id="647220895" name=""/>
           <p:cNvSpPr txBox="1"/>
           <p:nvPr/>
         </p:nvSpPr>
         <p:spPr bwMode="auto">
           <a:xfrm rot="0" flipH="0" flipV="0">
-            <a:off x="6800009" y="2857499"/>
-            <a:ext cx="4062360" cy="640440"/>
+            <a:off x="6752372" y="4918843"/>
+            <a:ext cx="4071358" cy="640440"/>
           </a:xfrm>
           <a:prstGeom prst="rect">
             <a:avLst/>
@@ -4682,65 +4688,7 @@
             </a:pPr>
             <a:r>
               <a:rPr/>
-              <a:t>Преподаватели: </a:t>
-            </a:r>
-            <a:endParaRPr/>
-          </a:p>
-          <a:p>
-            <a:pPr algn="r">
-              <a:defRPr/>
-            </a:pPr>
-            <a:endParaRPr/>
-          </a:p>
-          <a:p>
-            <a:pPr algn="l">
-              <a:defRPr/>
-            </a:pPr>
-            <a:r>
-              <a:rPr/>
-              <a:t>Бондарев Руслан</a:t>
-            </a:r>
-            <a:endParaRPr/>
-          </a:p>
-          <a:p>
-            <a:pPr algn="l">
-              <a:defRPr/>
-            </a:pPr>
-            <a:r>
-              <a:rPr/>
-              <a:t>Васильев Олег</a:t>
-            </a:r>
-            <a:endParaRPr/>
-          </a:p>
-        </p:txBody>
-      </p:sp>
-      <p:sp>
-        <p:nvSpPr>
-          <p:cNvPr id="647220895" name=""/>
-          <p:cNvSpPr txBox="1"/>
-          <p:nvPr/>
-        </p:nvSpPr>
-        <p:spPr bwMode="auto">
-          <a:xfrm rot="0" flipH="0" flipV="0">
-            <a:off x="6800009" y="3562350"/>
-            <a:ext cx="4069560" cy="640440"/>
-          </a:xfrm>
-          <a:prstGeom prst="rect">
-            <a:avLst/>
-          </a:prstGeom>
-          <a:noFill/>
-        </p:spPr>
-        <p:txBody>
-          <a:bodyPr vertOverflow="overflow" horzOverflow="overflow" vert="horz" wrap="square" lIns="91440" tIns="45720" rIns="91440" bIns="45720" numCol="2" spcCol="36000" rtlCol="0" fromWordArt="0" anchor="t" anchorCtr="0" forceAA="0" upright="0" compatLnSpc="0">
-            <a:spAutoFit/>
-          </a:bodyPr>
-          <a:p>
-            <a:pPr algn="r">
-              <a:defRPr/>
-            </a:pPr>
-            <a:r>
-              <a:rPr/>
-              <a:t>Куратор: </a:t>
+              <a:t>Кураторы: </a:t>
             </a:r>
             <a:endParaRPr/>
           </a:p>
@@ -4757,6 +4705,23 @@
             <a:r>
               <a:rPr/>
               <a:t>Мелузова Ира</a:t>
+            </a:r>
+            <a:endParaRPr/>
+          </a:p>
+          <a:p>
+            <a:pPr algn="l">
+              <a:defRPr/>
+            </a:pPr>
+            <a:r>
+              <a:rPr lang="ru-RU" sz="1800" b="0" i="0" u="none" strike="noStrike" cap="none" spc="0">
+                <a:solidFill>
+                  <a:schemeClr val="tx1"/>
+                </a:solidFill>
+                <a:latin typeface="Arial"/>
+                <a:ea typeface="Arial"/>
+                <a:cs typeface="Arial"/>
+              </a:rPr>
+              <a:t>Оксана Костенюк</a:t>
             </a:r>
             <a:endParaRPr/>
           </a:p>
@@ -4770,8 +4735,8 @@
         </p:nvSpPr>
         <p:spPr bwMode="auto">
           <a:xfrm flipH="0" flipV="0">
-            <a:off x="5332598" y="6142545"/>
-            <a:ext cx="1927146" cy="518520"/>
+            <a:off x="5132426" y="6142545"/>
+            <a:ext cx="1927146" cy="518519"/>
           </a:xfrm>
           <a:prstGeom prst="rect">
             <a:avLst/>
@@ -4822,6 +4787,498 @@
               <a:t>Москва, 2024 г.</a:t>
             </a:r>
             <a:endParaRPr/>
+          </a:p>
+        </p:txBody>
+      </p:sp>
+    </p:spTree>
+  </p:cSld>
+  <p:clrMapOvr>
+    <a:masterClrMapping/>
+  </p:clrMapOvr>
+  <mc:AlternateContent xmlns:mc="http://schemas.openxmlformats.org/markup-compatibility/2006">
+    <mc:Choice xmlns:p14="http://schemas.microsoft.com/office/powerpoint/2010/main" Requires="p14">
+      <p:transition p14:dur="2000" advClick="1"/>
+    </mc:Choice>
+    <mc:Fallback>
+      <p:transition advClick="1"/>
+    </mc:Fallback>
+  </mc:AlternateContent>
+</p:sld>
+</file>
+
+<file path=ppt/slides/slide10.xml><?xml version="1.0" encoding="utf-8"?>
+<p:sld xmlns:a="http://schemas.openxmlformats.org/drawingml/2006/main" xmlns:r="http://schemas.openxmlformats.org/officeDocument/2006/relationships" xmlns:p="http://schemas.openxmlformats.org/presentationml/2006/main" xmlns:m="http://schemas.openxmlformats.org/officeDocument/2006/math" xmlns:w="http://schemas.openxmlformats.org/wordprocessingml/2006/main" showMasterPhAnim="0" show="1">
+  <p:cSld name="">
+    <p:spTree>
+      <p:nvGrpSpPr>
+        <p:cNvPr id="1" name=""/>
+        <p:cNvGrpSpPr/>
+        <p:nvPr/>
+      </p:nvGrpSpPr>
+      <p:grpSpPr bwMode="auto">
+        <a:xfrm>
+          <a:off x="0" y="0"/>
+          <a:ext cx="0" cy="0"/>
+          <a:chOff x="0" y="0"/>
+          <a:chExt cx="0" cy="0"/>
+        </a:xfrm>
+      </p:grpSpPr>
+      <p:sp>
+        <p:nvSpPr>
+          <p:cNvPr id="329300022" name="Заголовок 1"/>
+          <p:cNvSpPr>
+            <a:spLocks noGrp="1"/>
+          </p:cNvSpPr>
+          <p:nvPr>
+            <p:ph type="title"/>
+          </p:nvPr>
+        </p:nvSpPr>
+        <p:spPr bwMode="auto">
+          <a:xfrm flipH="0" flipV="0">
+            <a:off x="1583496" y="-1586"/>
+            <a:ext cx="9998901" cy="668336"/>
+          </a:xfrm>
+        </p:spPr>
+        <p:txBody>
+          <a:bodyPr/>
+          <a:lstStyle/>
+          <a:p>
+            <a:pPr algn="ctr">
+              <a:defRPr/>
+            </a:pPr>
+            <a:r>
+              <a:rPr sz="3600"/>
+              <a:t>Форма решения</a:t>
+            </a:r>
+            <a:endParaRPr sz="3600"/>
+          </a:p>
+        </p:txBody>
+      </p:sp>
+      <p:pic>
+        <p:nvPicPr>
+          <p:cNvPr id="319894013" name=""/>
+          <p:cNvPicPr>
+            <a:picLocks noChangeAspect="1"/>
+          </p:cNvPicPr>
+          <p:nvPr/>
+        </p:nvPicPr>
+        <p:blipFill>
+          <a:blip r:embed="rId2"/>
+          <a:stretch/>
+        </p:blipFill>
+        <p:spPr bwMode="auto">
+          <a:xfrm flipH="0" flipV="0">
+            <a:off x="1191599" y="666749"/>
+            <a:ext cx="10390797" cy="2850572"/>
+          </a:xfrm>
+          <a:prstGeom prst="rect">
+            <a:avLst/>
+          </a:prstGeom>
+        </p:spPr>
+      </p:pic>
+      <p:pic>
+        <p:nvPicPr>
+          <p:cNvPr id="1710832344" name=""/>
+          <p:cNvPicPr>
+            <a:picLocks noChangeAspect="1"/>
+          </p:cNvPicPr>
+          <p:nvPr/>
+        </p:nvPicPr>
+        <p:blipFill>
+          <a:blip r:embed="rId3"/>
+          <a:stretch/>
+        </p:blipFill>
+        <p:spPr bwMode="auto">
+          <a:xfrm flipH="0" flipV="0">
+            <a:off x="1191600" y="3695140"/>
+            <a:ext cx="10390797" cy="3024747"/>
+          </a:xfrm>
+          <a:prstGeom prst="rect">
+            <a:avLst/>
+          </a:prstGeom>
+        </p:spPr>
+      </p:pic>
+    </p:spTree>
+  </p:cSld>
+  <p:clrMapOvr>
+    <a:masterClrMapping/>
+  </p:clrMapOvr>
+  <mc:AlternateContent xmlns:mc="http://schemas.openxmlformats.org/markup-compatibility/2006">
+    <mc:Choice xmlns:p14="http://schemas.microsoft.com/office/powerpoint/2010/main" Requires="p14">
+      <p:transition p14:dur="2000" advClick="1"/>
+    </mc:Choice>
+    <mc:Fallback>
+      <p:transition advClick="1"/>
+    </mc:Fallback>
+  </mc:AlternateContent>
+</p:sld>
+</file>
+
+<file path=ppt/slides/slide11.xml><?xml version="1.0" encoding="utf-8"?>
+<p:sld xmlns:a="http://schemas.openxmlformats.org/drawingml/2006/main" xmlns:r="http://schemas.openxmlformats.org/officeDocument/2006/relationships" xmlns:p="http://schemas.openxmlformats.org/presentationml/2006/main" xmlns:m="http://schemas.openxmlformats.org/officeDocument/2006/math" xmlns:w="http://schemas.openxmlformats.org/wordprocessingml/2006/main" showMasterPhAnim="0" show="1">
+  <p:cSld name="">
+    <p:spTree>
+      <p:nvGrpSpPr>
+        <p:cNvPr id="1" name=""/>
+        <p:cNvGrpSpPr/>
+        <p:nvPr/>
+      </p:nvGrpSpPr>
+      <p:grpSpPr bwMode="auto">
+        <a:xfrm>
+          <a:off x="0" y="0"/>
+          <a:ext cx="0" cy="0"/>
+          <a:chOff x="0" y="0"/>
+          <a:chExt cx="0" cy="0"/>
+        </a:xfrm>
+      </p:grpSpPr>
+      <p:sp>
+        <p:nvSpPr>
+          <p:cNvPr id="1900147726" name="Заголовок 1"/>
+          <p:cNvSpPr>
+            <a:spLocks noGrp="1"/>
+          </p:cNvSpPr>
+          <p:nvPr>
+            <p:ph type="title"/>
+          </p:nvPr>
+        </p:nvSpPr>
+        <p:spPr bwMode="auto">
+          <a:xfrm flipH="0" flipV="0">
+            <a:off x="1583496" y="-20636"/>
+            <a:ext cx="9998901" cy="868361"/>
+          </a:xfrm>
+        </p:spPr>
+        <p:txBody>
+          <a:bodyPr/>
+          <a:lstStyle/>
+          <a:p>
+            <a:pPr algn="ctr">
+              <a:defRPr/>
+            </a:pPr>
+            <a:r>
+              <a:rPr/>
+              <a:t>Спасибо за внимание</a:t>
+            </a:r>
+            <a:endParaRPr/>
+          </a:p>
+        </p:txBody>
+      </p:sp>
+      <p:pic>
+        <p:nvPicPr>
+          <p:cNvPr id="1691216704" name=""/>
+          <p:cNvPicPr>
+            <a:picLocks noChangeAspect="1"/>
+          </p:cNvPicPr>
+          <p:nvPr>
+            <p:ph idx="1"/>
+          </p:nvPr>
+        </p:nvPicPr>
+        <p:blipFill>
+          <a:blip r:embed="rId2"/>
+          <a:stretch/>
+        </p:blipFill>
+        <p:spPr bwMode="auto">
+          <a:xfrm rot="0">
+            <a:off x="4377116" y="847724"/>
+            <a:ext cx="4525961" cy="4525961"/>
+          </a:xfrm>
+          <a:prstGeom prst="rect">
+            <a:avLst/>
+          </a:prstGeom>
+        </p:spPr>
+      </p:pic>
+    </p:spTree>
+  </p:cSld>
+  <p:clrMapOvr>
+    <a:masterClrMapping/>
+  </p:clrMapOvr>
+  <mc:AlternateContent xmlns:mc="http://schemas.openxmlformats.org/markup-compatibility/2006">
+    <mc:Choice xmlns:p14="http://schemas.microsoft.com/office/powerpoint/2010/main" Requires="p14">
+      <p:transition p14:dur="2000" advClick="1"/>
+    </mc:Choice>
+    <mc:Fallback>
+      <p:transition advClick="1"/>
+    </mc:Fallback>
+  </mc:AlternateContent>
+</p:sld>
+</file>
+
+<file path=ppt/slides/slide12.xml><?xml version="1.0" encoding="utf-8"?>
+<p:sld xmlns:a="http://schemas.openxmlformats.org/drawingml/2006/main" xmlns:r="http://schemas.openxmlformats.org/officeDocument/2006/relationships" xmlns:p="http://schemas.openxmlformats.org/presentationml/2006/main" xmlns:m="http://schemas.openxmlformats.org/officeDocument/2006/math" xmlns:w="http://schemas.openxmlformats.org/wordprocessingml/2006/main" showMasterPhAnim="0" show="1">
+  <p:cSld name="">
+    <p:spTree>
+      <p:nvGrpSpPr>
+        <p:cNvPr id="1" name=""/>
+        <p:cNvGrpSpPr/>
+        <p:nvPr/>
+      </p:nvGrpSpPr>
+      <p:grpSpPr bwMode="auto">
+        <a:xfrm>
+          <a:off x="0" y="0"/>
+          <a:ext cx="0" cy="0"/>
+          <a:chOff x="0" y="0"/>
+          <a:chExt cx="0" cy="0"/>
+        </a:xfrm>
+      </p:grpSpPr>
+      <p:sp>
+        <p:nvSpPr>
+          <p:cNvPr id="1017601466" name="Заголовок 1"/>
+          <p:cNvSpPr>
+            <a:spLocks noGrp="1"/>
+          </p:cNvSpPr>
+          <p:nvPr>
+            <p:ph type="title"/>
+          </p:nvPr>
+        </p:nvSpPr>
+        <p:spPr bwMode="auto">
+          <a:xfrm>
+            <a:off x="1096549" y="274637"/>
+            <a:ext cx="9998901" cy="1143000"/>
+          </a:xfrm>
+        </p:spPr>
+        <p:txBody>
+          <a:bodyPr/>
+          <a:lstStyle/>
+          <a:p>
+            <a:pPr algn="ctr">
+              <a:defRPr/>
+            </a:pPr>
+            <a:r>
+              <a:rPr sz="2600"/>
+              <a:t>Литература</a:t>
+            </a:r>
+            <a:endParaRPr sz="2600"/>
+          </a:p>
+        </p:txBody>
+      </p:sp>
+      <p:sp>
+        <p:nvSpPr>
+          <p:cNvPr id="1729909101" name=""/>
+          <p:cNvSpPr txBox="1"/>
+          <p:nvPr/>
+        </p:nvSpPr>
+        <p:spPr bwMode="auto">
+          <a:xfrm flipH="0" flipV="0">
+            <a:off x="3753824" y="1666874"/>
+            <a:ext cx="9116145" cy="366119"/>
+          </a:xfrm>
+          <a:prstGeom prst="rect">
+            <a:avLst/>
+          </a:prstGeom>
+          <a:noFill/>
+        </p:spPr>
+        <p:txBody>
+          <a:bodyPr vertOverflow="overflow" horzOverflow="overflow" vert="horz" wrap="square" lIns="91440" tIns="45720" rIns="91440" bIns="45720" numCol="1" spcCol="0" rtlCol="0" fromWordArt="0" anchor="t" anchorCtr="0" forceAA="0" upright="0" compatLnSpc="0">
+            <a:spAutoFit/>
+          </a:bodyPr>
+          <a:p>
+            <a:pPr>
+              <a:defRPr/>
+            </a:pPr>
+            <a:endParaRPr/>
+          </a:p>
+        </p:txBody>
+      </p:sp>
+      <p:sp>
+        <p:nvSpPr>
+          <p:cNvPr id="735270034" name=""/>
+          <p:cNvSpPr txBox="1"/>
+          <p:nvPr/>
+        </p:nvSpPr>
+        <p:spPr bwMode="auto">
+          <a:xfrm flipH="0" flipV="0">
+            <a:off x="1182274" y="2233019"/>
+            <a:ext cx="10993089" cy="3383639"/>
+          </a:xfrm>
+          <a:prstGeom prst="rect">
+            <a:avLst/>
+          </a:prstGeom>
+          <a:noFill/>
+        </p:spPr>
+        <p:txBody>
+          <a:bodyPr vertOverflow="overflow" horzOverflow="overflow" vert="horz" wrap="square" lIns="91440" tIns="45720" rIns="91440" bIns="45720" numCol="1" spcCol="0" rtlCol="0" fromWordArt="0" anchor="t" anchorCtr="0" forceAA="0" upright="0" compatLnSpc="0">
+            <a:spAutoFit/>
+          </a:bodyPr>
+          <a:p>
+            <a:pPr>
+              <a:lnSpc>
+                <a:spcPct val="150000"/>
+              </a:lnSpc>
+              <a:defRPr/>
+            </a:pPr>
+            <a:r>
+              <a:rPr lang="ru-RU" sz="1800" b="0" i="0" u="none" strike="noStrike" cap="none" spc="0">
+                <a:solidFill>
+                  <a:schemeClr val="tx1"/>
+                </a:solidFill>
+                <a:latin typeface="Arial"/>
+                <a:ea typeface="Arial"/>
+                <a:cs typeface="Arial"/>
+              </a:rPr>
+              <a:t>1.Курс ЯндексПрактикума "Инженер данных" 2023-2024</a:t>
+            </a:r>
+            <a:endParaRPr lang="ru-RU" sz="1800" b="0" i="0" u="none" strike="noStrike" cap="none" spc="0">
+              <a:solidFill>
+                <a:schemeClr val="tx1"/>
+              </a:solidFill>
+              <a:latin typeface="Arial"/>
+              <a:cs typeface="Arial"/>
+            </a:endParaRPr>
+          </a:p>
+          <a:p>
+            <a:pPr>
+              <a:lnSpc>
+                <a:spcPct val="150000"/>
+              </a:lnSpc>
+              <a:defRPr/>
+            </a:pPr>
+            <a:r>
+              <a:rPr lang="ru-RU" sz="1800" b="0" i="0" u="none" strike="noStrike" cap="none" spc="0">
+                <a:solidFill>
+                  <a:schemeClr val="tx1"/>
+                </a:solidFill>
+                <a:latin typeface="Arial"/>
+                <a:ea typeface="Arial"/>
+                <a:cs typeface="Arial"/>
+              </a:rPr>
+              <a:t>2.Повышение квалификации МГТУ им Н.Э. Баумана "Аналитик данных" 2022-2023</a:t>
+            </a:r>
+            <a:endParaRPr lang="ru-RU" sz="1800" b="0" i="0" u="none" strike="noStrike" cap="none" spc="0">
+              <a:solidFill>
+                <a:schemeClr val="tx1"/>
+              </a:solidFill>
+              <a:latin typeface="Arial"/>
+              <a:cs typeface="Arial"/>
+            </a:endParaRPr>
+          </a:p>
+          <a:p>
+            <a:pPr>
+              <a:lnSpc>
+                <a:spcPct val="150000"/>
+              </a:lnSpc>
+              <a:defRPr/>
+            </a:pPr>
+            <a:r>
+              <a:rPr lang="ru-RU" sz="1800" b="0" i="0" u="none" strike="noStrike" cap="none" spc="0">
+                <a:solidFill>
+                  <a:schemeClr val="tx1"/>
+                </a:solidFill>
+                <a:latin typeface="Arial"/>
+                <a:ea typeface="Arial"/>
+                <a:cs typeface="Arial"/>
+              </a:rPr>
+              <a:t>3.МЕТЕОСТАНЦИЯ с функцией прогноза погоды методом ML, Янгалин Р.Г., МГТУ им Н.Э. Баумана, 2023, BMSTU_ML_2022_JRG.pptx</a:t>
+            </a:r>
+            <a:endParaRPr lang="ru-RU" sz="1800" b="0" i="0" u="none" strike="noStrike" cap="none" spc="0">
+              <a:solidFill>
+                <a:schemeClr val="tx1"/>
+              </a:solidFill>
+              <a:latin typeface="Arial"/>
+              <a:cs typeface="Arial"/>
+            </a:endParaRPr>
+          </a:p>
+          <a:p>
+            <a:pPr>
+              <a:lnSpc>
+                <a:spcPct val="150000"/>
+              </a:lnSpc>
+              <a:defRPr/>
+            </a:pPr>
+            <a:r>
+              <a:rPr lang="ru-RU" sz="1800" b="0" i="0" u="none" strike="noStrike" cap="none" spc="0">
+                <a:solidFill>
+                  <a:schemeClr val="tx1"/>
+                </a:solidFill>
+                <a:latin typeface="Arial"/>
+                <a:ea typeface="Arial"/>
+                <a:cs typeface="Arial"/>
+              </a:rPr>
+              <a:t>4.Apache Airflow и конвейеры обработки данных,Харенслак Б., де Руйтер Дж., 2021</a:t>
+            </a:r>
+            <a:endParaRPr lang="ru-RU" sz="1800" b="0" i="0" u="none" strike="noStrike" cap="none" spc="0">
+              <a:solidFill>
+                <a:schemeClr val="tx1"/>
+              </a:solidFill>
+              <a:latin typeface="Arial"/>
+              <a:cs typeface="Arial"/>
+            </a:endParaRPr>
+          </a:p>
+          <a:p>
+            <a:pPr>
+              <a:lnSpc>
+                <a:spcPct val="150000"/>
+              </a:lnSpc>
+              <a:defRPr/>
+            </a:pPr>
+            <a:r>
+              <a:rPr lang="ru-RU" sz="1800" b="0" i="0" u="none" strike="noStrike" cap="none" spc="0">
+                <a:solidFill>
+                  <a:schemeClr val="tx1"/>
+                </a:solidFill>
+                <a:latin typeface="Arial"/>
+                <a:ea typeface="Arial"/>
+                <a:cs typeface="Arial"/>
+              </a:rPr>
+              <a:t>5.Повышение квалификации "Администрирование PostgreSQL"</a:t>
+            </a:r>
+            <a:endParaRPr lang="ru-RU" sz="1800" b="0" i="0" u="none" strike="noStrike" cap="none" spc="0">
+              <a:solidFill>
+                <a:schemeClr val="tx1"/>
+              </a:solidFill>
+              <a:latin typeface="Arial"/>
+              <a:cs typeface="Arial"/>
+            </a:endParaRPr>
+          </a:p>
+          <a:p>
+            <a:pPr>
+              <a:lnSpc>
+                <a:spcPct val="150000"/>
+              </a:lnSpc>
+              <a:defRPr/>
+            </a:pPr>
+            <a:r>
+              <a:rPr lang="ru-RU" sz="1800" b="0" i="0" u="none" strike="noStrike" cap="none" spc="0">
+                <a:solidFill>
+                  <a:schemeClr val="tx1"/>
+                </a:solidFill>
+                <a:latin typeface="Arial"/>
+                <a:ea typeface="Arial"/>
+                <a:cs typeface="Arial"/>
+              </a:rPr>
+              <a:t>6.Docker Для Начинающих, Влад Мишустин, 2024, https://www.youtube.com/watch?v=lr1rYnUubpQ</a:t>
+            </a:r>
+            <a:endParaRPr lang="ru-RU" sz="1800" b="0" i="0" u="none" strike="noStrike" cap="none" spc="0">
+              <a:solidFill>
+                <a:schemeClr val="tx1"/>
+              </a:solidFill>
+              <a:latin typeface="Arial"/>
+              <a:cs typeface="Arial"/>
+            </a:endParaRPr>
+          </a:p>
+          <a:p>
+            <a:pPr algn="l">
+              <a:lnSpc>
+                <a:spcPct val="150000"/>
+              </a:lnSpc>
+              <a:defRPr/>
+            </a:pPr>
+            <a:r>
+              <a:rPr lang="ru-RU" sz="1800" b="0" i="0" u="none" strike="noStrike" cap="none" spc="0">
+                <a:solidFill>
+                  <a:schemeClr val="tx1"/>
+                </a:solidFill>
+                <a:latin typeface="Arial"/>
+                <a:ea typeface="Arial"/>
+                <a:cs typeface="Arial"/>
+              </a:rPr>
+              <a:t>7.Курс ЯндексПрактикума "Основы работы с Git"</a:t>
+            </a:r>
+            <a:endParaRPr lang="ru-RU" sz="1800" b="0" i="0" u="none" strike="noStrike" cap="none" spc="0">
+              <a:solidFill>
+                <a:schemeClr val="tx1"/>
+              </a:solidFill>
+              <a:latin typeface="Arial"/>
+              <a:cs typeface="Arial"/>
+            </a:endParaRPr>
           </a:p>
         </p:txBody>
       </p:sp>
@@ -4951,8 +5408,8 @@
         </p:nvSpPr>
         <p:spPr bwMode="auto">
           <a:xfrm flipH="0" flipV="0">
-            <a:off x="4257473" y="20595"/>
-            <a:ext cx="3980549" cy="950953"/>
+            <a:off x="4477461" y="106318"/>
+            <a:ext cx="3770470" cy="950952"/>
           </a:xfrm>
           <a:prstGeom prst="rect">
             <a:avLst/>
@@ -4995,7 +5452,7 @@
                 <a:ea typeface="Liberation Sans"/>
                 <a:cs typeface="Liberation Sans"/>
               </a:rPr>
-              <a:t>Кратко :</a:t>
+              <a:t>Выбор задачи Pet-проекта</a:t>
             </a:r>
             <a:endParaRPr lang="ru-RU" sz="3600" b="0" i="0" u="none" strike="noStrike" cap="none" spc="0">
               <a:solidFill>
@@ -5186,536 +5643,14 @@
       </p:grpSpPr>
       <p:sp>
         <p:nvSpPr>
-          <p:cNvPr id="1464548715" name=""/>
-          <p:cNvSpPr/>
-          <p:nvPr/>
-        </p:nvSpPr>
-        <p:spPr bwMode="auto">
-          <a:xfrm flipH="0" flipV="0">
-            <a:off x="48599" y="38099"/>
-            <a:ext cx="6172200" cy="6772275"/>
-          </a:xfrm>
-          <a:prstGeom prst="rect">
-            <a:avLst/>
-          </a:prstGeom>
-          <a:solidFill>
-            <a:schemeClr val="bg1"/>
-          </a:solidFill>
-        </p:spPr>
-        <p:style>
-          <a:lnRef idx="2">
-            <a:schemeClr val="accent1">
-              <a:shade val="50000"/>
-            </a:schemeClr>
-          </a:lnRef>
-          <a:fillRef idx="1">
-            <a:schemeClr val="accent1"/>
-          </a:fillRef>
-          <a:effectRef idx="0">
-            <a:schemeClr val="accent1"/>
-          </a:effectRef>
-          <a:fontRef idx="minor">
-            <a:schemeClr val="lt1"/>
-          </a:fontRef>
-        </p:style>
-      </p:sp>
-      <p:sp>
-        <p:nvSpPr>
-          <p:cNvPr id="965731214" name=""/>
-          <p:cNvSpPr/>
-          <p:nvPr/>
-        </p:nvSpPr>
-        <p:spPr bwMode="auto">
-          <a:xfrm flipH="0" flipV="0">
-            <a:off x="201806" y="6169933"/>
-            <a:ext cx="5838015" cy="567149"/>
-          </a:xfrm>
-          <a:prstGeom prst="flowChartAlternateProcess">
-            <a:avLst/>
-          </a:prstGeom>
-          <a:solidFill>
-            <a:schemeClr val="bg1">
-              <a:lumMod val="85000"/>
-            </a:schemeClr>
-          </a:solidFill>
-        </p:spPr>
-        <p:style>
-          <a:lnRef idx="2">
-            <a:schemeClr val="accent1">
-              <a:shade val="50000"/>
-            </a:schemeClr>
-          </a:lnRef>
-          <a:fillRef idx="1">
-            <a:schemeClr val="accent1"/>
-          </a:fillRef>
-          <a:effectRef idx="0">
-            <a:schemeClr val="accent1"/>
-          </a:effectRef>
-          <a:fontRef idx="minor">
-            <a:schemeClr val="lt1"/>
-          </a:fontRef>
-        </p:style>
-      </p:sp>
-      <p:sp>
-        <p:nvSpPr>
-          <p:cNvPr id="665181419" name=""/>
-          <p:cNvSpPr/>
-          <p:nvPr/>
-        </p:nvSpPr>
-        <p:spPr bwMode="auto">
-          <a:xfrm flipH="0" flipV="0">
-            <a:off x="949258" y="5879444"/>
-            <a:ext cx="5192819" cy="290487"/>
-          </a:xfrm>
-          <a:prstGeom prst="flowChartAlternateProcess">
-            <a:avLst/>
-          </a:prstGeom>
-          <a:solidFill>
-            <a:schemeClr val="tx2">
-              <a:lumMod val="20000"/>
-              <a:lumOff val="80000"/>
-            </a:schemeClr>
-          </a:solidFill>
-        </p:spPr>
-        <p:style>
-          <a:lnRef idx="2">
-            <a:schemeClr val="accent1">
-              <a:shade val="50000"/>
-            </a:schemeClr>
-          </a:lnRef>
-          <a:fillRef idx="1">
-            <a:schemeClr val="accent1"/>
-          </a:fillRef>
-          <a:effectRef idx="0">
-            <a:schemeClr val="accent1"/>
-          </a:effectRef>
-          <a:fontRef idx="minor">
-            <a:schemeClr val="lt1"/>
-          </a:fontRef>
-        </p:style>
-      </p:sp>
-      <p:sp>
-        <p:nvSpPr>
-          <p:cNvPr id="685153677" name=""/>
-          <p:cNvSpPr/>
-          <p:nvPr/>
-        </p:nvSpPr>
-        <p:spPr bwMode="auto">
-          <a:xfrm flipH="0" flipV="0">
-            <a:off x="201809" y="5524109"/>
-            <a:ext cx="1189814" cy="333374"/>
-          </a:xfrm>
-          <a:prstGeom prst="flowChartAlternateProcess">
-            <a:avLst/>
-          </a:prstGeom>
-          <a:solidFill>
-            <a:schemeClr val="bg1">
-              <a:lumMod val="85000"/>
-            </a:schemeClr>
-          </a:solidFill>
-        </p:spPr>
-        <p:style>
-          <a:lnRef idx="2">
-            <a:schemeClr val="accent1">
-              <a:shade val="50000"/>
-            </a:schemeClr>
-          </a:lnRef>
-          <a:fillRef idx="1">
-            <a:schemeClr val="accent1"/>
-          </a:fillRef>
-          <a:effectRef idx="0">
-            <a:schemeClr val="accent1"/>
-          </a:effectRef>
-          <a:fontRef idx="minor">
-            <a:schemeClr val="lt1"/>
-          </a:fontRef>
-        </p:style>
-      </p:sp>
-      <p:sp>
-        <p:nvSpPr>
-          <p:cNvPr id="70385371" name=""/>
-          <p:cNvSpPr/>
-          <p:nvPr/>
-        </p:nvSpPr>
-        <p:spPr bwMode="auto">
-          <a:xfrm flipH="0" flipV="0">
-            <a:off x="3706200" y="5251874"/>
-            <a:ext cx="2435879" cy="272234"/>
-          </a:xfrm>
-          <a:prstGeom prst="flowChartAlternateProcess">
-            <a:avLst/>
-          </a:prstGeom>
-          <a:solidFill>
-            <a:schemeClr val="tx2">
-              <a:lumMod val="20000"/>
-              <a:lumOff val="80000"/>
-            </a:schemeClr>
-          </a:solidFill>
-        </p:spPr>
-        <p:style>
-          <a:lnRef idx="2">
-            <a:schemeClr val="accent1">
-              <a:shade val="50000"/>
-            </a:schemeClr>
-          </a:lnRef>
-          <a:fillRef idx="1">
-            <a:schemeClr val="accent1"/>
-          </a:fillRef>
-          <a:effectRef idx="0">
-            <a:schemeClr val="accent1"/>
-          </a:effectRef>
-          <a:fontRef idx="minor">
-            <a:schemeClr val="lt1"/>
-          </a:fontRef>
-        </p:style>
-      </p:sp>
-      <p:sp>
-        <p:nvSpPr>
-          <p:cNvPr id="1512412883" name=""/>
-          <p:cNvSpPr/>
-          <p:nvPr/>
-        </p:nvSpPr>
-        <p:spPr bwMode="auto">
-          <a:xfrm flipH="0" flipV="0">
-            <a:off x="201808" y="4662073"/>
-            <a:ext cx="5476065" cy="587355"/>
-          </a:xfrm>
-          <a:prstGeom prst="flowChartAlternateProcess">
-            <a:avLst/>
-          </a:prstGeom>
-          <a:solidFill>
-            <a:schemeClr val="bg1">
-              <a:lumMod val="85000"/>
-            </a:schemeClr>
-          </a:solidFill>
-        </p:spPr>
-        <p:style>
-          <a:lnRef idx="2">
-            <a:schemeClr val="accent1">
-              <a:shade val="50000"/>
-            </a:schemeClr>
-          </a:lnRef>
-          <a:fillRef idx="1">
-            <a:schemeClr val="accent1"/>
-          </a:fillRef>
-          <a:effectRef idx="0">
-            <a:schemeClr val="accent1"/>
-          </a:effectRef>
-          <a:fontRef idx="minor">
-            <a:schemeClr val="lt1"/>
-          </a:fontRef>
-        </p:style>
-      </p:sp>
-      <p:sp>
-        <p:nvSpPr>
-          <p:cNvPr id="370115594" name=""/>
-          <p:cNvSpPr/>
-          <p:nvPr/>
-        </p:nvSpPr>
-        <p:spPr bwMode="auto">
-          <a:xfrm flipH="0" flipV="0">
-            <a:off x="1563074" y="4247039"/>
-            <a:ext cx="4579004" cy="409574"/>
-          </a:xfrm>
-          <a:prstGeom prst="flowChartAlternateProcess">
-            <a:avLst/>
-          </a:prstGeom>
-          <a:solidFill>
-            <a:schemeClr val="tx2">
-              <a:lumMod val="20000"/>
-              <a:lumOff val="80000"/>
-            </a:schemeClr>
-          </a:solidFill>
-        </p:spPr>
-        <p:style>
-          <a:lnRef idx="2">
-            <a:schemeClr val="accent1">
-              <a:shade val="50000"/>
-            </a:schemeClr>
-          </a:lnRef>
-          <a:fillRef idx="1">
-            <a:schemeClr val="accent1"/>
-          </a:fillRef>
-          <a:effectRef idx="0">
-            <a:schemeClr val="accent1"/>
-          </a:effectRef>
-          <a:fontRef idx="minor">
-            <a:schemeClr val="lt1"/>
-          </a:fontRef>
-        </p:style>
-      </p:sp>
-      <p:sp>
-        <p:nvSpPr>
-          <p:cNvPr id="1646892269" name=""/>
-          <p:cNvSpPr/>
-          <p:nvPr/>
-        </p:nvSpPr>
-        <p:spPr bwMode="auto">
-          <a:xfrm flipH="0" flipV="0">
-            <a:off x="201808" y="3913304"/>
-            <a:ext cx="4542449" cy="333374"/>
-          </a:xfrm>
-          <a:prstGeom prst="flowChartAlternateProcess">
-            <a:avLst/>
-          </a:prstGeom>
-          <a:solidFill>
-            <a:schemeClr val="bg1">
-              <a:lumMod val="85000"/>
-            </a:schemeClr>
-          </a:solidFill>
-        </p:spPr>
-        <p:style>
-          <a:lnRef idx="2">
-            <a:schemeClr val="accent1">
-              <a:shade val="50000"/>
-            </a:schemeClr>
-          </a:lnRef>
-          <a:fillRef idx="1">
-            <a:schemeClr val="accent1"/>
-          </a:fillRef>
-          <a:effectRef idx="0">
-            <a:schemeClr val="accent1"/>
-          </a:effectRef>
-          <a:fontRef idx="minor">
-            <a:schemeClr val="lt1"/>
-          </a:fontRef>
-        </p:style>
-      </p:sp>
-      <p:sp>
-        <p:nvSpPr>
-          <p:cNvPr id="1935745643" name=""/>
-          <p:cNvSpPr/>
-          <p:nvPr/>
-        </p:nvSpPr>
-        <p:spPr bwMode="auto">
-          <a:xfrm flipH="0" flipV="0">
-            <a:off x="1648800" y="3495387"/>
-            <a:ext cx="4493279" cy="409574"/>
-          </a:xfrm>
-          <a:prstGeom prst="flowChartAlternateProcess">
-            <a:avLst/>
-          </a:prstGeom>
-          <a:solidFill>
-            <a:schemeClr val="tx2">
-              <a:lumMod val="20000"/>
-              <a:lumOff val="80000"/>
-            </a:schemeClr>
-          </a:solidFill>
-        </p:spPr>
-        <p:style>
-          <a:lnRef idx="2">
-            <a:schemeClr val="accent1">
-              <a:shade val="50000"/>
-            </a:schemeClr>
-          </a:lnRef>
-          <a:fillRef idx="1">
-            <a:schemeClr val="accent1"/>
-          </a:fillRef>
-          <a:effectRef idx="0">
-            <a:schemeClr val="accent1"/>
-          </a:effectRef>
-          <a:fontRef idx="minor">
-            <a:schemeClr val="lt1"/>
-          </a:fontRef>
-        </p:style>
-      </p:sp>
-      <p:sp>
-        <p:nvSpPr>
-          <p:cNvPr id="1908252632" name=""/>
-          <p:cNvSpPr/>
-          <p:nvPr/>
-        </p:nvSpPr>
-        <p:spPr bwMode="auto">
-          <a:xfrm flipH="0" flipV="0">
-            <a:off x="201809" y="2009773"/>
-            <a:ext cx="5352959" cy="1485614"/>
-          </a:xfrm>
-          <a:prstGeom prst="flowChartAlternateProcess">
-            <a:avLst/>
-          </a:prstGeom>
-          <a:solidFill>
-            <a:schemeClr val="bg1">
-              <a:lumMod val="85000"/>
-            </a:schemeClr>
-          </a:solidFill>
-        </p:spPr>
-        <p:style>
-          <a:lnRef idx="2">
-            <a:schemeClr val="accent1">
-              <a:shade val="50000"/>
-            </a:schemeClr>
-          </a:lnRef>
-          <a:fillRef idx="1">
-            <a:schemeClr val="accent1"/>
-          </a:fillRef>
-          <a:effectRef idx="0">
-            <a:schemeClr val="accent1"/>
-          </a:effectRef>
-          <a:fontRef idx="minor">
-            <a:schemeClr val="lt1"/>
-          </a:fontRef>
-        </p:style>
-      </p:sp>
-      <p:sp>
-        <p:nvSpPr>
-          <p:cNvPr id="714939737" name=""/>
-          <p:cNvSpPr/>
-          <p:nvPr/>
-        </p:nvSpPr>
-        <p:spPr bwMode="auto">
-          <a:xfrm flipH="0" flipV="0">
-            <a:off x="4611074" y="1638299"/>
-            <a:ext cx="1531004" cy="371473"/>
-          </a:xfrm>
-          <a:prstGeom prst="flowChartAlternateProcess">
-            <a:avLst/>
-          </a:prstGeom>
-          <a:solidFill>
-            <a:schemeClr val="tx2">
-              <a:lumMod val="20000"/>
-              <a:lumOff val="80000"/>
-            </a:schemeClr>
-          </a:solidFill>
-        </p:spPr>
-        <p:style>
-          <a:lnRef idx="2">
-            <a:schemeClr val="accent1">
-              <a:shade val="50000"/>
-            </a:schemeClr>
-          </a:lnRef>
-          <a:fillRef idx="1">
-            <a:schemeClr val="accent1"/>
-          </a:fillRef>
-          <a:effectRef idx="0">
-            <a:schemeClr val="accent1"/>
-          </a:effectRef>
-          <a:fontRef idx="minor">
-            <a:schemeClr val="lt1"/>
-          </a:fontRef>
-        </p:style>
-      </p:sp>
-      <p:sp>
-        <p:nvSpPr>
-          <p:cNvPr id="1880861741" name=""/>
-          <p:cNvSpPr/>
-          <p:nvPr/>
-        </p:nvSpPr>
-        <p:spPr bwMode="auto">
-          <a:xfrm flipH="0" flipV="0">
-            <a:off x="201809" y="861599"/>
-            <a:ext cx="5115465" cy="776700"/>
-          </a:xfrm>
-          <a:prstGeom prst="flowChartAlternateProcess">
-            <a:avLst/>
-          </a:prstGeom>
-          <a:solidFill>
-            <a:schemeClr val="bg1">
-              <a:lumMod val="85000"/>
-            </a:schemeClr>
-          </a:solidFill>
-        </p:spPr>
-        <p:style>
-          <a:lnRef idx="2">
-            <a:schemeClr val="accent1">
-              <a:shade val="50000"/>
-            </a:schemeClr>
-          </a:lnRef>
-          <a:fillRef idx="1">
-            <a:schemeClr val="accent1"/>
-          </a:fillRef>
-          <a:effectRef idx="0">
-            <a:schemeClr val="accent1"/>
-          </a:effectRef>
-          <a:fontRef idx="minor">
-            <a:schemeClr val="lt1"/>
-          </a:fontRef>
-        </p:style>
-      </p:sp>
-      <p:sp>
-        <p:nvSpPr>
-          <p:cNvPr id="1004948667" name=""/>
-          <p:cNvSpPr/>
-          <p:nvPr/>
-        </p:nvSpPr>
-        <p:spPr bwMode="auto">
-          <a:xfrm flipH="0" flipV="0">
-            <a:off x="2553674" y="404039"/>
-            <a:ext cx="3588404" cy="457560"/>
-          </a:xfrm>
-          <a:prstGeom prst="flowChartAlternateProcess">
-            <a:avLst/>
-          </a:prstGeom>
-          <a:solidFill>
-            <a:schemeClr val="tx2">
-              <a:lumMod val="20000"/>
-              <a:lumOff val="80000"/>
-            </a:schemeClr>
-          </a:solidFill>
-        </p:spPr>
-        <p:style>
-          <a:lnRef idx="2">
-            <a:schemeClr val="accent1">
-              <a:shade val="50000"/>
-            </a:schemeClr>
-          </a:lnRef>
-          <a:fillRef idx="1">
-            <a:schemeClr val="accent1"/>
-          </a:fillRef>
-          <a:effectRef idx="0">
-            <a:schemeClr val="accent1"/>
-          </a:effectRef>
-          <a:fontRef idx="minor">
-            <a:schemeClr val="lt1"/>
-          </a:fontRef>
-        </p:style>
-      </p:sp>
-      <p:sp>
-        <p:nvSpPr>
-          <p:cNvPr id="1141545364" name=""/>
-          <p:cNvSpPr/>
-          <p:nvPr/>
-        </p:nvSpPr>
-        <p:spPr bwMode="auto">
-          <a:xfrm flipH="0" flipV="0">
-            <a:off x="201809" y="129359"/>
-            <a:ext cx="5115465" cy="274679"/>
-          </a:xfrm>
-          <a:prstGeom prst="flowChartAlternateProcess">
-            <a:avLst/>
-          </a:prstGeom>
-          <a:solidFill>
-            <a:schemeClr val="bg1">
-              <a:lumMod val="85000"/>
-            </a:schemeClr>
-          </a:solidFill>
-        </p:spPr>
-        <p:style>
-          <a:lnRef idx="2">
-            <a:schemeClr val="accent1">
-              <a:shade val="50000"/>
-            </a:schemeClr>
-          </a:lnRef>
-          <a:fillRef idx="1">
-            <a:schemeClr val="accent1"/>
-          </a:fillRef>
-          <a:effectRef idx="0">
-            <a:schemeClr val="accent1"/>
-          </a:effectRef>
-          <a:fontRef idx="minor">
-            <a:schemeClr val="lt1"/>
-          </a:fontRef>
-        </p:style>
-      </p:sp>
-      <p:sp>
-        <p:nvSpPr>
-          <p:cNvPr id="191424303" name=""/>
+          <p:cNvPr id="561272382" name=""/>
           <p:cNvSpPr txBox="1"/>
           <p:nvPr/>
         </p:nvSpPr>
         <p:spPr bwMode="auto">
           <a:xfrm flipH="0" flipV="0">
-            <a:off x="144119" y="129359"/>
-            <a:ext cx="5173154" cy="274679"/>
+            <a:off x="7312149" y="733963"/>
+            <a:ext cx="5214769" cy="4686361"/>
           </a:xfrm>
           <a:prstGeom prst="rect">
             <a:avLst/>
@@ -5727,27 +5662,767 @@
             <a:spAutoFit/>
           </a:bodyPr>
           <a:p>
-            <a:pPr>
+            <a:pPr marL="217793" indent="-217793">
+              <a:buAutoNum type="arabicPeriod"/>
               <a:defRPr/>
             </a:pPr>
             <a:r>
               <a:rPr sz="1200"/>
-              <a:t>Привет, Коллега! Есть время заняться новой задачкой от сантистов ?</a:t>
+              <a:t>С сайта </a:t>
+            </a:r>
+            <a:r>
+              <a:rPr lang="ru-RU" sz="1200" b="0" i="0" u="sng" strike="noStrike" cap="none" spc="0">
+                <a:solidFill>
+                  <a:schemeClr val="tx1"/>
+                </a:solidFill>
+                <a:latin typeface="Arial"/>
+                <a:ea typeface="Arial"/>
+                <a:cs typeface="Arial"/>
+                <a:hlinkClick r:id="rId2" tooltip="https://rp5.ru/Архив_погоды_в_Москве_(ВДНХ)"/>
+              </a:rPr>
+              <a:t>https://rp5.ru/Архив_погоды_в_Москве_(ВДНХ)</a:t>
             </a:r>
             <a:endParaRPr sz="1200"/>
           </a:p>
-        </p:txBody>
-      </p:sp>
-      <p:sp>
-        <p:nvSpPr>
-          <p:cNvPr id="2010147899" name=""/>
+          <a:p>
+            <a:pPr>
+              <a:defRPr/>
+            </a:pPr>
+            <a:r>
+              <a:rPr sz="1200"/>
+              <a:t>     получить csv-файл погоды за год</a:t>
+            </a:r>
+            <a:endParaRPr sz="1200"/>
+          </a:p>
+          <a:p>
+            <a:pPr>
+              <a:defRPr/>
+            </a:pPr>
+            <a:endParaRPr sz="1200"/>
+          </a:p>
+          <a:p>
+            <a:pPr>
+              <a:defRPr/>
+            </a:pPr>
+            <a:r>
+              <a:rPr sz="1200"/>
+              <a:t>2.  Считать в DataFrame, проанализировать </a:t>
+            </a:r>
+            <a:r>
+              <a:rPr lang="ru-RU" sz="1200" b="0" i="0" u="none" strike="noStrike" cap="none" spc="0">
+                <a:solidFill>
+                  <a:schemeClr val="tx1"/>
+                </a:solidFill>
+                <a:latin typeface="Arial"/>
+                <a:ea typeface="Arial"/>
+                <a:cs typeface="Arial"/>
+              </a:rPr>
+              <a:t>структуру</a:t>
+            </a:r>
+            <a:endParaRPr sz="1200"/>
+          </a:p>
+          <a:p>
+            <a:pPr>
+              <a:defRPr/>
+            </a:pPr>
+            <a:endParaRPr lang="ru-RU" sz="1200" b="0" i="0" u="none" strike="noStrike" cap="none" spc="0">
+              <a:solidFill>
+                <a:schemeClr val="tx1"/>
+              </a:solidFill>
+              <a:latin typeface="Times New Roman"/>
+              <a:cs typeface="Times New Roman"/>
+            </a:endParaRPr>
+          </a:p>
+          <a:p>
+            <a:pPr>
+              <a:defRPr/>
+            </a:pPr>
+            <a:r>
+              <a:rPr sz="1200"/>
+              <a:t>3.  </a:t>
+            </a:r>
+            <a:r>
+              <a:rPr lang="ru-RU" sz="1200" b="0" i="0" u="none" strike="noStrike" cap="none" spc="0">
+                <a:solidFill>
+                  <a:schemeClr val="tx1"/>
+                </a:solidFill>
+                <a:latin typeface="Arial"/>
+                <a:ea typeface="Arial"/>
+                <a:cs typeface="Arial"/>
+              </a:rPr>
+              <a:t>Для обучения ML-модели подготовить </a:t>
+            </a:r>
+            <a:r>
+              <a:rPr lang="ru-RU" sz="1200" b="0" i="0" u="none" strike="noStrike" cap="none" spc="0">
+                <a:solidFill>
+                  <a:schemeClr val="tx1"/>
+                </a:solidFill>
+                <a:latin typeface="Arial"/>
+                <a:ea typeface="Arial"/>
+                <a:cs typeface="Arial"/>
+              </a:rPr>
+              <a:t>DataFrame</a:t>
+            </a:r>
+            <a:r>
+              <a:rPr lang="ru-RU" sz="1200" b="0" i="0" u="none" strike="noStrike" cap="none" spc="0">
+                <a:solidFill>
+                  <a:schemeClr val="tx1"/>
+                </a:solidFill>
+                <a:latin typeface="Arial"/>
+                <a:ea typeface="Arial"/>
+                <a:cs typeface="Arial"/>
+              </a:rPr>
+              <a:t>:</a:t>
+            </a:r>
+            <a:endParaRPr lang="ru-RU" sz="1200" b="0" i="0" u="none" strike="noStrike" cap="none" spc="0">
+              <a:solidFill>
+                <a:schemeClr val="tx1"/>
+              </a:solidFill>
+              <a:latin typeface="Times New Roman"/>
+              <a:cs typeface="Times New Roman"/>
+            </a:endParaRPr>
+          </a:p>
+          <a:p>
+            <a:pPr>
+              <a:defRPr/>
+            </a:pPr>
+            <a:r>
+              <a:rPr lang="ru-RU" sz="1200" b="0" i="0" u="none" strike="noStrike" cap="none" spc="0">
+                <a:solidFill>
+                  <a:schemeClr val="tx1"/>
+                </a:solidFill>
+                <a:latin typeface="Arial"/>
+                <a:ea typeface="Arial"/>
+                <a:cs typeface="Arial"/>
+              </a:rPr>
+              <a:t>      DT -  время в формате DD.MM.YYYY HH24:MI</a:t>
+            </a:r>
+            <a:endParaRPr lang="ru-RU" sz="1200" b="0" i="0" u="none" strike="noStrike" cap="none" spc="0">
+              <a:solidFill>
+                <a:schemeClr val="tx1"/>
+              </a:solidFill>
+              <a:latin typeface="Times New Roman"/>
+              <a:cs typeface="Times New Roman"/>
+            </a:endParaRPr>
+          </a:p>
+          <a:p>
+            <a:pPr>
+              <a:defRPr/>
+            </a:pPr>
+            <a:r>
+              <a:rPr lang="ru-RU" sz="1200" b="0" i="0" u="none" strike="noStrike" cap="none" spc="0">
+                <a:solidFill>
+                  <a:schemeClr val="tx1"/>
+                </a:solidFill>
+                <a:latin typeface="Arial"/>
+                <a:ea typeface="Arial"/>
+                <a:cs typeface="Arial"/>
+              </a:rPr>
+              <a:t>      T    -  измеренную температуру</a:t>
+            </a:r>
+            <a:endParaRPr lang="ru-RU" sz="1200" b="0" i="0" u="none" strike="noStrike" cap="none" spc="0">
+              <a:solidFill>
+                <a:schemeClr val="tx1"/>
+              </a:solidFill>
+              <a:latin typeface="Times New Roman"/>
+              <a:cs typeface="Times New Roman"/>
+            </a:endParaRPr>
+          </a:p>
+          <a:p>
+            <a:pPr>
+              <a:defRPr/>
+            </a:pPr>
+            <a:endParaRPr sz="1200"/>
+          </a:p>
+          <a:p>
+            <a:pPr>
+              <a:defRPr/>
+            </a:pPr>
+            <a:r>
+              <a:rPr sz="1200"/>
+              <a:t>4.  Проверить задается ли </a:t>
+            </a:r>
+            <a:r>
+              <a:rPr lang="ru-RU" sz="1200" b="0" i="0" u="none" strike="noStrike" cap="none" spc="0">
+                <a:solidFill>
+                  <a:schemeClr val="tx1"/>
+                </a:solidFill>
+                <a:latin typeface="Arial"/>
+                <a:ea typeface="Arial"/>
+                <a:cs typeface="Arial"/>
+              </a:rPr>
+              <a:t>DT </a:t>
+            </a:r>
+            <a:r>
+              <a:rPr sz="1200"/>
+              <a:t>регулярно через 3ч</a:t>
+            </a:r>
+            <a:endParaRPr sz="1200"/>
+          </a:p>
+          <a:p>
+            <a:pPr>
+              <a:defRPr/>
+            </a:pPr>
+            <a:endParaRPr sz="1200"/>
+          </a:p>
+          <a:p>
+            <a:pPr>
+              <a:defRPr/>
+            </a:pPr>
+            <a:r>
+              <a:rPr sz="1200"/>
+              <a:t>5. Если обнаружены пропуски Т, заполнить средним между </a:t>
+            </a:r>
+            <a:endParaRPr sz="1200"/>
+          </a:p>
+          <a:p>
+            <a:pPr>
+              <a:defRPr/>
+            </a:pPr>
+            <a:r>
+              <a:rPr sz="1200"/>
+              <a:t>    предыдущей и последующей температурой</a:t>
+            </a:r>
+            <a:endParaRPr sz="1200"/>
+          </a:p>
+          <a:p>
+            <a:pPr>
+              <a:defRPr/>
+            </a:pPr>
+            <a:endParaRPr sz="1200"/>
+          </a:p>
+          <a:p>
+            <a:pPr>
+              <a:defRPr/>
+            </a:pPr>
+            <a:r>
+              <a:rPr sz="1200"/>
+              <a:t>6. Из полученного </a:t>
+            </a:r>
+            <a:r>
+              <a:rPr lang="ru-RU" sz="1200" b="0" i="0" u="none" strike="noStrike" cap="none" spc="0">
+                <a:solidFill>
+                  <a:schemeClr val="tx1"/>
+                </a:solidFill>
+                <a:latin typeface="Arial"/>
+                <a:ea typeface="Arial"/>
+                <a:cs typeface="Arial"/>
+              </a:rPr>
+              <a:t>DataFrame</a:t>
+            </a:r>
+            <a:r>
+              <a:rPr sz="1200"/>
+              <a:t> создать новый со столбцами:</a:t>
+            </a:r>
+            <a:endParaRPr sz="1200"/>
+          </a:p>
+          <a:p>
+            <a:pPr>
+              <a:defRPr/>
+            </a:pPr>
+            <a:r>
+              <a:rPr lang="ru-RU" sz="1200" b="0" i="0" u="none" strike="noStrike" cap="none" spc="0">
+                <a:solidFill>
+                  <a:schemeClr val="tx1"/>
+                </a:solidFill>
+                <a:latin typeface="Arial"/>
+                <a:ea typeface="Arial"/>
+                <a:cs typeface="Arial"/>
+              </a:rPr>
+              <a:t>    </a:t>
+            </a:r>
+            <a:r>
+              <a:rPr lang="ru-RU" sz="1200" b="0" i="0" u="none" strike="noStrike" cap="none" spc="0">
+                <a:solidFill>
+                  <a:schemeClr val="tx1"/>
+                </a:solidFill>
+                <a:latin typeface="Open Sans"/>
+                <a:ea typeface="Open Sans"/>
+                <a:cs typeface="Open Sans"/>
+              </a:rPr>
+              <a:t>m0</a:t>
+            </a:r>
+            <a:r>
+              <a:rPr lang="ru-RU" sz="1200" b="0" i="0" u="none" strike="noStrike" cap="none" spc="0">
+                <a:solidFill>
+                  <a:schemeClr val="tx1"/>
+                </a:solidFill>
+                <a:latin typeface="Arial"/>
+                <a:ea typeface="Arial"/>
+                <a:cs typeface="Arial"/>
+              </a:rPr>
+              <a:t>  - </a:t>
+            </a:r>
+            <a:r>
+              <a:rPr lang="ru-RU" sz="1200" b="0" i="0" u="none" strike="noStrike" cap="none" spc="0">
+                <a:solidFill>
+                  <a:schemeClr val="tx1"/>
+                </a:solidFill>
+                <a:latin typeface="Arial"/>
+                <a:ea typeface="Arial"/>
+                <a:cs typeface="Arial"/>
+              </a:rPr>
+              <a:t>Признак (1/0) времени года «зима»</a:t>
+            </a:r>
+            <a:endParaRPr sz="1200"/>
+          </a:p>
+          <a:p>
+            <a:pPr>
+              <a:defRPr/>
+            </a:pPr>
+            <a:r>
+              <a:rPr lang="ru-RU" sz="1200" b="0" i="0" u="none" strike="noStrike" cap="none" spc="0">
+                <a:solidFill>
+                  <a:schemeClr val="tx1"/>
+                </a:solidFill>
+                <a:latin typeface="Arial"/>
+                <a:ea typeface="Arial"/>
+                <a:cs typeface="Arial"/>
+              </a:rPr>
+              <a:t>    </a:t>
+            </a:r>
+            <a:r>
+              <a:rPr lang="ru-RU" sz="1200" b="0" i="0" u="none" strike="noStrike" cap="none" spc="0">
+                <a:solidFill>
+                  <a:schemeClr val="tx1"/>
+                </a:solidFill>
+                <a:latin typeface="Open Sans"/>
+                <a:ea typeface="Open Sans"/>
+                <a:cs typeface="Open Sans"/>
+              </a:rPr>
+              <a:t>m1</a:t>
+            </a:r>
+            <a:r>
+              <a:rPr lang="ru-RU" sz="1200" b="0" i="0" u="none" strike="noStrike" cap="none" spc="0">
+                <a:solidFill>
+                  <a:schemeClr val="tx1"/>
+                </a:solidFill>
+                <a:latin typeface="Arial"/>
+                <a:ea typeface="Arial"/>
+                <a:cs typeface="Arial"/>
+              </a:rPr>
+              <a:t>  - </a:t>
+            </a:r>
+            <a:r>
+              <a:rPr lang="ru-RU" sz="1200" b="0" i="0" u="none" strike="noStrike" cap="none" spc="0">
+                <a:solidFill>
+                  <a:schemeClr val="tx1"/>
+                </a:solidFill>
+                <a:latin typeface="Arial"/>
+                <a:ea typeface="Arial"/>
+                <a:cs typeface="Arial"/>
+              </a:rPr>
+              <a:t>Признак (1/0) времени года «весна»</a:t>
+            </a:r>
+            <a:endParaRPr sz="1200"/>
+          </a:p>
+          <a:p>
+            <a:pPr>
+              <a:defRPr/>
+            </a:pPr>
+            <a:r>
+              <a:rPr lang="ru-RU" sz="1200" b="0" i="0" u="none" strike="noStrike" cap="none" spc="0">
+                <a:solidFill>
+                  <a:schemeClr val="tx1"/>
+                </a:solidFill>
+                <a:latin typeface="Arial"/>
+                <a:ea typeface="Arial"/>
+                <a:cs typeface="Arial"/>
+              </a:rPr>
+              <a:t>    </a:t>
+            </a:r>
+            <a:r>
+              <a:rPr lang="ru-RU" sz="1200" b="0" i="0" u="none" strike="noStrike" cap="none" spc="0">
+                <a:solidFill>
+                  <a:schemeClr val="tx1"/>
+                </a:solidFill>
+                <a:latin typeface="Open Sans"/>
+                <a:ea typeface="Open Sans"/>
+                <a:cs typeface="Open Sans"/>
+              </a:rPr>
+              <a:t>m2</a:t>
+            </a:r>
+            <a:r>
+              <a:rPr lang="ru-RU" sz="1200" b="0" i="0" u="none" strike="noStrike" cap="none" spc="0">
+                <a:solidFill>
+                  <a:schemeClr val="tx1"/>
+                </a:solidFill>
+                <a:latin typeface="Arial"/>
+                <a:ea typeface="Arial"/>
+                <a:cs typeface="Arial"/>
+              </a:rPr>
+              <a:t>  - </a:t>
+            </a:r>
+            <a:r>
+              <a:rPr lang="ru-RU" sz="1200" b="0" i="0" u="none" strike="noStrike" cap="none" spc="0">
+                <a:solidFill>
+                  <a:schemeClr val="tx1"/>
+                </a:solidFill>
+                <a:latin typeface="Arial"/>
+                <a:ea typeface="Arial"/>
+                <a:cs typeface="Arial"/>
+              </a:rPr>
+              <a:t>Признак (1/0) времени года «лето»</a:t>
+            </a:r>
+            <a:endParaRPr sz="1200"/>
+          </a:p>
+          <a:p>
+            <a:pPr>
+              <a:defRPr/>
+            </a:pPr>
+            <a:r>
+              <a:rPr lang="ru-RU" sz="1200" b="0" i="0" u="none" strike="noStrike" cap="none" spc="0">
+                <a:solidFill>
+                  <a:schemeClr val="tx1"/>
+                </a:solidFill>
+                <a:latin typeface="Arial"/>
+                <a:ea typeface="Arial"/>
+                <a:cs typeface="Arial"/>
+              </a:rPr>
+              <a:t>    </a:t>
+            </a:r>
+            <a:r>
+              <a:rPr lang="ru-RU" sz="1200" b="0" i="0" u="none" strike="noStrike" cap="none" spc="0">
+                <a:solidFill>
+                  <a:schemeClr val="tx1"/>
+                </a:solidFill>
+                <a:latin typeface="Open Sans"/>
+                <a:ea typeface="Open Sans"/>
+                <a:cs typeface="Open Sans"/>
+              </a:rPr>
+              <a:t>m3</a:t>
+            </a:r>
+            <a:r>
+              <a:rPr lang="ru-RU" sz="1200" b="0" i="0" u="none" strike="noStrike" cap="none" spc="0">
+                <a:solidFill>
+                  <a:schemeClr val="tx1"/>
+                </a:solidFill>
+                <a:latin typeface="Arial"/>
+                <a:ea typeface="Arial"/>
+                <a:cs typeface="Arial"/>
+              </a:rPr>
+              <a:t>  - </a:t>
+            </a:r>
+            <a:r>
+              <a:rPr lang="ru-RU" sz="1200" b="0" i="0" u="none" strike="noStrike" cap="none" spc="0">
+                <a:solidFill>
+                  <a:schemeClr val="tx1"/>
+                </a:solidFill>
+                <a:latin typeface="Arial"/>
+                <a:ea typeface="Arial"/>
+                <a:cs typeface="Arial"/>
+              </a:rPr>
+              <a:t>Признак (1/0) времени года «осень»</a:t>
+            </a:r>
+            <a:endParaRPr sz="1200"/>
+          </a:p>
+          <a:p>
+            <a:pPr>
+              <a:defRPr/>
+            </a:pPr>
+            <a:r>
+              <a:rPr lang="ru-RU" sz="1200" b="0" i="0" u="none" strike="noStrike" cap="none" spc="0">
+                <a:solidFill>
+                  <a:schemeClr val="tx1"/>
+                </a:solidFill>
+                <a:latin typeface="Arial"/>
+                <a:ea typeface="Arial"/>
+                <a:cs typeface="Arial"/>
+              </a:rPr>
+              <a:t>    </a:t>
+            </a:r>
+            <a:r>
+              <a:rPr lang="ru-RU" sz="1200" b="0" i="0" u="none" strike="noStrike" cap="none" spc="0">
+                <a:solidFill>
+                  <a:schemeClr val="tx1"/>
+                </a:solidFill>
+                <a:latin typeface="Arial"/>
+                <a:ea typeface="Arial"/>
+                <a:cs typeface="Arial"/>
+              </a:rPr>
+              <a:t>hh   -  Время первого замера (T-3)</a:t>
+            </a:r>
+            <a:endParaRPr sz="1200"/>
+          </a:p>
+          <a:p>
+            <a:pPr>
+              <a:defRPr/>
+            </a:pPr>
+            <a:r>
+              <a:rPr lang="ru-RU" sz="1200" b="0" i="0" u="none" strike="noStrike" cap="none" spc="0">
+                <a:solidFill>
+                  <a:schemeClr val="tx1"/>
+                </a:solidFill>
+                <a:latin typeface="Arial"/>
+                <a:ea typeface="Arial"/>
+                <a:cs typeface="Arial"/>
+              </a:rPr>
+              <a:t>    T-3</a:t>
+            </a:r>
+            <a:r>
+              <a:rPr lang="ru-RU" sz="1200" b="0" i="0" u="none" strike="noStrike" cap="none" spc="0">
+                <a:solidFill>
+                  <a:schemeClr val="tx1"/>
+                </a:solidFill>
+                <a:latin typeface="Arial"/>
+                <a:ea typeface="Arial"/>
+                <a:cs typeface="Arial"/>
+              </a:rPr>
+              <a:t>  - Первый замер</a:t>
+            </a:r>
+            <a:r>
+              <a:rPr lang="ru-RU" sz="1200" b="0" i="0" u="none" strike="noStrike" cap="none" spc="0">
+                <a:solidFill>
+                  <a:schemeClr val="tx1"/>
+                </a:solidFill>
+                <a:latin typeface="Arial"/>
+                <a:ea typeface="Arial"/>
+                <a:cs typeface="Arial"/>
+              </a:rPr>
+              <a:t> </a:t>
+            </a:r>
+            <a:r>
+              <a:rPr lang="ru-RU" sz="1200" b="0" i="0" u="none" strike="noStrike" cap="none" spc="0">
+                <a:solidFill>
+                  <a:schemeClr val="tx1"/>
+                </a:solidFill>
+                <a:latin typeface="Arial"/>
+                <a:ea typeface="Arial"/>
+                <a:cs typeface="Arial"/>
+              </a:rPr>
+              <a:t>Температуры</a:t>
+            </a:r>
+            <a:endParaRPr sz="1200"/>
+          </a:p>
+          <a:p>
+            <a:pPr>
+              <a:defRPr/>
+            </a:pPr>
+            <a:r>
+              <a:rPr lang="ru-RU" sz="1200" b="0" i="0" u="none" strike="noStrike" cap="none" spc="0">
+                <a:solidFill>
+                  <a:schemeClr val="tx1"/>
+                </a:solidFill>
+                <a:latin typeface="Arial"/>
+                <a:ea typeface="Arial"/>
+                <a:cs typeface="Arial"/>
+              </a:rPr>
+              <a:t>    T-2</a:t>
+            </a:r>
+            <a:r>
+              <a:rPr lang="ru-RU" sz="1200" b="0" i="0" u="none" strike="noStrike" cap="none" spc="0">
+                <a:solidFill>
+                  <a:schemeClr val="tx1"/>
+                </a:solidFill>
+                <a:latin typeface="Arial"/>
+                <a:ea typeface="Arial"/>
+                <a:cs typeface="Arial"/>
+              </a:rPr>
+              <a:t>  - </a:t>
+            </a:r>
+            <a:r>
+              <a:rPr lang="ru-RU" sz="1200" b="0" i="0" u="none" strike="noStrike" cap="none" spc="0">
+                <a:solidFill>
+                  <a:schemeClr val="tx1"/>
+                </a:solidFill>
+                <a:latin typeface="Arial"/>
+                <a:ea typeface="Arial"/>
+                <a:cs typeface="Arial"/>
+              </a:rPr>
+              <a:t>Второй замер</a:t>
+            </a:r>
+            <a:r>
+              <a:rPr lang="ru-RU" sz="1200" b="0" i="0" u="none" strike="noStrike" cap="none" spc="0">
+                <a:solidFill>
+                  <a:schemeClr val="tx1"/>
+                </a:solidFill>
+                <a:latin typeface="Arial"/>
+                <a:ea typeface="Arial"/>
+                <a:cs typeface="Arial"/>
+              </a:rPr>
+              <a:t> </a:t>
+            </a:r>
+            <a:r>
+              <a:rPr lang="ru-RU" sz="1200" b="0" i="0" u="none" strike="noStrike" cap="none" spc="0">
+                <a:solidFill>
+                  <a:schemeClr val="tx1"/>
+                </a:solidFill>
+                <a:latin typeface="Arial"/>
+                <a:ea typeface="Arial"/>
+                <a:cs typeface="Arial"/>
+              </a:rPr>
+              <a:t>Температуры</a:t>
+            </a:r>
+            <a:endParaRPr sz="1200"/>
+          </a:p>
+          <a:p>
+            <a:pPr>
+              <a:defRPr/>
+            </a:pPr>
+            <a:r>
+              <a:rPr lang="ru-RU" sz="1200" b="0" i="0" u="none" strike="noStrike" cap="none" spc="0">
+                <a:solidFill>
+                  <a:schemeClr val="tx1"/>
+                </a:solidFill>
+                <a:latin typeface="Arial"/>
+                <a:ea typeface="Arial"/>
+                <a:cs typeface="Arial"/>
+              </a:rPr>
+              <a:t>    T-1</a:t>
+            </a:r>
+            <a:r>
+              <a:rPr lang="ru-RU" sz="1200" b="0" i="0" u="none" strike="noStrike" cap="none" spc="0">
+                <a:solidFill>
+                  <a:schemeClr val="tx1"/>
+                </a:solidFill>
+                <a:latin typeface="Arial"/>
+                <a:ea typeface="Arial"/>
+                <a:cs typeface="Arial"/>
+              </a:rPr>
+              <a:t>  - </a:t>
+            </a:r>
+            <a:r>
+              <a:rPr lang="ru-RU" sz="1200" b="0" i="0" u="none" strike="noStrike" cap="none" spc="0">
+                <a:solidFill>
+                  <a:schemeClr val="tx1"/>
+                </a:solidFill>
+                <a:latin typeface="Arial"/>
+                <a:ea typeface="Arial"/>
+                <a:cs typeface="Arial"/>
+              </a:rPr>
+              <a:t>Третий замер</a:t>
+            </a:r>
+            <a:r>
+              <a:rPr lang="ru-RU" sz="1200" b="0" i="0" u="none" strike="noStrike" cap="none" spc="0">
+                <a:solidFill>
+                  <a:schemeClr val="tx1"/>
+                </a:solidFill>
+                <a:latin typeface="Arial"/>
+                <a:ea typeface="Arial"/>
+                <a:cs typeface="Arial"/>
+              </a:rPr>
+              <a:t> </a:t>
+            </a:r>
+            <a:r>
+              <a:rPr lang="ru-RU" sz="1200" b="0" i="0" u="none" strike="noStrike" cap="none" spc="0">
+                <a:solidFill>
+                  <a:schemeClr val="tx1"/>
+                </a:solidFill>
+                <a:latin typeface="Arial"/>
+                <a:ea typeface="Arial"/>
+                <a:cs typeface="Arial"/>
+              </a:rPr>
+              <a:t>Температуры</a:t>
+            </a:r>
+            <a:endParaRPr sz="1200"/>
+          </a:p>
+          <a:p>
+            <a:pPr>
+              <a:defRPr/>
+            </a:pPr>
+            <a:r>
+              <a:rPr lang="ru-RU" sz="1200" b="0" i="0" u="none" strike="noStrike" cap="none" spc="0">
+                <a:solidFill>
+                  <a:schemeClr val="tx1"/>
+                </a:solidFill>
+                <a:latin typeface="Arial"/>
+                <a:ea typeface="Arial"/>
+                <a:cs typeface="Arial"/>
+              </a:rPr>
+              <a:t>    T0 </a:t>
+            </a:r>
+            <a:r>
+              <a:rPr lang="ru-RU" sz="1200" b="0" i="0" u="none" strike="noStrike" cap="none" spc="0">
+                <a:solidFill>
+                  <a:schemeClr val="tx1"/>
+                </a:solidFill>
+                <a:latin typeface="Arial"/>
+                <a:ea typeface="Arial"/>
+                <a:cs typeface="Arial"/>
+              </a:rPr>
+              <a:t>  -  </a:t>
+            </a:r>
+            <a:r>
+              <a:rPr lang="ru-RU" sz="1200" b="0" i="0" u="none" strike="noStrike" cap="none" spc="0">
+                <a:solidFill>
+                  <a:schemeClr val="tx1"/>
+                </a:solidFill>
+                <a:latin typeface="Arial"/>
+                <a:ea typeface="Arial"/>
+                <a:cs typeface="Arial"/>
+              </a:rPr>
+              <a:t>Четвертый замер </a:t>
+            </a:r>
+            <a:r>
+              <a:rPr lang="ru-RU" sz="1200" b="0" i="0" u="none" strike="noStrike" cap="none" spc="0">
+                <a:solidFill>
+                  <a:schemeClr val="tx1"/>
+                </a:solidFill>
+                <a:latin typeface="Arial"/>
+                <a:ea typeface="Arial"/>
+                <a:cs typeface="Arial"/>
+              </a:rPr>
+              <a:t>Температуры</a:t>
+            </a:r>
+            <a:endParaRPr sz="1200"/>
+          </a:p>
+          <a:p>
+            <a:pPr>
+              <a:defRPr/>
+            </a:pPr>
+            <a:r>
+              <a:rPr lang="ru-RU" sz="1200" b="0" i="0" u="none" strike="noStrike" cap="none" spc="0">
+                <a:solidFill>
+                  <a:schemeClr val="tx1"/>
+                </a:solidFill>
+                <a:latin typeface="Arial"/>
+                <a:ea typeface="Arial"/>
+                <a:cs typeface="Arial"/>
+              </a:rPr>
+              <a:t>    T+1</a:t>
+            </a:r>
+            <a:r>
+              <a:rPr lang="ru-RU" sz="1200" b="0" i="0" u="none" strike="noStrike" cap="none" spc="0">
+                <a:solidFill>
+                  <a:schemeClr val="tx1"/>
+                </a:solidFill>
+                <a:latin typeface="Arial"/>
+                <a:ea typeface="Arial"/>
+                <a:cs typeface="Arial"/>
+              </a:rPr>
+              <a:t> -  Пятый замер - Прогнозируемая </a:t>
+            </a:r>
+            <a:r>
+              <a:rPr lang="ru-RU" sz="1200" b="0" i="0" u="none" strike="noStrike" cap="none" spc="0">
+                <a:solidFill>
+                  <a:schemeClr val="tx1"/>
+                </a:solidFill>
+                <a:latin typeface="Arial"/>
+                <a:ea typeface="Arial"/>
+                <a:cs typeface="Arial"/>
+              </a:rPr>
+              <a:t>температура</a:t>
+            </a:r>
+            <a:endParaRPr lang="ru-RU" sz="1200" b="0" i="0" u="none" strike="noStrike" cap="none" spc="0">
+              <a:solidFill>
+                <a:schemeClr val="tx1"/>
+              </a:solidFill>
+              <a:latin typeface="Times New Roman"/>
+              <a:cs typeface="Times New Roman"/>
+            </a:endParaRPr>
+          </a:p>
+        </p:txBody>
+      </p:sp>
+      <p:sp>
+        <p:nvSpPr>
+          <p:cNvPr id="641450096" name=""/>
           <p:cNvSpPr txBox="1"/>
           <p:nvPr/>
         </p:nvSpPr>
         <p:spPr bwMode="auto">
           <a:xfrm flipH="0" flipV="0">
-            <a:off x="2429848" y="404039"/>
-            <a:ext cx="3712230" cy="457560"/>
+            <a:off x="4952187" y="38097"/>
+            <a:ext cx="2287624" cy="579479"/>
           </a:xfrm>
           <a:prstGeom prst="rect">
             <a:avLst/>
@@ -5755,464 +6430,28 @@
           <a:noFill/>
         </p:spPr>
         <p:txBody>
-          <a:bodyPr vertOverflow="overflow" horzOverflow="overflow" vert="horz" wrap="square" lIns="91440" tIns="45720" rIns="91440" bIns="45720" numCol="1" spcCol="0" rtlCol="0" fromWordArt="0" anchor="t" anchorCtr="0" forceAA="0" upright="0" compatLnSpc="0">
+          <a:bodyPr vertOverflow="overflow" horzOverflow="overflow" vert="horz" wrap="none" lIns="91440" tIns="45720" rIns="91440" bIns="45720" numCol="1" spcCol="0" rtlCol="0" fromWordArt="0" anchor="t" anchorCtr="0" forceAA="0" upright="0" compatLnSpc="0">
             <a:spAutoFit/>
           </a:bodyPr>
           <a:p>
-            <a:pPr algn="r">
-              <a:defRPr/>
-            </a:pPr>
-            <a:r>
-              <a:rPr sz="1200"/>
-              <a:t>Привет! Что за задача ? Надеюсь я справлюсь... И, да, я в отпуске, так что время есть ))</a:t>
-            </a:r>
-            <a:endParaRPr sz="1200"/>
-          </a:p>
-        </p:txBody>
-      </p:sp>
-      <p:sp>
-        <p:nvSpPr>
-          <p:cNvPr id="1677671413" name=""/>
-          <p:cNvSpPr txBox="1"/>
-          <p:nvPr/>
-        </p:nvSpPr>
-        <p:spPr bwMode="auto">
-          <a:xfrm flipH="0" flipV="0">
-            <a:off x="144119" y="861599"/>
-            <a:ext cx="5296034" cy="823320"/>
-          </a:xfrm>
-          <a:prstGeom prst="rect">
-            <a:avLst/>
-          </a:prstGeom>
-          <a:noFill/>
-        </p:spPr>
-        <p:txBody>
-          <a:bodyPr vertOverflow="overflow" horzOverflow="overflow" vert="horz" wrap="square" lIns="91440" tIns="45720" rIns="91440" bIns="45720" numCol="1" spcCol="0" rtlCol="0" fromWordArt="0" anchor="t" anchorCtr="0" forceAA="0" upright="0" compatLnSpc="0">
-            <a:spAutoFit/>
-          </a:bodyPr>
-          <a:p>
-            <a:pPr>
-              <a:defRPr/>
-            </a:pPr>
-            <a:r>
-              <a:rPr sz="1200"/>
-              <a:t>Руководство решило осчастливить пользователей новой функцией - прогноз погоды. Аналитики обещают рост посещаемости, но это нужно еще проверять... Поэтому пока только пилотный вариант «ВДНХ». </a:t>
-            </a:r>
-            <a:r>
-              <a:rPr sz="1200"/>
-              <a:t>Но! Базу проектируй так, чтобы добавить другие локации без доработок</a:t>
-            </a:r>
-            <a:endParaRPr sz="1200"/>
-          </a:p>
-        </p:txBody>
-      </p:sp>
-      <p:sp>
-        <p:nvSpPr>
-          <p:cNvPr id="424838613" name=""/>
-          <p:cNvSpPr txBox="1"/>
-          <p:nvPr/>
-        </p:nvSpPr>
-        <p:spPr bwMode="auto">
-          <a:xfrm flipH="0" flipV="0">
-            <a:off x="4536479" y="1684919"/>
-            <a:ext cx="1605600" cy="274679"/>
-          </a:xfrm>
-          <a:prstGeom prst="rect">
-            <a:avLst/>
-          </a:prstGeom>
-          <a:noFill/>
-        </p:spPr>
-        <p:txBody>
-          <a:bodyPr vertOverflow="overflow" horzOverflow="overflow" vert="horz" wrap="square" lIns="91440" tIns="45720" rIns="91440" bIns="45720" numCol="1" spcCol="0" rtlCol="0" fromWordArt="0" anchor="t" anchorCtr="0" forceAA="0" upright="0" compatLnSpc="0">
-            <a:spAutoFit/>
-          </a:bodyPr>
-          <a:p>
-            <a:pPr algn="r">
-              <a:defRPr/>
-            </a:pPr>
-            <a:r>
-              <a:rPr sz="1200"/>
-              <a:t>подводные камни ?</a:t>
-            </a:r>
-            <a:endParaRPr sz="1200"/>
-          </a:p>
-        </p:txBody>
-      </p:sp>
-      <p:sp>
-        <p:nvSpPr>
-          <p:cNvPr id="417730830" name=""/>
-          <p:cNvSpPr txBox="1"/>
-          <p:nvPr/>
-        </p:nvSpPr>
-        <p:spPr bwMode="auto">
-          <a:xfrm flipH="0" flipV="0">
-            <a:off x="144119" y="1959599"/>
-            <a:ext cx="5414249" cy="1554840"/>
-          </a:xfrm>
-          <a:prstGeom prst="rect">
-            <a:avLst/>
-          </a:prstGeom>
-          <a:noFill/>
-        </p:spPr>
-        <p:txBody>
-          <a:bodyPr vertOverflow="overflow" horzOverflow="overflow" vert="horz" wrap="square" lIns="91440" tIns="45720" rIns="91440" bIns="45720" numCol="1" spcCol="0" rtlCol="0" fromWordArt="0" anchor="t" anchorCtr="0" forceAA="0" upright="0" compatLnSpc="0">
-            <a:spAutoFit/>
-          </a:bodyPr>
-          <a:p>
-            <a:pPr>
-              <a:defRPr/>
-            </a:pPr>
-            <a:r>
-              <a:rPr sz="1200"/>
-              <a:t>Опытный ! Скоро Сеньором станешь ))</a:t>
-            </a:r>
-            <a:endParaRPr sz="1200"/>
-          </a:p>
-          <a:p>
-            <a:pPr>
-              <a:defRPr/>
-            </a:pPr>
-            <a:r>
-              <a:rPr sz="1200"/>
-              <a:t>Погода в источнике хранится в двух вариантах:</a:t>
-            </a:r>
-            <a:endParaRPr sz="1200"/>
-          </a:p>
-          <a:p>
-            <a:pPr>
-              <a:defRPr/>
-            </a:pPr>
-            <a:r>
-              <a:rPr sz="1200"/>
-              <a:t>1. Замеры 1р / 3 часа - 0, 6, 9, 12, ... Можно выгрузить файлом за любой период. </a:t>
-            </a:r>
-            <a:r>
-              <a:rPr sz="1200"/>
-              <a:t>На этих данных я учу ML модели</a:t>
-            </a:r>
-            <a:endParaRPr sz="1200"/>
-          </a:p>
-          <a:p>
-            <a:pPr>
-              <a:defRPr/>
-            </a:pPr>
-            <a:r>
-              <a:rPr sz="1200"/>
-              <a:t>2. Актуальные показания с метеодатчиков. Обновляются в произвольный момент, несколько раз в час, истории нет. </a:t>
-            </a:r>
-            <a:r>
-              <a:rPr sz="1200"/>
-              <a:t>Тебе брать здесь, усреднять за час и выбирать 4 трехчасовые замеры к данному часу, если 13ч - формируй температуру на 4, 7, 10, 13ч.</a:t>
-            </a:r>
-            <a:endParaRPr sz="1200"/>
-          </a:p>
-        </p:txBody>
-      </p:sp>
-      <p:sp>
-        <p:nvSpPr>
-          <p:cNvPr id="990993576" name=""/>
-          <p:cNvSpPr txBox="1"/>
-          <p:nvPr/>
-        </p:nvSpPr>
-        <p:spPr bwMode="auto">
-          <a:xfrm flipH="0" flipV="0">
-            <a:off x="1497344" y="3495387"/>
-            <a:ext cx="4649774" cy="457560"/>
-          </a:xfrm>
-          <a:prstGeom prst="rect">
-            <a:avLst/>
-          </a:prstGeom>
-          <a:noFill/>
-        </p:spPr>
-        <p:txBody>
-          <a:bodyPr vertOverflow="overflow" horzOverflow="overflow" vert="horz" wrap="square" lIns="91440" tIns="45720" rIns="91440" bIns="45720" numCol="1" spcCol="0" rtlCol="0" fromWordArt="0" anchor="t" anchorCtr="0" forceAA="0" upright="0" compatLnSpc="0">
-            <a:spAutoFit/>
-          </a:bodyPr>
-          <a:p>
-            <a:pPr algn="r">
-              <a:defRPr/>
-            </a:pPr>
-            <a:r>
-              <a:rPr sz="1200"/>
-              <a:t>Пока задача не выглядит фантастически сложной.</a:t>
-            </a:r>
-            <a:endParaRPr sz="1200"/>
-          </a:p>
-          <a:p>
-            <a:pPr algn="r">
-              <a:defRPr/>
-            </a:pPr>
-            <a:r>
-              <a:rPr sz="1200"/>
-              <a:t>Ничего не забыл мне сказать, чтоб потом не переделывать ?</a:t>
-            </a:r>
-            <a:endParaRPr sz="1200"/>
-          </a:p>
-        </p:txBody>
-      </p:sp>
-      <p:sp>
-        <p:nvSpPr>
-          <p:cNvPr id="1569644949" name=""/>
-          <p:cNvSpPr txBox="1"/>
-          <p:nvPr/>
-        </p:nvSpPr>
-        <p:spPr bwMode="auto">
-          <a:xfrm flipH="0" flipV="0">
-            <a:off x="144119" y="3924374"/>
-            <a:ext cx="4543875" cy="274679"/>
-          </a:xfrm>
-          <a:prstGeom prst="rect">
-            <a:avLst/>
-          </a:prstGeom>
-          <a:noFill/>
-        </p:spPr>
-        <p:txBody>
-          <a:bodyPr vertOverflow="overflow" horzOverflow="overflow" vert="horz" wrap="square" lIns="91440" tIns="45720" rIns="91440" bIns="45720" numCol="1" spcCol="0" rtlCol="0" fromWordArt="0" anchor="t" anchorCtr="0" forceAA="0" upright="0" compatLnSpc="0">
-            <a:spAutoFit/>
-          </a:bodyPr>
-          <a:p>
-            <a:pPr>
-              <a:defRPr/>
-            </a:pPr>
-            <a:r>
-              <a:rPr sz="1200"/>
-              <a:t>Да, как раз собираюсь сказать: ты же Docker освоил уже ?</a:t>
-            </a:r>
-            <a:endParaRPr sz="1200"/>
-          </a:p>
-        </p:txBody>
-      </p:sp>
-      <p:sp>
-        <p:nvSpPr>
-          <p:cNvPr id="542023633" name=""/>
-          <p:cNvSpPr txBox="1"/>
-          <p:nvPr/>
-        </p:nvSpPr>
-        <p:spPr bwMode="auto">
-          <a:xfrm flipH="0" flipV="0">
-            <a:off x="1497344" y="4199054"/>
-            <a:ext cx="4645454" cy="457560"/>
-          </a:xfrm>
-          <a:prstGeom prst="rect">
-            <a:avLst/>
-          </a:prstGeom>
-          <a:noFill/>
-        </p:spPr>
-        <p:txBody>
-          <a:bodyPr vertOverflow="overflow" horzOverflow="overflow" vert="horz" wrap="square" lIns="91440" tIns="45720" rIns="91440" bIns="45720" numCol="1" spcCol="0" rtlCol="0" fromWordArt="0" anchor="t" anchorCtr="0" forceAA="0" upright="0" compatLnSpc="0">
-            <a:spAutoFit/>
-          </a:bodyPr>
-          <a:p>
-            <a:pPr algn="r">
-              <a:defRPr/>
-            </a:pPr>
-            <a:r>
-              <a:rPr sz="1200"/>
-              <a:t>Ну как, освоил... С командами всё ясно и репозиторий завел, но ни одного контейнера пока не запушил</a:t>
-            </a:r>
-            <a:endParaRPr sz="1200"/>
-          </a:p>
-        </p:txBody>
-      </p:sp>
-      <p:sp>
-        <p:nvSpPr>
-          <p:cNvPr id="974174477" name=""/>
-          <p:cNvSpPr txBox="1"/>
-          <p:nvPr/>
-        </p:nvSpPr>
-        <p:spPr bwMode="auto">
-          <a:xfrm flipH="0" flipV="0">
-            <a:off x="144119" y="5553457"/>
-            <a:ext cx="1610279" cy="274679"/>
-          </a:xfrm>
-          <a:prstGeom prst="rect">
-            <a:avLst/>
-          </a:prstGeom>
-          <a:noFill/>
-        </p:spPr>
-        <p:txBody>
-          <a:bodyPr vertOverflow="overflow" horzOverflow="overflow" vert="horz" wrap="square" lIns="91440" tIns="45720" rIns="91440" bIns="45720" numCol="1" spcCol="0" rtlCol="0" fromWordArt="0" anchor="t" anchorCtr="0" forceAA="0" upright="0" compatLnSpc="0">
-            <a:spAutoFit/>
-          </a:bodyPr>
-          <a:p>
-            <a:pPr>
-              <a:defRPr/>
-            </a:pPr>
-            <a:r>
-              <a:rPr sz="1200"/>
-              <a:t>На Мальдивы ?</a:t>
-            </a:r>
-            <a:endParaRPr sz="1200"/>
-          </a:p>
-        </p:txBody>
-      </p:sp>
-      <p:sp>
-        <p:nvSpPr>
-          <p:cNvPr id="1395287211" name=""/>
-          <p:cNvSpPr txBox="1"/>
-          <p:nvPr/>
-        </p:nvSpPr>
-        <p:spPr bwMode="auto">
-          <a:xfrm flipH="0" flipV="0">
-            <a:off x="144119" y="4656614"/>
-            <a:ext cx="5658298" cy="640440"/>
-          </a:xfrm>
-          <a:prstGeom prst="rect">
-            <a:avLst/>
-          </a:prstGeom>
-          <a:noFill/>
-        </p:spPr>
-        <p:txBody>
-          <a:bodyPr vertOverflow="overflow" horzOverflow="overflow" vert="horz" wrap="square" lIns="91440" tIns="45720" rIns="91440" bIns="45720" numCol="1" spcCol="0" rtlCol="0" fromWordArt="0" anchor="t" anchorCtr="0" forceAA="0" upright="0" compatLnSpc="0">
-            <a:spAutoFit/>
-          </a:bodyPr>
-          <a:p>
-            <a:pPr>
-              <a:defRPr/>
-            </a:pPr>
-            <a:r>
-              <a:rPr sz="1200"/>
-              <a:t>Уффф, отлично! Прям выручил! А то и не знаю что делать.</a:t>
-            </a:r>
-            <a:endParaRPr sz="1200"/>
-          </a:p>
-          <a:p>
-            <a:pPr>
-              <a:defRPr/>
-            </a:pPr>
-            <a:r>
-              <a:rPr sz="1200"/>
-              <a:t>DevOps, который должен этим заниматься, представляешь, тоже в отпуске. Только он телефон не берет, говорят на Мальдивах...</a:t>
-            </a:r>
-            <a:endParaRPr sz="1200"/>
-          </a:p>
-        </p:txBody>
-      </p:sp>
-      <p:sp>
-        <p:nvSpPr>
-          <p:cNvPr id="2144488873" name=""/>
-          <p:cNvSpPr txBox="1"/>
-          <p:nvPr/>
-        </p:nvSpPr>
-        <p:spPr bwMode="auto">
-          <a:xfrm flipH="0" flipV="0">
-            <a:off x="3790372" y="5249429"/>
-            <a:ext cx="2332461" cy="274679"/>
-          </a:xfrm>
-          <a:prstGeom prst="rect">
-            <a:avLst/>
-          </a:prstGeom>
-          <a:noFill/>
-        </p:spPr>
-        <p:txBody>
-          <a:bodyPr vertOverflow="overflow" horzOverflow="overflow" vert="horz" wrap="square" lIns="91440" tIns="45720" rIns="91440" bIns="45720" numCol="1" spcCol="0" rtlCol="0" fromWordArt="0" anchor="t" anchorCtr="0" forceAA="0" upright="0" compatLnSpc="0">
-            <a:spAutoFit/>
-          </a:bodyPr>
-          <a:p>
-            <a:pPr algn="r">
-              <a:defRPr/>
-            </a:pPr>
-            <a:r>
-              <a:rPr sz="1200"/>
-              <a:t>Вот ведь ж ! Я тоже так хочу</a:t>
-            </a:r>
-            <a:endParaRPr sz="1200"/>
-          </a:p>
-        </p:txBody>
-      </p:sp>
-      <p:sp>
-        <p:nvSpPr>
-          <p:cNvPr id="629557795" name=""/>
-          <p:cNvSpPr txBox="1"/>
-          <p:nvPr/>
-        </p:nvSpPr>
-        <p:spPr bwMode="auto">
-          <a:xfrm flipH="0" flipV="0">
-            <a:off x="143398" y="6132163"/>
-            <a:ext cx="6004798" cy="640440"/>
-          </a:xfrm>
-          <a:prstGeom prst="rect">
-            <a:avLst/>
-          </a:prstGeom>
-          <a:noFill/>
-        </p:spPr>
-        <p:txBody>
-          <a:bodyPr vertOverflow="overflow" horzOverflow="overflow" vert="horz" wrap="square" lIns="91440" tIns="45720" rIns="91440" bIns="45720" numCol="1" spcCol="0" rtlCol="0" fromWordArt="0" anchor="t" anchorCtr="0" forceAA="0" upright="0" compatLnSpc="0">
-            <a:spAutoFit/>
-          </a:bodyPr>
-          <a:p>
-            <a:pPr>
-              <a:defRPr/>
-            </a:pPr>
-            <a:r>
-              <a:rPr sz="1200"/>
-              <a:t>Не злись, зачтешь работу за Пет-проект</a:t>
-            </a:r>
-            <a:r>
-              <a:rPr sz="1200"/>
-              <a:t> в ЯндексПрактикуме, всё равно же будешь делать. И вот еще, нужно будет импортировать и использовать ML-объекты в Docker-контейнере. Ты сможешь, я в тебя верю )) Подробности почтой</a:t>
-            </a:r>
-            <a:endParaRPr sz="1200"/>
-          </a:p>
-        </p:txBody>
-      </p:sp>
-      <p:sp>
-        <p:nvSpPr>
-          <p:cNvPr id="900336732" name=""/>
-          <p:cNvSpPr txBox="1"/>
-          <p:nvPr/>
-        </p:nvSpPr>
-        <p:spPr bwMode="auto">
-          <a:xfrm flipH="0" flipV="0">
-            <a:off x="886799" y="5857483"/>
-            <a:ext cx="5259957" cy="274679"/>
-          </a:xfrm>
-          <a:prstGeom prst="rect">
-            <a:avLst/>
-          </a:prstGeom>
-          <a:noFill/>
-        </p:spPr>
-        <p:txBody>
-          <a:bodyPr vertOverflow="overflow" horzOverflow="overflow" vert="horz" wrap="square" lIns="91440" tIns="45720" rIns="91440" bIns="45720" numCol="1" spcCol="0" rtlCol="0" fromWordArt="0" anchor="t" anchorCtr="0" forceAA="0" upright="0" compatLnSpc="0">
-            <a:spAutoFit/>
-          </a:bodyPr>
-          <a:p>
-            <a:pPr algn="r">
-              <a:defRPr/>
-            </a:pPr>
-            <a:r>
-              <a:rPr sz="1200"/>
-              <a:t>Нет, хотел бы телефон не брать! ну ок, потренируюсь с контейнерами.</a:t>
-            </a:r>
-            <a:endParaRPr sz="1200"/>
+            <a:pPr>
+              <a:defRPr/>
+            </a:pPr>
+            <a:r>
+              <a:rPr sz="3200" b="1"/>
+              <a:t>Задача </a:t>
+            </a:r>
+            <a:r>
+              <a:rPr sz="3200" b="1"/>
+              <a:t>DS</a:t>
+            </a:r>
+            <a:endParaRPr/>
           </a:p>
         </p:txBody>
       </p:sp>
       <p:pic>
         <p:nvPicPr>
-          <p:cNvPr id="1452598862" name=""/>
-          <p:cNvPicPr>
-            <a:picLocks noChangeAspect="1"/>
-          </p:cNvPicPr>
-          <p:nvPr/>
-        </p:nvPicPr>
-        <p:blipFill>
-          <a:blip r:embed="rId2"/>
-          <a:stretch/>
-        </p:blipFill>
-        <p:spPr bwMode="auto">
-          <a:xfrm>
-            <a:off x="6344624" y="3609973"/>
-            <a:ext cx="5762624" cy="3200400"/>
-          </a:xfrm>
-          <a:prstGeom prst="rect">
-            <a:avLst/>
-          </a:prstGeom>
-        </p:spPr>
-      </p:pic>
-      <p:pic>
-        <p:nvPicPr>
-          <p:cNvPr id="422470411" name=""/>
+          <p:cNvPr id="1150722323" name=""/>
           <p:cNvPicPr>
             <a:picLocks noChangeAspect="1"/>
           </p:cNvPicPr>
@@ -6224,7 +6463,7 @@
         </p:blipFill>
         <p:spPr bwMode="auto">
           <a:xfrm>
-            <a:off x="6510337" y="895348"/>
+            <a:off x="5315923" y="733963"/>
             <a:ext cx="1685925" cy="2228850"/>
           </a:xfrm>
           <a:prstGeom prst="rect">
@@ -6234,7 +6473,7 @@
       </p:pic>
       <p:pic>
         <p:nvPicPr>
-          <p:cNvPr id="1918718075" name=""/>
+          <p:cNvPr id="273938729" name=""/>
           <p:cNvPicPr>
             <a:picLocks noChangeAspect="1"/>
           </p:cNvPicPr>
@@ -6246,8 +6485,8 @@
         </p:blipFill>
         <p:spPr bwMode="auto">
           <a:xfrm>
-            <a:off x="8459174" y="1295398"/>
-            <a:ext cx="3648074" cy="1828800"/>
+            <a:off x="3491886" y="3362684"/>
+            <a:ext cx="3648073" cy="1828800"/>
           </a:xfrm>
           <a:prstGeom prst="rect">
             <a:avLst/>
@@ -6256,14 +6495,14 @@
       </p:pic>
       <p:sp>
         <p:nvSpPr>
-          <p:cNvPr id="1936434736" name=""/>
+          <p:cNvPr id="164844244" name=""/>
           <p:cNvSpPr txBox="1"/>
           <p:nvPr/>
         </p:nvSpPr>
         <p:spPr bwMode="auto">
           <a:xfrm flipH="0" flipV="0">
-            <a:off x="8887799" y="1500959"/>
-            <a:ext cx="3068077" cy="274679"/>
+            <a:off x="3933411" y="3558358"/>
+            <a:ext cx="3068436" cy="274679"/>
           </a:xfrm>
           <a:prstGeom prst="rect">
             <a:avLst/>
@@ -6292,14 +6531,75 @@
       </p:sp>
       <p:sp>
         <p:nvSpPr>
-          <p:cNvPr id="265546525" name=""/>
+          <p:cNvPr id="1360757350" name="Заголовок 1"/>
+          <p:cNvSpPr>
+            <a:spLocks noGrp="1"/>
+          </p:cNvSpPr>
+          <p:nvPr/>
+        </p:nvSpPr>
+        <p:spPr bwMode="auto">
+          <a:xfrm flipH="0" flipV="0">
+            <a:off x="2117986" y="1008643"/>
+            <a:ext cx="2476499" cy="1525586"/>
+          </a:xfrm>
+        </p:spPr>
+        <p:txBody>
+          <a:bodyPr vert="horz" lIns="91440" tIns="45720" rIns="91440" bIns="45720" rtlCol="0" anchor="ctr">
+            <a:normAutofit/>
+          </a:bodyPr>
+          <a:lstStyle>
+            <a:lvl1pPr algn="r" defTabSz="914400">
+              <a:spcBef>
+                <a:spcPts val="0"/>
+              </a:spcBef>
+              <a:buNone/>
+              <a:defRPr sz="4400" b="1">
+                <a:solidFill>
+                  <a:schemeClr val="tx1"/>
+                </a:solidFill>
+                <a:latin typeface="+mj-lt"/>
+                <a:ea typeface="+mj-ea"/>
+                <a:cs typeface="+mj-cs"/>
+              </a:defRPr>
+            </a:lvl1pPr>
+          </a:lstStyle>
+          <a:p>
+            <a:pPr>
+              <a:defRPr/>
+            </a:pPr>
+            <a:r>
+              <a:rPr sz="2600" b="0"/>
+              <a:t>Как я </a:t>
+            </a:r>
+            <a:r>
+              <a:rPr lang="ru-RU" sz="2600" b="0" i="0" u="none" strike="noStrike" cap="none" spc="0">
+                <a:solidFill>
+                  <a:schemeClr val="tx1"/>
+                </a:solidFill>
+                <a:latin typeface="Arial"/>
+                <a:ea typeface="Arial"/>
+                <a:cs typeface="Arial"/>
+              </a:rPr>
+              <a:t>бы </a:t>
+            </a:r>
+            <a:r>
+              <a:rPr sz="2600" b="0"/>
+              <a:t>хотел  получать задачи</a:t>
+            </a:r>
+            <a:endParaRPr sz="2600" b="0"/>
+          </a:p>
+        </p:txBody>
+      </p:sp>
+      <p:sp>
+        <p:nvSpPr>
+          <p:cNvPr id="1084906972" name=""/>
           <p:cNvSpPr txBox="1"/>
           <p:nvPr/>
         </p:nvSpPr>
         <p:spPr bwMode="auto">
           <a:xfrm flipH="0" flipV="0">
-            <a:off x="6427679" y="495479"/>
-            <a:ext cx="1768582" cy="457560"/>
+            <a:off x="3491885" y="5496312"/>
+            <a:ext cx="8703516" cy="1006200"/>
           </a:xfrm>
           <a:prstGeom prst="rect">
             <a:avLst/>
@@ -6316,39 +6616,43 @@
             </a:pPr>
             <a:r>
               <a:rPr sz="1200"/>
-              <a:t>Читаем из файла для обучения ML-модели</a:t>
+              <a:t>7. Подготовить еще 3 </a:t>
+            </a:r>
+            <a:r>
+              <a:rPr lang="ru-RU" sz="1200" b="0" i="0" u="none" strike="noStrike" cap="none" spc="0">
+                <a:solidFill>
+                  <a:schemeClr val="tx1"/>
+                </a:solidFill>
+                <a:latin typeface="Arial"/>
+                <a:ea typeface="Arial"/>
+                <a:cs typeface="Arial"/>
+              </a:rPr>
+              <a:t>DataFrame </a:t>
+            </a:r>
+            <a:r>
+              <a:rPr lang="ru-RU" sz="1200" b="0" i="0" u="none" strike="noStrike" cap="none" spc="0">
+                <a:solidFill>
+                  <a:schemeClr val="tx1"/>
+                </a:solidFill>
+                <a:latin typeface="Arial"/>
+                <a:ea typeface="Arial"/>
+                <a:cs typeface="Arial"/>
+              </a:rPr>
+              <a:t>с разным интервалом до времени измерения прогнозируемой температуры</a:t>
+            </a:r>
+            <a:r>
+              <a:rPr sz="1200"/>
+              <a:t>,</a:t>
             </a:r>
             <a:endParaRPr sz="1200"/>
           </a:p>
-        </p:txBody>
-      </p:sp>
-      <p:sp>
-        <p:nvSpPr>
-          <p:cNvPr id="956049288" name=""/>
-          <p:cNvSpPr txBox="1"/>
-          <p:nvPr/>
-        </p:nvSpPr>
-        <p:spPr bwMode="auto">
-          <a:xfrm flipH="0" flipV="0">
-            <a:off x="8382614" y="495479"/>
-            <a:ext cx="3801195" cy="457560"/>
-          </a:xfrm>
-          <a:prstGeom prst="rect">
-            <a:avLst/>
-          </a:prstGeom>
-          <a:noFill/>
-        </p:spPr>
-        <p:txBody>
-          <a:bodyPr vertOverflow="overflow" horzOverflow="overflow" vert="horz" wrap="square" lIns="91440" tIns="45720" rIns="91440" bIns="45720" numCol="1" spcCol="0" rtlCol="0" fromWordArt="0" anchor="t" anchorCtr="0" forceAA="0" upright="0" compatLnSpc="0">
-            <a:spAutoFit/>
-          </a:bodyPr>
           <a:p>
             <a:pPr>
               <a:defRPr/>
             </a:pPr>
             <a:r>
               <a:rPr sz="1200"/>
-              <a:t>Формат данных, на которых обучалась ML-модель</a:t>
+              <a:t>    где в вместо T+1 задать T+2, T+3, T+4</a:t>
             </a:r>
             <a:endParaRPr sz="1200"/>
           </a:p>
@@ -6356,75 +6660,46 @@
             <a:pPr>
               <a:defRPr/>
             </a:pPr>
+            <a:endParaRPr sz="1200"/>
+          </a:p>
+          <a:p>
+            <a:pPr>
+              <a:defRPr/>
+            </a:pPr>
             <a:r>
               <a:rPr sz="1200"/>
-              <a:t>В таком же формате нужно готовить данные</a:t>
+              <a:t>8.  </a:t>
+            </a:r>
+            <a:r>
+              <a:rPr sz="1200"/>
+              <a:t>Обучить на 4-х </a:t>
+            </a:r>
+            <a:r>
+              <a:rPr lang="ru-RU" sz="1200" b="0" i="0" u="none" strike="noStrike" cap="none" spc="0">
+                <a:solidFill>
+                  <a:schemeClr val="tx1"/>
+                </a:solidFill>
+                <a:latin typeface="Arial"/>
+                <a:ea typeface="Arial"/>
+                <a:cs typeface="Arial"/>
+              </a:rPr>
+              <a:t>DataFrame</a:t>
+            </a:r>
+            <a:r>
+              <a:rPr sz="1200"/>
+              <a:t> и выгрузить в файл объекты предсказания значения методом линейной регрессии</a:t>
             </a:r>
             <a:endParaRPr sz="1200"/>
           </a:p>
-        </p:txBody>
-      </p:sp>
-      <p:sp>
-        <p:nvSpPr>
-          <p:cNvPr id="1589137875" name=""/>
-          <p:cNvSpPr txBox="1"/>
-          <p:nvPr/>
-        </p:nvSpPr>
-        <p:spPr bwMode="auto">
-          <a:xfrm flipH="0" flipV="0">
-            <a:off x="6658949" y="3429000"/>
-            <a:ext cx="3161247" cy="274679"/>
-          </a:xfrm>
-          <a:prstGeom prst="rect">
-            <a:avLst/>
-          </a:prstGeom>
-          <a:noFill/>
-        </p:spPr>
-        <p:txBody>
-          <a:bodyPr vertOverflow="overflow" horzOverflow="overflow" vert="horz" wrap="none" lIns="91440" tIns="45720" rIns="91440" bIns="45720" numCol="1" spcCol="0" rtlCol="0" fromWordArt="0" anchor="t" anchorCtr="0" forceAA="0" upright="0" compatLnSpc="0">
-            <a:spAutoFit/>
-          </a:bodyPr>
           <a:p>
             <a:pPr>
               <a:defRPr/>
             </a:pPr>
             <a:r>
               <a:rPr sz="1200"/>
-              <a:t>Формат поступающих актуальных данных</a:t>
+              <a:t>     с нормированными полиномиальными признаками степени 3</a:t>
             </a:r>
             <a:endParaRPr sz="1200"/>
-          </a:p>
-        </p:txBody>
-      </p:sp>
-      <p:sp>
-        <p:nvSpPr>
-          <p:cNvPr id="193089243" name=""/>
-          <p:cNvSpPr txBox="1"/>
-          <p:nvPr/>
-        </p:nvSpPr>
-        <p:spPr bwMode="auto">
-          <a:xfrm flipH="0" flipV="0">
-            <a:off x="8142399" y="38099"/>
-            <a:ext cx="1842948" cy="366119"/>
-          </a:xfrm>
-          <a:prstGeom prst="rect">
-            <a:avLst/>
-          </a:prstGeom>
-          <a:noFill/>
-        </p:spPr>
-        <p:txBody>
-          <a:bodyPr vertOverflow="overflow" horzOverflow="overflow" vert="horz" wrap="none" lIns="91440" tIns="45720" rIns="91440" bIns="45720" numCol="1" spcCol="0" rtlCol="0" fromWordArt="0" anchor="t" anchorCtr="0" forceAA="0" upright="0" compatLnSpc="0">
-            <a:spAutoFit/>
-          </a:bodyPr>
-          <a:p>
-            <a:pPr>
-              <a:defRPr/>
-            </a:pPr>
-            <a:r>
-              <a:rPr/>
-              <a:t>Требования DS</a:t>
-            </a:r>
-            <a:endParaRPr/>
           </a:p>
         </p:txBody>
       </p:sp>
@@ -6463,6 +6738,2424 @@
       </p:grpSpPr>
       <p:sp>
         <p:nvSpPr>
+          <p:cNvPr id="587667465" name=""/>
+          <p:cNvSpPr txBox="1"/>
+          <p:nvPr/>
+        </p:nvSpPr>
+        <p:spPr bwMode="auto">
+          <a:xfrm flipH="0" flipV="0">
+            <a:off x="4951827" y="38097"/>
+            <a:ext cx="2288343" cy="579479"/>
+          </a:xfrm>
+          <a:prstGeom prst="rect">
+            <a:avLst/>
+          </a:prstGeom>
+          <a:noFill/>
+        </p:spPr>
+        <p:txBody>
+          <a:bodyPr vertOverflow="overflow" horzOverflow="overflow" vert="horz" wrap="square" lIns="91440" tIns="45720" rIns="91440" bIns="45720" numCol="1" spcCol="0" rtlCol="0" fromWordArt="0" anchor="t" anchorCtr="0" forceAA="0" upright="0" compatLnSpc="0">
+            <a:spAutoFit/>
+          </a:bodyPr>
+          <a:p>
+            <a:pPr>
+              <a:defRPr/>
+            </a:pPr>
+            <a:r>
+              <a:rPr sz="3200" b="1"/>
+              <a:t>Задача </a:t>
+            </a:r>
+            <a:r>
+              <a:rPr sz="3200" b="1"/>
+              <a:t>DE</a:t>
+            </a:r>
+            <a:endParaRPr/>
+          </a:p>
+        </p:txBody>
+      </p:sp>
+      <p:sp>
+        <p:nvSpPr>
+          <p:cNvPr id="1986316735" name=""/>
+          <p:cNvSpPr txBox="1"/>
+          <p:nvPr/>
+        </p:nvSpPr>
+        <p:spPr bwMode="auto">
+          <a:xfrm flipH="0" flipV="0">
+            <a:off x="6095999" y="509587"/>
+            <a:ext cx="7008356" cy="6355723"/>
+          </a:xfrm>
+          <a:prstGeom prst="rect">
+            <a:avLst/>
+          </a:prstGeom>
+          <a:noFill/>
+        </p:spPr>
+        <p:txBody>
+          <a:bodyPr vertOverflow="overflow" horzOverflow="overflow" vert="horz" wrap="square" lIns="91440" tIns="45720" rIns="91440" bIns="45720" numCol="1" spcCol="0" rtlCol="0" fromWordArt="0" anchor="t" anchorCtr="0" forceAA="0" upright="0" compatLnSpc="0">
+            <a:spAutoFit/>
+          </a:bodyPr>
+          <a:p>
+            <a:pPr marL="217792" indent="-217792">
+              <a:buAutoNum type="arabicPeriod"/>
+              <a:defRPr/>
+            </a:pPr>
+            <a:r>
+              <a:rPr sz="1200"/>
+              <a:t>С сайта </a:t>
+            </a:r>
+            <a:r>
+              <a:rPr lang="ru-RU" sz="1200" b="0" i="0" u="sng" strike="noStrike" cap="none" spc="0">
+                <a:solidFill>
+                  <a:schemeClr val="tx1"/>
+                </a:solidFill>
+                <a:latin typeface="Arial"/>
+                <a:ea typeface="Arial"/>
+                <a:cs typeface="Arial"/>
+                <a:hlinkClick r:id="rId2" tooltip="https://rp5.ru/rss/5483/ru"/>
+              </a:rPr>
+              <a:t>https://rp5.ru/rss/5483/ru</a:t>
+            </a:r>
+            <a:r>
+              <a:rPr sz="1200"/>
+              <a:t> получить XML-документ замеров температуры</a:t>
+            </a:r>
+            <a:endParaRPr sz="1200"/>
+          </a:p>
+          <a:p>
+            <a:pPr>
+              <a:defRPr/>
+            </a:pPr>
+            <a:endParaRPr sz="1200"/>
+          </a:p>
+          <a:p>
+            <a:pPr>
+              <a:defRPr/>
+            </a:pPr>
+            <a:r>
+              <a:rPr sz="1200"/>
+              <a:t>2.  Получить значения тегов </a:t>
+            </a:r>
+            <a:r>
+              <a:rPr lang="ru-RU" sz="1200" b="0" i="0" u="none" strike="noStrike" cap="none" spc="0">
+                <a:solidFill>
+                  <a:schemeClr val="tx1"/>
+                </a:solidFill>
+                <a:latin typeface="Arial"/>
+                <a:ea typeface="Arial"/>
+                <a:cs typeface="Arial"/>
+              </a:rPr>
+              <a:t>и сохранить в </a:t>
+            </a:r>
+            <a:r>
+              <a:rPr lang="ru-RU" sz="1200" b="1" i="0" u="none" strike="noStrike" cap="none" spc="0">
+                <a:solidFill>
+                  <a:schemeClr val="tx1"/>
+                </a:solidFill>
+                <a:latin typeface="DejaVu Sans"/>
+                <a:ea typeface="DejaVu Sans"/>
+                <a:cs typeface="DejaVu Sans"/>
+              </a:rPr>
+              <a:t>STAGE</a:t>
+            </a:r>
+            <a:r>
+              <a:rPr sz="1200"/>
+              <a:t>:</a:t>
+            </a:r>
+            <a:endParaRPr sz="1200"/>
+          </a:p>
+          <a:p>
+            <a:pPr>
+              <a:defRPr/>
+            </a:pPr>
+            <a:r>
+              <a:rPr lang="ru-RU" sz="1200" b="0" i="0" u="none" strike="noStrike" cap="none" spc="0">
+                <a:solidFill>
+                  <a:schemeClr val="tx1"/>
+                </a:solidFill>
+                <a:latin typeface="Arial"/>
+                <a:ea typeface="Arial"/>
+                <a:cs typeface="Arial"/>
+              </a:rPr>
+              <a:t>    </a:t>
+            </a:r>
+            <a:r>
+              <a:rPr lang="ru-RU" sz="1200" b="1" i="0" u="none" strike="noStrike" cap="none" spc="0">
+                <a:solidFill>
+                  <a:schemeClr val="tx1"/>
+                </a:solidFill>
+                <a:latin typeface="DejaVu Sans"/>
+                <a:ea typeface="DejaVu Sans"/>
+                <a:cs typeface="DejaVu Sans"/>
+              </a:rPr>
+              <a:t>title</a:t>
+            </a:r>
+            <a:r>
+              <a:rPr lang="ru-RU" sz="1200" b="1" i="0" u="none" strike="noStrike" cap="none" spc="0">
+                <a:solidFill>
+                  <a:schemeClr val="tx1"/>
+                </a:solidFill>
+                <a:latin typeface="DejaVu Sans"/>
+                <a:ea typeface="DejaVu Sans"/>
+                <a:cs typeface="DejaVu Sans"/>
+              </a:rPr>
+              <a:t> </a:t>
+            </a:r>
+            <a:r>
+              <a:rPr lang="ru-RU" sz="1200" b="0" i="0" u="none" strike="noStrike" cap="none" spc="0">
+                <a:solidFill>
+                  <a:schemeClr val="tx1"/>
+                </a:solidFill>
+                <a:latin typeface="Arial"/>
+                <a:ea typeface="Arial"/>
+                <a:cs typeface="Arial"/>
+              </a:rPr>
+              <a:t>- регион</a:t>
+            </a:r>
+            <a:endParaRPr lang="ru-RU" sz="1200" b="0" i="0" u="none" strike="noStrike" cap="none" spc="0">
+              <a:solidFill>
+                <a:schemeClr val="tx1"/>
+              </a:solidFill>
+              <a:latin typeface="Arial"/>
+              <a:cs typeface="Arial"/>
+            </a:endParaRPr>
+          </a:p>
+          <a:p>
+            <a:pPr>
+              <a:defRPr/>
+            </a:pPr>
+            <a:r>
+              <a:rPr lang="ru-RU" sz="1200" b="0" i="0" u="none" strike="noStrike" cap="none" spc="0">
+                <a:solidFill>
+                  <a:schemeClr val="tx1"/>
+                </a:solidFill>
+                <a:latin typeface="Arial"/>
+                <a:ea typeface="Arial"/>
+                <a:cs typeface="Arial"/>
+              </a:rPr>
+              <a:t>    </a:t>
+            </a:r>
+            <a:r>
+              <a:rPr lang="ru-RU" sz="1200" b="1" i="0" u="none" strike="noStrike" cap="none" spc="0">
+                <a:solidFill>
+                  <a:schemeClr val="tx1"/>
+                </a:solidFill>
+                <a:latin typeface="DejaVu Sans"/>
+                <a:ea typeface="DejaVu Sans"/>
+                <a:cs typeface="DejaVu Sans"/>
+              </a:rPr>
+              <a:t>updated </a:t>
+            </a:r>
+            <a:r>
+              <a:rPr lang="ru-RU" sz="1200" b="0" i="0" u="none" strike="noStrike" cap="none" spc="0">
+                <a:solidFill>
+                  <a:schemeClr val="tx1"/>
+                </a:solidFill>
+                <a:latin typeface="Arial"/>
+                <a:ea typeface="Arial"/>
+                <a:cs typeface="Arial"/>
+              </a:rPr>
+              <a:t>- дата записи измерений</a:t>
+            </a:r>
+            <a:endParaRPr lang="ru-RU" sz="1200" b="0" i="0" u="none" strike="noStrike" cap="none" spc="0">
+              <a:solidFill>
+                <a:schemeClr val="tx1"/>
+              </a:solidFill>
+              <a:latin typeface="Arial"/>
+              <a:ea typeface="Arial"/>
+              <a:cs typeface="Arial"/>
+            </a:endParaRPr>
+          </a:p>
+          <a:p>
+            <a:pPr>
+              <a:defRPr/>
+            </a:pPr>
+            <a:r>
+              <a:rPr lang="ru-RU" sz="1200" b="0" i="0" u="none" strike="noStrike" cap="none" spc="0">
+                <a:solidFill>
+                  <a:schemeClr val="tx1"/>
+                </a:solidFill>
+                <a:latin typeface="Arial"/>
+                <a:ea typeface="Arial"/>
+                <a:cs typeface="Arial"/>
+              </a:rPr>
+              <a:t>    </a:t>
+            </a:r>
+            <a:r>
+              <a:rPr lang="ru-RU" sz="1200" b="0" i="0" u="none" strike="noStrike" cap="none" spc="0">
+                <a:solidFill>
+                  <a:schemeClr val="tx1"/>
+                </a:solidFill>
+                <a:latin typeface="Arial"/>
+                <a:ea typeface="Arial"/>
+                <a:cs typeface="Arial"/>
+              </a:rPr>
+              <a:t>все значения температуры</a:t>
+            </a:r>
+            <a:r>
+              <a:rPr lang="ru-RU" sz="1200" b="0" i="0" u="none" strike="noStrike" cap="none" spc="0">
+                <a:solidFill>
+                  <a:schemeClr val="tx1"/>
+                </a:solidFill>
+                <a:latin typeface="Arial"/>
+                <a:ea typeface="Arial"/>
+                <a:cs typeface="Arial"/>
+              </a:rPr>
+              <a:t> - </a:t>
+            </a:r>
+            <a:r>
+              <a:rPr lang="ru-RU" sz="1200" b="1" i="0" u="none" strike="noStrike" cap="none" spc="0">
+                <a:solidFill>
+                  <a:schemeClr val="tx1"/>
+                </a:solidFill>
+                <a:latin typeface="DejaVu Sans"/>
+                <a:ea typeface="DejaVu Sans"/>
+                <a:cs typeface="DejaVu Sans"/>
+              </a:rPr>
+              <a:t>span </a:t>
+            </a:r>
+            <a:r>
+              <a:rPr lang="ru-RU" sz="1200" b="0" i="0" u="none" strike="noStrike" cap="none" spc="0">
+                <a:solidFill>
+                  <a:schemeClr val="tx1"/>
+                </a:solidFill>
+                <a:latin typeface="Arial"/>
+                <a:ea typeface="Arial"/>
+                <a:cs typeface="Arial"/>
+              </a:rPr>
+              <a:t>со значением параметра class = 't_0'</a:t>
+            </a:r>
+            <a:endParaRPr sz="1200"/>
+          </a:p>
+          <a:p>
+            <a:pPr>
+              <a:defRPr/>
+            </a:pPr>
+            <a:endParaRPr lang="ru-RU" sz="1200" b="0" i="0" u="none" strike="noStrike" cap="none" spc="0">
+              <a:solidFill>
+                <a:schemeClr val="tx1"/>
+              </a:solidFill>
+              <a:latin typeface="Times New Roman"/>
+              <a:cs typeface="Times New Roman"/>
+            </a:endParaRPr>
+          </a:p>
+          <a:p>
+            <a:pPr>
+              <a:defRPr/>
+            </a:pPr>
+            <a:r>
+              <a:rPr sz="1200"/>
+              <a:t>3.  Создать детальный слой </a:t>
+            </a:r>
+            <a:r>
+              <a:rPr sz="1200" b="1">
+                <a:latin typeface="DejaVu Sans"/>
+                <a:ea typeface="DejaVu Sans"/>
+                <a:cs typeface="DejaVu Sans"/>
+              </a:rPr>
+              <a:t>DDS</a:t>
+            </a:r>
+            <a:endParaRPr sz="1200"/>
+          </a:p>
+          <a:p>
+            <a:pPr>
+              <a:defRPr/>
+            </a:pPr>
+            <a:r>
+              <a:rPr sz="1200"/>
+              <a:t>     Создавать словарь регионов для обработки множества регионов</a:t>
+            </a:r>
+            <a:endParaRPr sz="1200"/>
+          </a:p>
+          <a:p>
+            <a:pPr>
+              <a:defRPr/>
+            </a:pPr>
+            <a:r>
+              <a:rPr sz="1200"/>
+              <a:t>     Преобразовать текстовую дату в </a:t>
+            </a:r>
+            <a:r>
+              <a:rPr lang="ru-RU" sz="1200" b="0" i="0" u="none" strike="noStrike" cap="none" spc="0">
+                <a:solidFill>
+                  <a:schemeClr val="tx1"/>
+                </a:solidFill>
+                <a:latin typeface="DejaVu Sans"/>
+                <a:ea typeface="DejaVu Sans"/>
+                <a:cs typeface="DejaVu Sans"/>
+              </a:rPr>
+              <a:t>timestamptz</a:t>
+            </a:r>
+            <a:r>
+              <a:rPr sz="1200">
+                <a:latin typeface="DejaVu Sans"/>
+                <a:ea typeface="DejaVu Sans"/>
+                <a:cs typeface="DejaVu Sans"/>
+              </a:rPr>
+              <a:t>(0)</a:t>
+            </a:r>
+            <a:endParaRPr sz="1200">
+              <a:latin typeface="DejaVu Sans"/>
+              <a:cs typeface="DejaVu Sans"/>
+            </a:endParaRPr>
+          </a:p>
+          <a:p>
+            <a:pPr>
+              <a:defRPr/>
+            </a:pPr>
+            <a:r>
+              <a:rPr sz="1200"/>
+              <a:t>     Отфильтровать нечисловое значение температуры, привести к числовому типу</a:t>
+            </a:r>
+            <a:endParaRPr sz="1200"/>
+          </a:p>
+          <a:p>
+            <a:pPr>
+              <a:defRPr/>
+            </a:pPr>
+            <a:endParaRPr sz="1200"/>
+          </a:p>
+          <a:p>
+            <a:pPr>
+              <a:defRPr/>
+            </a:pPr>
+            <a:r>
+              <a:rPr sz="1200"/>
+              <a:t>4. Создать витрину - слой </a:t>
+            </a:r>
+            <a:r>
+              <a:rPr sz="1200" b="1">
+                <a:latin typeface="DejaVu Sans"/>
+                <a:ea typeface="DejaVu Sans"/>
+                <a:cs typeface="DejaVu Sans"/>
+              </a:rPr>
+              <a:t>MART </a:t>
+            </a:r>
+            <a:r>
+              <a:rPr lang="ru-RU" sz="1200" b="0" i="0" u="none" strike="noStrike" cap="none" spc="0">
+                <a:solidFill>
+                  <a:schemeClr val="tx1"/>
+                </a:solidFill>
+                <a:latin typeface="Arial"/>
+                <a:ea typeface="Arial"/>
+                <a:cs typeface="Arial"/>
+              </a:rPr>
+              <a:t>содержащий :</a:t>
+            </a:r>
+            <a:endParaRPr sz="1200" b="1">
+              <a:latin typeface="DejaVu Sans"/>
+              <a:ea typeface="DejaVu Sans"/>
+              <a:cs typeface="DejaVu Sans"/>
+            </a:endParaRPr>
+          </a:p>
+          <a:p>
+            <a:pPr>
+              <a:defRPr/>
+            </a:pPr>
+            <a:r>
+              <a:rPr lang="ru-RU" sz="1200" b="0" i="0" u="none" strike="noStrike" cap="none" spc="0">
+                <a:solidFill>
+                  <a:schemeClr val="tx1"/>
+                </a:solidFill>
+                <a:latin typeface="Arial"/>
+                <a:ea typeface="Arial"/>
+                <a:cs typeface="Arial"/>
+              </a:rPr>
+              <a:t>    Справочник регионов</a:t>
+            </a:r>
+            <a:endParaRPr lang="ru-RU" sz="1200" b="0" i="0" u="none" strike="noStrike" cap="none" spc="0">
+              <a:solidFill>
+                <a:schemeClr val="tx1"/>
+              </a:solidFill>
+              <a:latin typeface="Times New Roman"/>
+              <a:cs typeface="Times New Roman"/>
+            </a:endParaRPr>
+          </a:p>
+          <a:p>
+            <a:pPr>
+              <a:defRPr/>
+            </a:pPr>
+            <a:r>
+              <a:rPr lang="ru-RU" sz="1200" b="0" i="0" u="none" strike="noStrike" cap="none" spc="0">
+                <a:solidFill>
+                  <a:schemeClr val="tx1"/>
+                </a:solidFill>
+                <a:latin typeface="Arial"/>
+                <a:ea typeface="Arial"/>
+                <a:cs typeface="Arial"/>
+              </a:rPr>
+              <a:t>    Усредненное значение температуры за час в регионе</a:t>
+            </a:r>
+            <a:endParaRPr lang="ru-RU" sz="1200" b="0" i="0" u="none" strike="noStrike" cap="none" spc="0">
+              <a:solidFill>
+                <a:schemeClr val="tx1"/>
+              </a:solidFill>
+              <a:latin typeface="Times New Roman"/>
+              <a:cs typeface="Times New Roman"/>
+            </a:endParaRPr>
+          </a:p>
+          <a:p>
+            <a:pPr>
+              <a:defRPr/>
+            </a:pPr>
+            <a:r>
+              <a:rPr lang="ru-RU" sz="1200" b="0" i="0" u="none" strike="noStrike" cap="none" spc="0">
+                <a:solidFill>
+                  <a:schemeClr val="tx1"/>
+                </a:solidFill>
+                <a:latin typeface="Arial"/>
+                <a:ea typeface="Arial"/>
+                <a:cs typeface="Arial"/>
+              </a:rPr>
+              <a:t>    Представление</a:t>
+            </a:r>
+            <a:r>
+              <a:rPr lang="ru-RU" sz="1200" b="0" i="0" u="none" strike="noStrike" cap="none" spc="0">
+                <a:solidFill>
+                  <a:schemeClr val="tx1"/>
+                </a:solidFill>
+                <a:latin typeface="Arial"/>
+                <a:ea typeface="Arial"/>
+                <a:cs typeface="Arial"/>
+              </a:rPr>
+              <a:t> с набором признаков, на которых обучены модели</a:t>
+            </a:r>
+            <a:endParaRPr sz="1200"/>
+          </a:p>
+          <a:p>
+            <a:pPr>
+              <a:defRPr/>
+            </a:pPr>
+            <a:r>
+              <a:rPr lang="ru-RU" sz="1200" b="0" i="0" u="none" strike="noStrike" cap="none" spc="0">
+                <a:solidFill>
+                  <a:schemeClr val="tx1"/>
+                </a:solidFill>
+                <a:latin typeface="Arial"/>
+                <a:ea typeface="Arial"/>
+                <a:cs typeface="Arial"/>
+              </a:rPr>
+              <a:t>    </a:t>
+            </a:r>
+            <a:r>
+              <a:rPr lang="ru-RU" sz="1200" b="0" i="0" u="none" strike="noStrike" cap="none" spc="0">
+                <a:solidFill>
+                  <a:schemeClr val="tx1"/>
+                </a:solidFill>
+                <a:latin typeface="Open Sans"/>
+                <a:ea typeface="Open Sans"/>
+                <a:cs typeface="Open Sans"/>
+              </a:rPr>
+              <a:t>m0</a:t>
+            </a:r>
+            <a:r>
+              <a:rPr lang="ru-RU" sz="1200" b="0" i="0" u="none" strike="noStrike" cap="none" spc="0">
+                <a:solidFill>
+                  <a:schemeClr val="tx1"/>
+                </a:solidFill>
+                <a:latin typeface="Arial"/>
+                <a:ea typeface="Arial"/>
+                <a:cs typeface="Arial"/>
+              </a:rPr>
+              <a:t>  - </a:t>
+            </a:r>
+            <a:r>
+              <a:rPr lang="ru-RU" sz="1200" b="0" i="0" u="none" strike="noStrike" cap="none" spc="0">
+                <a:solidFill>
+                  <a:schemeClr val="tx1"/>
+                </a:solidFill>
+                <a:latin typeface="Arial"/>
+                <a:ea typeface="Arial"/>
+                <a:cs typeface="Arial"/>
+              </a:rPr>
+              <a:t>Признак (1/0) времени года «зима»</a:t>
+            </a:r>
+            <a:endParaRPr sz="1200"/>
+          </a:p>
+          <a:p>
+            <a:pPr>
+              <a:defRPr/>
+            </a:pPr>
+            <a:r>
+              <a:rPr lang="ru-RU" sz="1200" b="0" i="0" u="none" strike="noStrike" cap="none" spc="0">
+                <a:solidFill>
+                  <a:schemeClr val="tx1"/>
+                </a:solidFill>
+                <a:latin typeface="Arial"/>
+                <a:ea typeface="Arial"/>
+                <a:cs typeface="Arial"/>
+              </a:rPr>
+              <a:t>    </a:t>
+            </a:r>
+            <a:r>
+              <a:rPr lang="ru-RU" sz="1200" b="0" i="0" u="none" strike="noStrike" cap="none" spc="0">
+                <a:solidFill>
+                  <a:schemeClr val="tx1"/>
+                </a:solidFill>
+                <a:latin typeface="Open Sans"/>
+                <a:ea typeface="Open Sans"/>
+                <a:cs typeface="Open Sans"/>
+              </a:rPr>
+              <a:t>m1</a:t>
+            </a:r>
+            <a:r>
+              <a:rPr lang="ru-RU" sz="1200" b="0" i="0" u="none" strike="noStrike" cap="none" spc="0">
+                <a:solidFill>
+                  <a:schemeClr val="tx1"/>
+                </a:solidFill>
+                <a:latin typeface="Arial"/>
+                <a:ea typeface="Arial"/>
+                <a:cs typeface="Arial"/>
+              </a:rPr>
+              <a:t>  - </a:t>
+            </a:r>
+            <a:r>
+              <a:rPr lang="ru-RU" sz="1200" b="0" i="0" u="none" strike="noStrike" cap="none" spc="0">
+                <a:solidFill>
+                  <a:schemeClr val="tx1"/>
+                </a:solidFill>
+                <a:latin typeface="Arial"/>
+                <a:ea typeface="Arial"/>
+                <a:cs typeface="Arial"/>
+              </a:rPr>
+              <a:t>Признак (1/0) времени года «весна»</a:t>
+            </a:r>
+            <a:endParaRPr sz="1200"/>
+          </a:p>
+          <a:p>
+            <a:pPr>
+              <a:defRPr/>
+            </a:pPr>
+            <a:r>
+              <a:rPr lang="ru-RU" sz="1200" b="0" i="0" u="none" strike="noStrike" cap="none" spc="0">
+                <a:solidFill>
+                  <a:schemeClr val="tx1"/>
+                </a:solidFill>
+                <a:latin typeface="Arial"/>
+                <a:ea typeface="Arial"/>
+                <a:cs typeface="Arial"/>
+              </a:rPr>
+              <a:t>    </a:t>
+            </a:r>
+            <a:r>
+              <a:rPr lang="ru-RU" sz="1200" b="0" i="0" u="none" strike="noStrike" cap="none" spc="0">
+                <a:solidFill>
+                  <a:schemeClr val="tx1"/>
+                </a:solidFill>
+                <a:latin typeface="Open Sans"/>
+                <a:ea typeface="Open Sans"/>
+                <a:cs typeface="Open Sans"/>
+              </a:rPr>
+              <a:t>m2</a:t>
+            </a:r>
+            <a:r>
+              <a:rPr lang="ru-RU" sz="1200" b="0" i="0" u="none" strike="noStrike" cap="none" spc="0">
+                <a:solidFill>
+                  <a:schemeClr val="tx1"/>
+                </a:solidFill>
+                <a:latin typeface="Arial"/>
+                <a:ea typeface="Arial"/>
+                <a:cs typeface="Arial"/>
+              </a:rPr>
+              <a:t>  - </a:t>
+            </a:r>
+            <a:r>
+              <a:rPr lang="ru-RU" sz="1200" b="0" i="0" u="none" strike="noStrike" cap="none" spc="0">
+                <a:solidFill>
+                  <a:schemeClr val="tx1"/>
+                </a:solidFill>
+                <a:latin typeface="Arial"/>
+                <a:ea typeface="Arial"/>
+                <a:cs typeface="Arial"/>
+              </a:rPr>
+              <a:t>Признак (1/0) времени года «лето»</a:t>
+            </a:r>
+            <a:endParaRPr sz="1200"/>
+          </a:p>
+          <a:p>
+            <a:pPr>
+              <a:defRPr/>
+            </a:pPr>
+            <a:r>
+              <a:rPr lang="ru-RU" sz="1200" b="0" i="0" u="none" strike="noStrike" cap="none" spc="0">
+                <a:solidFill>
+                  <a:schemeClr val="tx1"/>
+                </a:solidFill>
+                <a:latin typeface="Arial"/>
+                <a:ea typeface="Arial"/>
+                <a:cs typeface="Arial"/>
+              </a:rPr>
+              <a:t>    </a:t>
+            </a:r>
+            <a:r>
+              <a:rPr lang="ru-RU" sz="1200" b="0" i="0" u="none" strike="noStrike" cap="none" spc="0">
+                <a:solidFill>
+                  <a:schemeClr val="tx1"/>
+                </a:solidFill>
+                <a:latin typeface="Open Sans"/>
+                <a:ea typeface="Open Sans"/>
+                <a:cs typeface="Open Sans"/>
+              </a:rPr>
+              <a:t>m3</a:t>
+            </a:r>
+            <a:r>
+              <a:rPr lang="ru-RU" sz="1200" b="0" i="0" u="none" strike="noStrike" cap="none" spc="0">
+                <a:solidFill>
+                  <a:schemeClr val="tx1"/>
+                </a:solidFill>
+                <a:latin typeface="Arial"/>
+                <a:ea typeface="Arial"/>
+                <a:cs typeface="Arial"/>
+              </a:rPr>
+              <a:t>  - </a:t>
+            </a:r>
+            <a:r>
+              <a:rPr lang="ru-RU" sz="1200" b="0" i="0" u="none" strike="noStrike" cap="none" spc="0">
+                <a:solidFill>
+                  <a:schemeClr val="tx1"/>
+                </a:solidFill>
+                <a:latin typeface="Arial"/>
+                <a:ea typeface="Arial"/>
+                <a:cs typeface="Arial"/>
+              </a:rPr>
+              <a:t>Признак (1/0) времени года «осень»</a:t>
+            </a:r>
+            <a:endParaRPr sz="1200"/>
+          </a:p>
+          <a:p>
+            <a:pPr>
+              <a:defRPr/>
+            </a:pPr>
+            <a:r>
+              <a:rPr lang="ru-RU" sz="1200" b="0" i="0" u="none" strike="noStrike" cap="none" spc="0">
+                <a:solidFill>
+                  <a:schemeClr val="tx1"/>
+                </a:solidFill>
+                <a:latin typeface="Arial"/>
+                <a:ea typeface="Arial"/>
+                <a:cs typeface="Arial"/>
+              </a:rPr>
+              <a:t>    </a:t>
+            </a:r>
+            <a:r>
+              <a:rPr lang="ru-RU" sz="1200" b="0" i="0" u="none" strike="noStrike" cap="none" spc="0">
+                <a:solidFill>
+                  <a:schemeClr val="tx1"/>
+                </a:solidFill>
+                <a:latin typeface="Arial"/>
+                <a:ea typeface="Arial"/>
+                <a:cs typeface="Arial"/>
+              </a:rPr>
+              <a:t>hh   -  Время первого замера температуры (t_3)</a:t>
+            </a:r>
+            <a:endParaRPr sz="1200"/>
+          </a:p>
+          <a:p>
+            <a:pPr>
+              <a:defRPr/>
+            </a:pPr>
+            <a:r>
+              <a:rPr lang="ru-RU" sz="1200" b="0" i="0" u="none" strike="noStrike" cap="none" spc="0">
+                <a:solidFill>
+                  <a:schemeClr val="tx1"/>
+                </a:solidFill>
+                <a:latin typeface="Arial"/>
+                <a:ea typeface="Arial"/>
+                <a:cs typeface="Arial"/>
+              </a:rPr>
+              <a:t>    t_3</a:t>
+            </a:r>
+            <a:r>
+              <a:rPr lang="ru-RU" sz="1200" b="0" i="0" u="none" strike="noStrike" cap="none" spc="0">
+                <a:solidFill>
+                  <a:schemeClr val="tx1"/>
+                </a:solidFill>
+                <a:latin typeface="Arial"/>
+                <a:ea typeface="Arial"/>
+                <a:cs typeface="Arial"/>
+              </a:rPr>
+              <a:t>  - </a:t>
+            </a:r>
+            <a:r>
+              <a:rPr lang="ru-RU" sz="1200" b="0" i="0" u="none" strike="noStrike" cap="none" spc="0">
+                <a:solidFill>
+                  <a:schemeClr val="tx1"/>
+                </a:solidFill>
+                <a:latin typeface="Arial"/>
+                <a:ea typeface="Arial"/>
+                <a:cs typeface="Arial"/>
+              </a:rPr>
+              <a:t>Температура за 9ч до </a:t>
+            </a:r>
+            <a:r>
+              <a:rPr lang="ru-RU" sz="1200" b="0" i="0" u="none" strike="noStrike" cap="none" spc="0">
+                <a:solidFill>
+                  <a:schemeClr val="tx1"/>
+                </a:solidFill>
+                <a:latin typeface="Arial"/>
+                <a:ea typeface="Arial"/>
+                <a:cs typeface="Arial"/>
+              </a:rPr>
+              <a:t>T</a:t>
+            </a:r>
+            <a:r>
+              <a:rPr lang="ru-RU" sz="1200" b="0" i="0" u="none" strike="noStrike" cap="none" spc="0">
+                <a:solidFill>
+                  <a:schemeClr val="tx1"/>
+                </a:solidFill>
+                <a:latin typeface="Arial"/>
+                <a:ea typeface="Arial"/>
+                <a:cs typeface="Arial"/>
+              </a:rPr>
+              <a:t>0</a:t>
+            </a:r>
+            <a:endParaRPr sz="1200"/>
+          </a:p>
+          <a:p>
+            <a:pPr>
+              <a:defRPr/>
+            </a:pPr>
+            <a:r>
+              <a:rPr lang="ru-RU" sz="1200" b="0" i="0" u="none" strike="noStrike" cap="none" spc="0">
+                <a:solidFill>
+                  <a:schemeClr val="tx1"/>
+                </a:solidFill>
+                <a:latin typeface="Arial"/>
+                <a:ea typeface="Arial"/>
+                <a:cs typeface="Arial"/>
+              </a:rPr>
+              <a:t>    t_2</a:t>
+            </a:r>
+            <a:r>
+              <a:rPr lang="ru-RU" sz="1200" b="0" i="0" u="none" strike="noStrike" cap="none" spc="0">
+                <a:solidFill>
+                  <a:schemeClr val="tx1"/>
+                </a:solidFill>
+                <a:latin typeface="Arial"/>
+                <a:ea typeface="Arial"/>
+                <a:cs typeface="Arial"/>
+              </a:rPr>
+              <a:t>  - </a:t>
+            </a:r>
+            <a:r>
+              <a:rPr lang="ru-RU" sz="1200" b="0" i="0" u="none" strike="noStrike" cap="none" spc="0">
+                <a:solidFill>
+                  <a:schemeClr val="tx1"/>
+                </a:solidFill>
+                <a:latin typeface="Arial"/>
+                <a:ea typeface="Arial"/>
+                <a:cs typeface="Arial"/>
+              </a:rPr>
+              <a:t>Температура за 6ч до </a:t>
+            </a:r>
+            <a:r>
+              <a:rPr lang="ru-RU" sz="1200" b="0" i="0" u="none" strike="noStrike" cap="none" spc="0">
+                <a:solidFill>
+                  <a:schemeClr val="tx1"/>
+                </a:solidFill>
+                <a:latin typeface="Arial"/>
+                <a:ea typeface="Arial"/>
+                <a:cs typeface="Arial"/>
+              </a:rPr>
+              <a:t>T0</a:t>
+            </a:r>
+            <a:endParaRPr sz="1200"/>
+          </a:p>
+          <a:p>
+            <a:pPr>
+              <a:defRPr/>
+            </a:pPr>
+            <a:r>
+              <a:rPr lang="ru-RU" sz="1200" b="0" i="0" u="none" strike="noStrike" cap="none" spc="0">
+                <a:solidFill>
+                  <a:schemeClr val="tx1"/>
+                </a:solidFill>
+                <a:latin typeface="Arial"/>
+                <a:ea typeface="Arial"/>
+                <a:cs typeface="Arial"/>
+              </a:rPr>
+              <a:t>    t_1</a:t>
+            </a:r>
+            <a:r>
+              <a:rPr lang="ru-RU" sz="1200" b="0" i="0" u="none" strike="noStrike" cap="none" spc="0">
+                <a:solidFill>
+                  <a:schemeClr val="tx1"/>
+                </a:solidFill>
+                <a:latin typeface="Arial"/>
+                <a:ea typeface="Arial"/>
+                <a:cs typeface="Arial"/>
+              </a:rPr>
+              <a:t>  - </a:t>
+            </a:r>
+            <a:r>
+              <a:rPr lang="ru-RU" sz="1200" b="0" i="0" u="none" strike="noStrike" cap="none" spc="0">
+                <a:solidFill>
+                  <a:schemeClr val="tx1"/>
+                </a:solidFill>
+                <a:latin typeface="Arial"/>
+                <a:ea typeface="Arial"/>
+                <a:cs typeface="Arial"/>
+              </a:rPr>
+              <a:t>Температура за 3ч до </a:t>
+            </a:r>
+            <a:r>
+              <a:rPr lang="ru-RU" sz="1200" b="0" i="0" u="none" strike="noStrike" cap="none" spc="0">
+                <a:solidFill>
+                  <a:schemeClr val="tx1"/>
+                </a:solidFill>
+                <a:latin typeface="Arial"/>
+                <a:ea typeface="Arial"/>
+                <a:cs typeface="Arial"/>
+              </a:rPr>
+              <a:t>T0</a:t>
+            </a:r>
+            <a:endParaRPr sz="1200"/>
+          </a:p>
+          <a:p>
+            <a:pPr>
+              <a:defRPr/>
+            </a:pPr>
+            <a:r>
+              <a:rPr lang="ru-RU" sz="1200" b="0" i="0" u="none" strike="noStrike" cap="none" spc="0">
+                <a:solidFill>
+                  <a:schemeClr val="tx1"/>
+                </a:solidFill>
+                <a:latin typeface="Arial"/>
+                <a:ea typeface="Arial"/>
+                <a:cs typeface="Arial"/>
+              </a:rPr>
+              <a:t>    t0 </a:t>
+            </a:r>
+            <a:r>
+              <a:rPr lang="ru-RU" sz="1200" b="0" i="0" u="none" strike="noStrike" cap="none" spc="0">
+                <a:solidFill>
+                  <a:schemeClr val="tx1"/>
+                </a:solidFill>
+                <a:latin typeface="Arial"/>
+                <a:ea typeface="Arial"/>
+                <a:cs typeface="Arial"/>
+              </a:rPr>
+              <a:t>  -  Последняя известная </a:t>
+            </a:r>
+            <a:r>
+              <a:rPr lang="ru-RU" sz="1200" b="0" i="0" u="none" strike="noStrike" cap="none" spc="0">
+                <a:solidFill>
+                  <a:schemeClr val="tx1"/>
+                </a:solidFill>
+                <a:latin typeface="Arial"/>
+                <a:ea typeface="Arial"/>
+                <a:cs typeface="Arial"/>
+              </a:rPr>
+              <a:t>температура</a:t>
+            </a:r>
+            <a:endParaRPr lang="ru-RU" sz="1200" b="0" i="0" u="none" strike="noStrike" cap="none" spc="0">
+              <a:solidFill>
+                <a:schemeClr val="tx1"/>
+              </a:solidFill>
+              <a:latin typeface="Times New Roman"/>
+              <a:cs typeface="Times New Roman"/>
+            </a:endParaRPr>
+          </a:p>
+          <a:p>
+            <a:pPr>
+              <a:defRPr/>
+            </a:pPr>
+            <a:r>
+              <a:rPr lang="ru-RU" sz="1200" b="0" i="0" u="none" strike="noStrike" cap="none" spc="0">
+                <a:solidFill>
+                  <a:schemeClr val="tx1"/>
+                </a:solidFill>
+                <a:latin typeface="Arial"/>
+                <a:ea typeface="Arial"/>
+                <a:cs typeface="Arial"/>
+              </a:rPr>
+              <a:t>    Дополнительные поля</a:t>
+            </a:r>
+            <a:endParaRPr lang="ru-RU" sz="1200" b="0" i="0" u="none" strike="noStrike" cap="none" spc="0">
+              <a:solidFill>
+                <a:schemeClr val="tx1"/>
+              </a:solidFill>
+              <a:latin typeface="Times New Roman"/>
+              <a:cs typeface="Times New Roman"/>
+            </a:endParaRPr>
+          </a:p>
+          <a:p>
+            <a:pPr>
+              <a:defRPr/>
+            </a:pPr>
+            <a:r>
+              <a:rPr lang="ru-RU" sz="1200" b="0" i="0" u="none" strike="noStrike" cap="none" spc="0">
+                <a:solidFill>
+                  <a:schemeClr val="tx1"/>
+                </a:solidFill>
+                <a:latin typeface="Arial"/>
+                <a:ea typeface="Arial"/>
+                <a:cs typeface="Arial"/>
+              </a:rPr>
+              <a:t>    region - id региона</a:t>
+            </a:r>
+            <a:endParaRPr lang="ru-RU" sz="1200" b="0" i="0" u="none" strike="noStrike" cap="none" spc="0">
+              <a:solidFill>
+                <a:schemeClr val="tx1"/>
+              </a:solidFill>
+              <a:latin typeface="Times New Roman"/>
+              <a:cs typeface="Times New Roman"/>
+            </a:endParaRPr>
+          </a:p>
+          <a:p>
+            <a:pPr>
+              <a:defRPr/>
+            </a:pPr>
+            <a:r>
+              <a:rPr lang="ru-RU" sz="1200" b="0" i="0" u="none" strike="noStrike" cap="none" spc="0">
+                <a:solidFill>
+                  <a:schemeClr val="tx1"/>
+                </a:solidFill>
+                <a:latin typeface="Arial"/>
+                <a:ea typeface="Arial"/>
+                <a:cs typeface="Arial"/>
+              </a:rPr>
+              <a:t>    dt_max - час последней усредненной температуры t_0</a:t>
+            </a:r>
+            <a:endParaRPr lang="ru-RU" sz="1200" b="0" i="0" u="none" strike="noStrike" cap="none" spc="0">
+              <a:solidFill>
+                <a:schemeClr val="tx1"/>
+              </a:solidFill>
+              <a:latin typeface="Times New Roman"/>
+              <a:cs typeface="Times New Roman"/>
+            </a:endParaRPr>
+          </a:p>
+          <a:p>
+            <a:pPr>
+              <a:defRPr/>
+            </a:pPr>
+            <a:endParaRPr lang="ru-RU" sz="1200" b="0" i="0" u="none" strike="noStrike" cap="none" spc="0">
+              <a:solidFill>
+                <a:schemeClr val="tx1"/>
+              </a:solidFill>
+              <a:latin typeface="Times New Roman"/>
+              <a:cs typeface="Times New Roman"/>
+            </a:endParaRPr>
+          </a:p>
+          <a:p>
+            <a:pPr>
+              <a:defRPr/>
+            </a:pPr>
+            <a:r>
+              <a:rPr lang="ru-RU" sz="1200" b="0" i="0" u="none" strike="noStrike" cap="none" spc="0">
+                <a:solidFill>
+                  <a:schemeClr val="tx1"/>
+                </a:solidFill>
+                <a:latin typeface="Arial"/>
+                <a:ea typeface="Arial"/>
+                <a:cs typeface="Arial"/>
+              </a:rPr>
+              <a:t>5. Получить прогноз температуры</a:t>
+            </a:r>
+            <a:r>
+              <a:rPr lang="ru-RU" sz="1200" b="0" i="0" u="none" strike="noStrike" cap="none" spc="0">
+                <a:solidFill>
+                  <a:schemeClr val="tx1"/>
+                </a:solidFill>
+                <a:latin typeface="Arial"/>
+                <a:ea typeface="Arial"/>
+                <a:cs typeface="Arial"/>
+              </a:rPr>
+              <a:t> переданными ML-моделями и сохранить</a:t>
+            </a:r>
+            <a:br>
+              <a:rPr lang="ru-RU" sz="1200" b="0" i="0" u="none" strike="noStrike" cap="none" spc="0">
+                <a:solidFill>
+                  <a:schemeClr val="tx1"/>
+                </a:solidFill>
+                <a:latin typeface="Arial"/>
+                <a:ea typeface="Arial"/>
+                <a:cs typeface="Arial"/>
+              </a:rPr>
+            </a:br>
+            <a:r>
+              <a:rPr lang="ru-RU" sz="1200" b="0" i="0" u="none" strike="noStrike" cap="none" spc="0">
+                <a:solidFill>
+                  <a:schemeClr val="tx1"/>
+                </a:solidFill>
+                <a:latin typeface="Arial"/>
+                <a:ea typeface="Arial"/>
+                <a:cs typeface="Arial"/>
+              </a:rPr>
+              <a:t>    результат в файл, предложить вариант его визуализации</a:t>
+            </a:r>
+            <a:endParaRPr lang="ru-RU" sz="1200" b="0" i="0" u="none" strike="noStrike" cap="none" spc="0">
+              <a:solidFill>
+                <a:schemeClr val="tx1"/>
+              </a:solidFill>
+              <a:latin typeface="Times New Roman"/>
+              <a:cs typeface="Times New Roman"/>
+            </a:endParaRPr>
+          </a:p>
+          <a:p>
+            <a:pPr>
+              <a:defRPr/>
+            </a:pPr>
+            <a:endParaRPr lang="ru-RU" sz="1200" b="0" i="0" u="none" strike="noStrike" cap="none" spc="0">
+              <a:solidFill>
+                <a:schemeClr val="tx1"/>
+              </a:solidFill>
+              <a:latin typeface="Times New Roman"/>
+              <a:cs typeface="Times New Roman"/>
+            </a:endParaRPr>
+          </a:p>
+          <a:p>
+            <a:pPr>
+              <a:defRPr/>
+            </a:pPr>
+            <a:r>
+              <a:rPr lang="ru-RU" sz="1200" b="0" i="0" u="none" strike="noStrike" cap="none" spc="0">
+                <a:solidFill>
+                  <a:schemeClr val="tx1"/>
+                </a:solidFill>
+                <a:latin typeface="Arial"/>
+                <a:ea typeface="Arial"/>
+                <a:cs typeface="Arial"/>
+              </a:rPr>
+              <a:t>6. </a:t>
+            </a:r>
+            <a:r>
+              <a:rPr lang="ru-RU" sz="1200" b="0" i="0" u="none" strike="noStrike" cap="none" spc="0">
+                <a:solidFill>
+                  <a:schemeClr val="tx1"/>
+                </a:solidFill>
+                <a:latin typeface="Arial"/>
+                <a:ea typeface="Arial"/>
+                <a:cs typeface="Arial"/>
+              </a:rPr>
+              <a:t>В Airflow</a:t>
+            </a:r>
+            <a:r>
+              <a:rPr lang="ru-RU" sz="1200" b="0" i="0" u="none" strike="noStrike" cap="none" spc="0">
+                <a:solidFill>
+                  <a:schemeClr val="tx1"/>
+                </a:solidFill>
+                <a:latin typeface="Arial"/>
+                <a:ea typeface="Arial"/>
+                <a:cs typeface="Arial"/>
+              </a:rPr>
+              <a:t> </a:t>
+            </a:r>
+            <a:r>
+              <a:rPr lang="ru-RU" sz="1200" b="0" i="0" u="none" strike="noStrike" cap="none" spc="0">
+                <a:solidFill>
+                  <a:schemeClr val="tx1"/>
+                </a:solidFill>
+                <a:latin typeface="Arial"/>
+                <a:ea typeface="Arial"/>
+                <a:cs typeface="Arial"/>
+              </a:rPr>
+              <a:t>cоздать пайплайн, выполняющий шаги передачи и трасформации</a:t>
+            </a:r>
+            <a:endParaRPr lang="ru-RU" sz="1200" b="0" i="0" u="none" strike="noStrike" cap="none" spc="0">
+              <a:solidFill>
+                <a:schemeClr val="tx1"/>
+              </a:solidFill>
+              <a:latin typeface="Times New Roman"/>
+              <a:cs typeface="Times New Roman"/>
+            </a:endParaRPr>
+          </a:p>
+          <a:p>
+            <a:pPr>
+              <a:defRPr/>
+            </a:pPr>
+            <a:r>
+              <a:rPr lang="ru-RU" sz="1200" b="0" i="0" u="none" strike="noStrike" cap="none" spc="0">
+                <a:solidFill>
+                  <a:schemeClr val="tx1"/>
+                </a:solidFill>
+                <a:latin typeface="Arial"/>
+                <a:ea typeface="Arial"/>
+                <a:cs typeface="Arial"/>
+              </a:rPr>
+              <a:t>    данных 1-5</a:t>
+            </a:r>
+            <a:endParaRPr lang="ru-RU" sz="1200" b="0" i="0" u="none" strike="noStrike" cap="none" spc="0">
+              <a:solidFill>
+                <a:schemeClr val="tx1"/>
+              </a:solidFill>
+              <a:latin typeface="Times New Roman"/>
+              <a:cs typeface="Times New Roman"/>
+            </a:endParaRPr>
+          </a:p>
+        </p:txBody>
+      </p:sp>
+      <p:pic>
+        <p:nvPicPr>
+          <p:cNvPr id="1108567398" name=""/>
+          <p:cNvPicPr>
+            <a:picLocks noChangeAspect="1"/>
+          </p:cNvPicPr>
+          <p:nvPr/>
+        </p:nvPicPr>
+        <p:blipFill>
+          <a:blip r:embed="rId3"/>
+          <a:stretch/>
+        </p:blipFill>
+        <p:spPr bwMode="auto">
+          <a:xfrm>
+            <a:off x="213797" y="509587"/>
+            <a:ext cx="5686425" cy="6181724"/>
+          </a:xfrm>
+          <a:prstGeom prst="rect">
+            <a:avLst/>
+          </a:prstGeom>
+        </p:spPr>
+      </p:pic>
+    </p:spTree>
+  </p:cSld>
+  <p:clrMapOvr>
+    <a:masterClrMapping/>
+  </p:clrMapOvr>
+  <mc:AlternateContent xmlns:mc="http://schemas.openxmlformats.org/markup-compatibility/2006">
+    <mc:Choice xmlns:p14="http://schemas.microsoft.com/office/powerpoint/2010/main" Requires="p14">
+      <p:transition p14:dur="2000" advClick="1"/>
+    </mc:Choice>
+    <mc:Fallback>
+      <p:transition advClick="1"/>
+    </mc:Fallback>
+  </mc:AlternateContent>
+</p:sld>
+</file>
+
+<file path=ppt/slides/slide5.xml><?xml version="1.0" encoding="utf-8"?>
+<p:sld xmlns:a="http://schemas.openxmlformats.org/drawingml/2006/main" xmlns:r="http://schemas.openxmlformats.org/officeDocument/2006/relationships" xmlns:p="http://schemas.openxmlformats.org/presentationml/2006/main" xmlns:m="http://schemas.openxmlformats.org/officeDocument/2006/math" xmlns:w="http://schemas.openxmlformats.org/wordprocessingml/2006/main" showMasterPhAnim="0" show="1">
+  <p:cSld name="">
+    <p:spTree>
+      <p:nvGrpSpPr>
+        <p:cNvPr id="1" name=""/>
+        <p:cNvGrpSpPr/>
+        <p:nvPr/>
+      </p:nvGrpSpPr>
+      <p:grpSpPr bwMode="auto">
+        <a:xfrm>
+          <a:off x="0" y="0"/>
+          <a:ext cx="0" cy="0"/>
+          <a:chOff x="0" y="0"/>
+          <a:chExt cx="0" cy="0"/>
+        </a:xfrm>
+      </p:grpSpPr>
+      <p:sp>
+        <p:nvSpPr>
+          <p:cNvPr id="2138393963" name=""/>
+          <p:cNvSpPr txBox="1"/>
+          <p:nvPr/>
+        </p:nvSpPr>
+        <p:spPr bwMode="auto">
+          <a:xfrm flipH="0" flipV="0">
+            <a:off x="4466512" y="38097"/>
+            <a:ext cx="3258973" cy="579479"/>
+          </a:xfrm>
+          <a:prstGeom prst="rect">
+            <a:avLst/>
+          </a:prstGeom>
+          <a:noFill/>
+        </p:spPr>
+        <p:txBody>
+          <a:bodyPr vertOverflow="overflow" horzOverflow="overflow" vert="horz" wrap="none" lIns="91440" tIns="45720" rIns="91440" bIns="45720" numCol="1" spcCol="0" rtlCol="0" fromWordArt="0" anchor="t" anchorCtr="0" forceAA="0" upright="0" compatLnSpc="0">
+            <a:spAutoFit/>
+          </a:bodyPr>
+          <a:p>
+            <a:pPr>
+              <a:defRPr/>
+            </a:pPr>
+            <a:r>
+              <a:rPr sz="3200" b="1"/>
+              <a:t>Задача </a:t>
+            </a:r>
+            <a:r>
+              <a:rPr sz="3200" b="1"/>
+              <a:t>DevOps</a:t>
+            </a:r>
+            <a:endParaRPr/>
+          </a:p>
+        </p:txBody>
+      </p:sp>
+      <p:sp>
+        <p:nvSpPr>
+          <p:cNvPr id="729909775" name=""/>
+          <p:cNvSpPr txBox="1"/>
+          <p:nvPr/>
+        </p:nvSpPr>
+        <p:spPr bwMode="auto">
+          <a:xfrm flipH="0" flipV="0">
+            <a:off x="2548622" y="1338260"/>
+            <a:ext cx="7094754" cy="823320"/>
+          </a:xfrm>
+          <a:prstGeom prst="rect">
+            <a:avLst/>
+          </a:prstGeom>
+          <a:noFill/>
+        </p:spPr>
+        <p:txBody>
+          <a:bodyPr vertOverflow="overflow" horzOverflow="overflow" vert="horz" wrap="square" lIns="91440" tIns="45720" rIns="91440" bIns="45720" numCol="1" spcCol="0" rtlCol="0" fromWordArt="0" anchor="t" anchorCtr="0" forceAA="0" upright="0" compatLnSpc="0">
+            <a:spAutoFit/>
+          </a:bodyPr>
+          <a:p>
+            <a:pPr marL="217791" indent="-217791">
+              <a:buAutoNum type="arabicPeriod"/>
+              <a:defRPr/>
+            </a:pPr>
+            <a:r>
+              <a:rPr sz="1200"/>
+              <a:t>Результаты, переданные DE упаковать в Docker-контейнер(ы)</a:t>
+            </a:r>
+            <a:endParaRPr sz="1200"/>
+          </a:p>
+          <a:p>
+            <a:pPr>
+              <a:defRPr/>
+            </a:pPr>
+            <a:endParaRPr sz="1200"/>
+          </a:p>
+          <a:p>
+            <a:pPr>
+              <a:defRPr/>
+            </a:pPr>
+            <a:r>
+              <a:rPr sz="1200"/>
+              <a:t>2.  Максимально автоматизировать задачу, упаковки и инсталляции для минимизации времени  </a:t>
+            </a:r>
+            <a:endParaRPr sz="1200"/>
+          </a:p>
+          <a:p>
+            <a:pPr>
+              <a:defRPr/>
+            </a:pPr>
+            <a:r>
+              <a:rPr sz="1200"/>
+              <a:t>     на этапе тестирования и внедрения </a:t>
+            </a:r>
+            <a:r>
+              <a:rPr lang="ru-RU" sz="1200" b="0" i="0" u="none" strike="noStrike" cap="none" spc="0">
+                <a:solidFill>
+                  <a:schemeClr val="tx1"/>
+                </a:solidFill>
+                <a:latin typeface="Arial"/>
+                <a:ea typeface="Arial"/>
+                <a:cs typeface="Arial"/>
+              </a:rPr>
+              <a:t>решения </a:t>
+            </a:r>
+            <a:endParaRPr sz="1200"/>
+          </a:p>
+        </p:txBody>
+      </p:sp>
+    </p:spTree>
+  </p:cSld>
+  <p:clrMapOvr>
+    <a:masterClrMapping/>
+  </p:clrMapOvr>
+  <mc:AlternateContent xmlns:mc="http://schemas.openxmlformats.org/markup-compatibility/2006">
+    <mc:Choice xmlns:p14="http://schemas.microsoft.com/office/powerpoint/2010/main" Requires="p14">
+      <p:transition p14:dur="2000" advClick="1"/>
+    </mc:Choice>
+    <mc:Fallback>
+      <p:transition advClick="1"/>
+    </mc:Fallback>
+  </mc:AlternateContent>
+</p:sld>
+</file>
+
+<file path=ppt/slides/slide6.xml><?xml version="1.0" encoding="utf-8"?>
+<p:sld xmlns:a="http://schemas.openxmlformats.org/drawingml/2006/main" xmlns:r="http://schemas.openxmlformats.org/officeDocument/2006/relationships" xmlns:p="http://schemas.openxmlformats.org/presentationml/2006/main" xmlns:m="http://schemas.openxmlformats.org/officeDocument/2006/math" xmlns:w="http://schemas.openxmlformats.org/wordprocessingml/2006/main" showMasterPhAnim="0" show="1">
+  <p:cSld name="">
+    <p:spTree>
+      <p:nvGrpSpPr>
+        <p:cNvPr id="1" name=""/>
+        <p:cNvGrpSpPr/>
+        <p:nvPr/>
+      </p:nvGrpSpPr>
+      <p:grpSpPr bwMode="auto">
+        <a:xfrm>
+          <a:off x="0" y="0"/>
+          <a:ext cx="0" cy="0"/>
+          <a:chOff x="0" y="0"/>
+          <a:chExt cx="0" cy="0"/>
+        </a:xfrm>
+      </p:grpSpPr>
+      <p:sp>
+        <p:nvSpPr>
+          <p:cNvPr id="330388589" name=""/>
+          <p:cNvSpPr/>
+          <p:nvPr/>
+        </p:nvSpPr>
+        <p:spPr bwMode="auto">
+          <a:xfrm flipH="0" flipV="0">
+            <a:off x="5954097" y="38097"/>
+            <a:ext cx="6172200" cy="6772275"/>
+          </a:xfrm>
+          <a:prstGeom prst="rect">
+            <a:avLst/>
+          </a:prstGeom>
+          <a:solidFill>
+            <a:schemeClr val="bg1"/>
+          </a:solidFill>
+        </p:spPr>
+        <p:style>
+          <a:lnRef idx="2">
+            <a:schemeClr val="accent1">
+              <a:shade val="50000"/>
+            </a:schemeClr>
+          </a:lnRef>
+          <a:fillRef idx="1">
+            <a:schemeClr val="accent1"/>
+          </a:fillRef>
+          <a:effectRef idx="0">
+            <a:schemeClr val="accent1"/>
+          </a:effectRef>
+          <a:fontRef idx="minor">
+            <a:schemeClr val="lt1"/>
+          </a:fontRef>
+        </p:style>
+      </p:sp>
+      <p:sp>
+        <p:nvSpPr>
+          <p:cNvPr id="932293448" name=""/>
+          <p:cNvSpPr/>
+          <p:nvPr/>
+        </p:nvSpPr>
+        <p:spPr bwMode="auto">
+          <a:xfrm flipH="0" flipV="0">
+            <a:off x="6107304" y="6169932"/>
+            <a:ext cx="5838014" cy="567148"/>
+          </a:xfrm>
+          <a:prstGeom prst="flowChartAlternateProcess">
+            <a:avLst/>
+          </a:prstGeom>
+          <a:solidFill>
+            <a:schemeClr val="bg1">
+              <a:lumMod val="85000"/>
+            </a:schemeClr>
+          </a:solidFill>
+        </p:spPr>
+        <p:style>
+          <a:lnRef idx="2">
+            <a:schemeClr val="accent1">
+              <a:shade val="50000"/>
+            </a:schemeClr>
+          </a:lnRef>
+          <a:fillRef idx="1">
+            <a:schemeClr val="accent1"/>
+          </a:fillRef>
+          <a:effectRef idx="0">
+            <a:schemeClr val="accent1"/>
+          </a:effectRef>
+          <a:fontRef idx="minor">
+            <a:schemeClr val="lt1"/>
+          </a:fontRef>
+        </p:style>
+      </p:sp>
+      <p:sp>
+        <p:nvSpPr>
+          <p:cNvPr id="937820539" name=""/>
+          <p:cNvSpPr/>
+          <p:nvPr/>
+        </p:nvSpPr>
+        <p:spPr bwMode="auto">
+          <a:xfrm flipH="0" flipV="0">
+            <a:off x="6854756" y="5879442"/>
+            <a:ext cx="5192818" cy="290486"/>
+          </a:xfrm>
+          <a:prstGeom prst="flowChartAlternateProcess">
+            <a:avLst/>
+          </a:prstGeom>
+          <a:solidFill>
+            <a:schemeClr val="tx2">
+              <a:lumMod val="20000"/>
+              <a:lumOff val="80000"/>
+            </a:schemeClr>
+          </a:solidFill>
+        </p:spPr>
+        <p:style>
+          <a:lnRef idx="2">
+            <a:schemeClr val="accent1">
+              <a:shade val="50000"/>
+            </a:schemeClr>
+          </a:lnRef>
+          <a:fillRef idx="1">
+            <a:schemeClr val="accent1"/>
+          </a:fillRef>
+          <a:effectRef idx="0">
+            <a:schemeClr val="accent1"/>
+          </a:effectRef>
+          <a:fontRef idx="minor">
+            <a:schemeClr val="lt1"/>
+          </a:fontRef>
+        </p:style>
+      </p:sp>
+      <p:sp>
+        <p:nvSpPr>
+          <p:cNvPr id="721249953" name=""/>
+          <p:cNvSpPr/>
+          <p:nvPr/>
+        </p:nvSpPr>
+        <p:spPr bwMode="auto">
+          <a:xfrm flipH="0" flipV="0">
+            <a:off x="6107307" y="5524107"/>
+            <a:ext cx="1189813" cy="333373"/>
+          </a:xfrm>
+          <a:prstGeom prst="flowChartAlternateProcess">
+            <a:avLst/>
+          </a:prstGeom>
+          <a:solidFill>
+            <a:schemeClr val="bg1">
+              <a:lumMod val="85000"/>
+            </a:schemeClr>
+          </a:solidFill>
+        </p:spPr>
+        <p:style>
+          <a:lnRef idx="2">
+            <a:schemeClr val="accent1">
+              <a:shade val="50000"/>
+            </a:schemeClr>
+          </a:lnRef>
+          <a:fillRef idx="1">
+            <a:schemeClr val="accent1"/>
+          </a:fillRef>
+          <a:effectRef idx="0">
+            <a:schemeClr val="accent1"/>
+          </a:effectRef>
+          <a:fontRef idx="minor">
+            <a:schemeClr val="lt1"/>
+          </a:fontRef>
+        </p:style>
+      </p:sp>
+      <p:sp>
+        <p:nvSpPr>
+          <p:cNvPr id="1321904797" name=""/>
+          <p:cNvSpPr/>
+          <p:nvPr/>
+        </p:nvSpPr>
+        <p:spPr bwMode="auto">
+          <a:xfrm flipH="0" flipV="0">
+            <a:off x="9611698" y="5251872"/>
+            <a:ext cx="2435878" cy="272233"/>
+          </a:xfrm>
+          <a:prstGeom prst="flowChartAlternateProcess">
+            <a:avLst/>
+          </a:prstGeom>
+          <a:solidFill>
+            <a:schemeClr val="tx2">
+              <a:lumMod val="20000"/>
+              <a:lumOff val="80000"/>
+            </a:schemeClr>
+          </a:solidFill>
+        </p:spPr>
+        <p:style>
+          <a:lnRef idx="2">
+            <a:schemeClr val="accent1">
+              <a:shade val="50000"/>
+            </a:schemeClr>
+          </a:lnRef>
+          <a:fillRef idx="1">
+            <a:schemeClr val="accent1"/>
+          </a:fillRef>
+          <a:effectRef idx="0">
+            <a:schemeClr val="accent1"/>
+          </a:effectRef>
+          <a:fontRef idx="minor">
+            <a:schemeClr val="lt1"/>
+          </a:fontRef>
+        </p:style>
+      </p:sp>
+      <p:sp>
+        <p:nvSpPr>
+          <p:cNvPr id="1300891375" name=""/>
+          <p:cNvSpPr/>
+          <p:nvPr/>
+        </p:nvSpPr>
+        <p:spPr bwMode="auto">
+          <a:xfrm flipH="0" flipV="0">
+            <a:off x="6107306" y="4662072"/>
+            <a:ext cx="5476063" cy="587354"/>
+          </a:xfrm>
+          <a:prstGeom prst="flowChartAlternateProcess">
+            <a:avLst/>
+          </a:prstGeom>
+          <a:solidFill>
+            <a:schemeClr val="bg1">
+              <a:lumMod val="85000"/>
+            </a:schemeClr>
+          </a:solidFill>
+        </p:spPr>
+        <p:style>
+          <a:lnRef idx="2">
+            <a:schemeClr val="accent1">
+              <a:shade val="50000"/>
+            </a:schemeClr>
+          </a:lnRef>
+          <a:fillRef idx="1">
+            <a:schemeClr val="accent1"/>
+          </a:fillRef>
+          <a:effectRef idx="0">
+            <a:schemeClr val="accent1"/>
+          </a:effectRef>
+          <a:fontRef idx="minor">
+            <a:schemeClr val="lt1"/>
+          </a:fontRef>
+        </p:style>
+      </p:sp>
+      <p:sp>
+        <p:nvSpPr>
+          <p:cNvPr id="929028907" name=""/>
+          <p:cNvSpPr/>
+          <p:nvPr/>
+        </p:nvSpPr>
+        <p:spPr bwMode="auto">
+          <a:xfrm flipH="0" flipV="0">
+            <a:off x="7468571" y="4247037"/>
+            <a:ext cx="4579003" cy="409573"/>
+          </a:xfrm>
+          <a:prstGeom prst="flowChartAlternateProcess">
+            <a:avLst/>
+          </a:prstGeom>
+          <a:solidFill>
+            <a:schemeClr val="tx2">
+              <a:lumMod val="20000"/>
+              <a:lumOff val="80000"/>
+            </a:schemeClr>
+          </a:solidFill>
+        </p:spPr>
+        <p:style>
+          <a:lnRef idx="2">
+            <a:schemeClr val="accent1">
+              <a:shade val="50000"/>
+            </a:schemeClr>
+          </a:lnRef>
+          <a:fillRef idx="1">
+            <a:schemeClr val="accent1"/>
+          </a:fillRef>
+          <a:effectRef idx="0">
+            <a:schemeClr val="accent1"/>
+          </a:effectRef>
+          <a:fontRef idx="minor">
+            <a:schemeClr val="lt1"/>
+          </a:fontRef>
+        </p:style>
+      </p:sp>
+      <p:sp>
+        <p:nvSpPr>
+          <p:cNvPr id="1397848660" name=""/>
+          <p:cNvSpPr/>
+          <p:nvPr/>
+        </p:nvSpPr>
+        <p:spPr bwMode="auto">
+          <a:xfrm flipH="0" flipV="0">
+            <a:off x="6107306" y="3913302"/>
+            <a:ext cx="4542448" cy="333373"/>
+          </a:xfrm>
+          <a:prstGeom prst="flowChartAlternateProcess">
+            <a:avLst/>
+          </a:prstGeom>
+          <a:solidFill>
+            <a:schemeClr val="bg1">
+              <a:lumMod val="85000"/>
+            </a:schemeClr>
+          </a:solidFill>
+        </p:spPr>
+        <p:style>
+          <a:lnRef idx="2">
+            <a:schemeClr val="accent1">
+              <a:shade val="50000"/>
+            </a:schemeClr>
+          </a:lnRef>
+          <a:fillRef idx="1">
+            <a:schemeClr val="accent1"/>
+          </a:fillRef>
+          <a:effectRef idx="0">
+            <a:schemeClr val="accent1"/>
+          </a:effectRef>
+          <a:fontRef idx="minor">
+            <a:schemeClr val="lt1"/>
+          </a:fontRef>
+        </p:style>
+      </p:sp>
+      <p:sp>
+        <p:nvSpPr>
+          <p:cNvPr id="120701641" name=""/>
+          <p:cNvSpPr/>
+          <p:nvPr/>
+        </p:nvSpPr>
+        <p:spPr bwMode="auto">
+          <a:xfrm flipH="0" flipV="0">
+            <a:off x="7554298" y="3495385"/>
+            <a:ext cx="4493278" cy="409573"/>
+          </a:xfrm>
+          <a:prstGeom prst="flowChartAlternateProcess">
+            <a:avLst/>
+          </a:prstGeom>
+          <a:solidFill>
+            <a:schemeClr val="tx2">
+              <a:lumMod val="20000"/>
+              <a:lumOff val="80000"/>
+            </a:schemeClr>
+          </a:solidFill>
+        </p:spPr>
+        <p:style>
+          <a:lnRef idx="2">
+            <a:schemeClr val="accent1">
+              <a:shade val="50000"/>
+            </a:schemeClr>
+          </a:lnRef>
+          <a:fillRef idx="1">
+            <a:schemeClr val="accent1"/>
+          </a:fillRef>
+          <a:effectRef idx="0">
+            <a:schemeClr val="accent1"/>
+          </a:effectRef>
+          <a:fontRef idx="minor">
+            <a:schemeClr val="lt1"/>
+          </a:fontRef>
+        </p:style>
+      </p:sp>
+      <p:sp>
+        <p:nvSpPr>
+          <p:cNvPr id="1520296376" name=""/>
+          <p:cNvSpPr/>
+          <p:nvPr/>
+        </p:nvSpPr>
+        <p:spPr bwMode="auto">
+          <a:xfrm flipH="0" flipV="0">
+            <a:off x="6107307" y="2009772"/>
+            <a:ext cx="5352958" cy="1485613"/>
+          </a:xfrm>
+          <a:prstGeom prst="flowChartAlternateProcess">
+            <a:avLst/>
+          </a:prstGeom>
+          <a:solidFill>
+            <a:schemeClr val="bg1">
+              <a:lumMod val="85000"/>
+            </a:schemeClr>
+          </a:solidFill>
+        </p:spPr>
+        <p:style>
+          <a:lnRef idx="2">
+            <a:schemeClr val="accent1">
+              <a:shade val="50000"/>
+            </a:schemeClr>
+          </a:lnRef>
+          <a:fillRef idx="1">
+            <a:schemeClr val="accent1"/>
+          </a:fillRef>
+          <a:effectRef idx="0">
+            <a:schemeClr val="accent1"/>
+          </a:effectRef>
+          <a:fontRef idx="minor">
+            <a:schemeClr val="lt1"/>
+          </a:fontRef>
+        </p:style>
+      </p:sp>
+      <p:sp>
+        <p:nvSpPr>
+          <p:cNvPr id="805341959" name=""/>
+          <p:cNvSpPr/>
+          <p:nvPr/>
+        </p:nvSpPr>
+        <p:spPr bwMode="auto">
+          <a:xfrm flipH="0" flipV="0">
+            <a:off x="10516572" y="1638296"/>
+            <a:ext cx="1531002" cy="371472"/>
+          </a:xfrm>
+          <a:prstGeom prst="flowChartAlternateProcess">
+            <a:avLst/>
+          </a:prstGeom>
+          <a:solidFill>
+            <a:schemeClr val="tx2">
+              <a:lumMod val="20000"/>
+              <a:lumOff val="80000"/>
+            </a:schemeClr>
+          </a:solidFill>
+        </p:spPr>
+        <p:style>
+          <a:lnRef idx="2">
+            <a:schemeClr val="accent1">
+              <a:shade val="50000"/>
+            </a:schemeClr>
+          </a:lnRef>
+          <a:fillRef idx="1">
+            <a:schemeClr val="accent1"/>
+          </a:fillRef>
+          <a:effectRef idx="0">
+            <a:schemeClr val="accent1"/>
+          </a:effectRef>
+          <a:fontRef idx="minor">
+            <a:schemeClr val="lt1"/>
+          </a:fontRef>
+        </p:style>
+      </p:sp>
+      <p:sp>
+        <p:nvSpPr>
+          <p:cNvPr id="1305536591" name=""/>
+          <p:cNvSpPr/>
+          <p:nvPr/>
+        </p:nvSpPr>
+        <p:spPr bwMode="auto">
+          <a:xfrm flipH="0" flipV="0">
+            <a:off x="6107307" y="861597"/>
+            <a:ext cx="5115465" cy="776700"/>
+          </a:xfrm>
+          <a:prstGeom prst="flowChartAlternateProcess">
+            <a:avLst/>
+          </a:prstGeom>
+          <a:solidFill>
+            <a:schemeClr val="bg1">
+              <a:lumMod val="85000"/>
+            </a:schemeClr>
+          </a:solidFill>
+        </p:spPr>
+        <p:style>
+          <a:lnRef idx="2">
+            <a:schemeClr val="accent1">
+              <a:shade val="50000"/>
+            </a:schemeClr>
+          </a:lnRef>
+          <a:fillRef idx="1">
+            <a:schemeClr val="accent1"/>
+          </a:fillRef>
+          <a:effectRef idx="0">
+            <a:schemeClr val="accent1"/>
+          </a:effectRef>
+          <a:fontRef idx="minor">
+            <a:schemeClr val="lt1"/>
+          </a:fontRef>
+        </p:style>
+      </p:sp>
+      <p:sp>
+        <p:nvSpPr>
+          <p:cNvPr id="527878054" name=""/>
+          <p:cNvSpPr/>
+          <p:nvPr/>
+        </p:nvSpPr>
+        <p:spPr bwMode="auto">
+          <a:xfrm flipH="0" flipV="0">
+            <a:off x="8459172" y="404037"/>
+            <a:ext cx="3588403" cy="457560"/>
+          </a:xfrm>
+          <a:prstGeom prst="flowChartAlternateProcess">
+            <a:avLst/>
+          </a:prstGeom>
+          <a:solidFill>
+            <a:schemeClr val="tx2">
+              <a:lumMod val="20000"/>
+              <a:lumOff val="80000"/>
+            </a:schemeClr>
+          </a:solidFill>
+        </p:spPr>
+        <p:style>
+          <a:lnRef idx="2">
+            <a:schemeClr val="accent1">
+              <a:shade val="50000"/>
+            </a:schemeClr>
+          </a:lnRef>
+          <a:fillRef idx="1">
+            <a:schemeClr val="accent1"/>
+          </a:fillRef>
+          <a:effectRef idx="0">
+            <a:schemeClr val="accent1"/>
+          </a:effectRef>
+          <a:fontRef idx="minor">
+            <a:schemeClr val="lt1"/>
+          </a:fontRef>
+        </p:style>
+      </p:sp>
+      <p:sp>
+        <p:nvSpPr>
+          <p:cNvPr id="1506571292" name=""/>
+          <p:cNvSpPr/>
+          <p:nvPr/>
+        </p:nvSpPr>
+        <p:spPr bwMode="auto">
+          <a:xfrm flipH="0" flipV="0">
+            <a:off x="6107307" y="129357"/>
+            <a:ext cx="5115465" cy="274678"/>
+          </a:xfrm>
+          <a:prstGeom prst="flowChartAlternateProcess">
+            <a:avLst/>
+          </a:prstGeom>
+          <a:solidFill>
+            <a:schemeClr val="bg1">
+              <a:lumMod val="85000"/>
+            </a:schemeClr>
+          </a:solidFill>
+        </p:spPr>
+        <p:style>
+          <a:lnRef idx="2">
+            <a:schemeClr val="accent1">
+              <a:shade val="50000"/>
+            </a:schemeClr>
+          </a:lnRef>
+          <a:fillRef idx="1">
+            <a:schemeClr val="accent1"/>
+          </a:fillRef>
+          <a:effectRef idx="0">
+            <a:schemeClr val="accent1"/>
+          </a:effectRef>
+          <a:fontRef idx="minor">
+            <a:schemeClr val="lt1"/>
+          </a:fontRef>
+        </p:style>
+      </p:sp>
+      <p:sp>
+        <p:nvSpPr>
+          <p:cNvPr id="858040323" name=""/>
+          <p:cNvSpPr txBox="1"/>
+          <p:nvPr/>
+        </p:nvSpPr>
+        <p:spPr bwMode="auto">
+          <a:xfrm flipH="0" flipV="0">
+            <a:off x="6049617" y="129357"/>
+            <a:ext cx="5173513" cy="274679"/>
+          </a:xfrm>
+          <a:prstGeom prst="rect">
+            <a:avLst/>
+          </a:prstGeom>
+          <a:noFill/>
+        </p:spPr>
+        <p:txBody>
+          <a:bodyPr vertOverflow="overflow" horzOverflow="overflow" vert="horz" wrap="square" lIns="91440" tIns="45720" rIns="91440" bIns="45720" numCol="1" spcCol="0" rtlCol="0" fromWordArt="0" anchor="t" anchorCtr="0" forceAA="0" upright="0" compatLnSpc="0">
+            <a:spAutoFit/>
+          </a:bodyPr>
+          <a:p>
+            <a:pPr>
+              <a:defRPr/>
+            </a:pPr>
+            <a:r>
+              <a:rPr sz="1200"/>
+              <a:t>Привет, Коллега! Есть время заняться новой задачкой от сантистов ?</a:t>
+            </a:r>
+            <a:endParaRPr sz="1200"/>
+          </a:p>
+        </p:txBody>
+      </p:sp>
+      <p:sp>
+        <p:nvSpPr>
+          <p:cNvPr id="323104713" name=""/>
+          <p:cNvSpPr txBox="1"/>
+          <p:nvPr/>
+        </p:nvSpPr>
+        <p:spPr bwMode="auto">
+          <a:xfrm flipH="0" flipV="0">
+            <a:off x="8335346" y="404037"/>
+            <a:ext cx="3712590" cy="457560"/>
+          </a:xfrm>
+          <a:prstGeom prst="rect">
+            <a:avLst/>
+          </a:prstGeom>
+          <a:noFill/>
+        </p:spPr>
+        <p:txBody>
+          <a:bodyPr vertOverflow="overflow" horzOverflow="overflow" vert="horz" wrap="square" lIns="91440" tIns="45720" rIns="91440" bIns="45720" numCol="1" spcCol="0" rtlCol="0" fromWordArt="0" anchor="t" anchorCtr="0" forceAA="0" upright="0" compatLnSpc="0">
+            <a:spAutoFit/>
+          </a:bodyPr>
+          <a:p>
+            <a:pPr algn="r">
+              <a:defRPr/>
+            </a:pPr>
+            <a:r>
+              <a:rPr sz="1200"/>
+              <a:t>Привет! Что за задача ? Надеюсь я справлюсь... И, да, я в отпуске, так что время есть ))</a:t>
+            </a:r>
+            <a:endParaRPr sz="1200"/>
+          </a:p>
+        </p:txBody>
+      </p:sp>
+      <p:sp>
+        <p:nvSpPr>
+          <p:cNvPr id="1048978947" name=""/>
+          <p:cNvSpPr txBox="1"/>
+          <p:nvPr/>
+        </p:nvSpPr>
+        <p:spPr bwMode="auto">
+          <a:xfrm flipH="0" flipV="0">
+            <a:off x="6049617" y="861597"/>
+            <a:ext cx="5296393" cy="823320"/>
+          </a:xfrm>
+          <a:prstGeom prst="rect">
+            <a:avLst/>
+          </a:prstGeom>
+          <a:noFill/>
+        </p:spPr>
+        <p:txBody>
+          <a:bodyPr vertOverflow="overflow" horzOverflow="overflow" vert="horz" wrap="square" lIns="91440" tIns="45720" rIns="91440" bIns="45720" numCol="1" spcCol="0" rtlCol="0" fromWordArt="0" anchor="t" anchorCtr="0" forceAA="0" upright="0" compatLnSpc="0">
+            <a:spAutoFit/>
+          </a:bodyPr>
+          <a:p>
+            <a:pPr>
+              <a:defRPr/>
+            </a:pPr>
+            <a:r>
+              <a:rPr sz="1200"/>
+              <a:t>Руководство решило осчастливить пользователей новой функцией - прогноз погоды. Аналитики обещают рост посещаемости, но это нужно еще проверять... Поэтому пока только пилотный вариант «ВДНХ». </a:t>
+            </a:r>
+            <a:r>
+              <a:rPr sz="1200"/>
+              <a:t>Но! Базу проектируй так, чтобы добавить другие локации без доработок</a:t>
+            </a:r>
+            <a:endParaRPr sz="1200"/>
+          </a:p>
+        </p:txBody>
+      </p:sp>
+      <p:sp>
+        <p:nvSpPr>
+          <p:cNvPr id="1849593388" name=""/>
+          <p:cNvSpPr txBox="1"/>
+          <p:nvPr/>
+        </p:nvSpPr>
+        <p:spPr bwMode="auto">
+          <a:xfrm flipH="0" flipV="0">
+            <a:off x="10441977" y="1684917"/>
+            <a:ext cx="1605960" cy="274679"/>
+          </a:xfrm>
+          <a:prstGeom prst="rect">
+            <a:avLst/>
+          </a:prstGeom>
+          <a:noFill/>
+        </p:spPr>
+        <p:txBody>
+          <a:bodyPr vertOverflow="overflow" horzOverflow="overflow" vert="horz" wrap="square" lIns="91440" tIns="45720" rIns="91440" bIns="45720" numCol="1" spcCol="0" rtlCol="0" fromWordArt="0" anchor="t" anchorCtr="0" forceAA="0" upright="0" compatLnSpc="0">
+            <a:spAutoFit/>
+          </a:bodyPr>
+          <a:p>
+            <a:pPr algn="r">
+              <a:defRPr/>
+            </a:pPr>
+            <a:r>
+              <a:rPr sz="1200"/>
+              <a:t>подводные камни ?</a:t>
+            </a:r>
+            <a:endParaRPr sz="1200"/>
+          </a:p>
+        </p:txBody>
+      </p:sp>
+      <p:sp>
+        <p:nvSpPr>
+          <p:cNvPr id="579887784" name=""/>
+          <p:cNvSpPr txBox="1"/>
+          <p:nvPr/>
+        </p:nvSpPr>
+        <p:spPr bwMode="auto">
+          <a:xfrm flipH="0" flipV="0">
+            <a:off x="6049617" y="1959597"/>
+            <a:ext cx="5414608" cy="1554840"/>
+          </a:xfrm>
+          <a:prstGeom prst="rect">
+            <a:avLst/>
+          </a:prstGeom>
+          <a:noFill/>
+        </p:spPr>
+        <p:txBody>
+          <a:bodyPr vertOverflow="overflow" horzOverflow="overflow" vert="horz" wrap="square" lIns="91440" tIns="45720" rIns="91440" bIns="45720" numCol="1" spcCol="0" rtlCol="0" fromWordArt="0" anchor="t" anchorCtr="0" forceAA="0" upright="0" compatLnSpc="0">
+            <a:spAutoFit/>
+          </a:bodyPr>
+          <a:p>
+            <a:pPr>
+              <a:defRPr/>
+            </a:pPr>
+            <a:r>
+              <a:rPr sz="1200"/>
+              <a:t>Опытный ! Скоро Сеньором станешь ))</a:t>
+            </a:r>
+            <a:endParaRPr sz="1200"/>
+          </a:p>
+          <a:p>
+            <a:pPr>
+              <a:defRPr/>
+            </a:pPr>
+            <a:r>
+              <a:rPr sz="1200"/>
+              <a:t>Погода в источнике хранится в двух вариантах:</a:t>
+            </a:r>
+            <a:endParaRPr sz="1200"/>
+          </a:p>
+          <a:p>
+            <a:pPr>
+              <a:defRPr/>
+            </a:pPr>
+            <a:r>
+              <a:rPr sz="1200"/>
+              <a:t>1. Замеры 1р / 3 часа - 0, 6, 9, 12, ... Можно выгрузить файлом за любой период. </a:t>
+            </a:r>
+            <a:r>
+              <a:rPr sz="1200"/>
+              <a:t>На этих данных я учу ML модели</a:t>
+            </a:r>
+            <a:endParaRPr sz="1200"/>
+          </a:p>
+          <a:p>
+            <a:pPr>
+              <a:defRPr/>
+            </a:pPr>
+            <a:r>
+              <a:rPr sz="1200"/>
+              <a:t>2. Актуальные показания с метеодатчиков. Обновляются в произвольный момент, несколько раз в час, истории нет. </a:t>
+            </a:r>
+            <a:r>
+              <a:rPr sz="1200"/>
+              <a:t>Тебе брать здесь, усреднять за час и выбирать 4 трехчасовые замеры к данному часу, если 13ч - формируй температуру на 4, 7, 10, 13ч.</a:t>
+            </a:r>
+            <a:endParaRPr sz="1200"/>
+          </a:p>
+        </p:txBody>
+      </p:sp>
+      <p:sp>
+        <p:nvSpPr>
+          <p:cNvPr id="1031734776" name=""/>
+          <p:cNvSpPr txBox="1"/>
+          <p:nvPr/>
+        </p:nvSpPr>
+        <p:spPr bwMode="auto">
+          <a:xfrm flipH="0" flipV="0">
+            <a:off x="7402842" y="3495385"/>
+            <a:ext cx="4650133" cy="457560"/>
+          </a:xfrm>
+          <a:prstGeom prst="rect">
+            <a:avLst/>
+          </a:prstGeom>
+          <a:noFill/>
+        </p:spPr>
+        <p:txBody>
+          <a:bodyPr vertOverflow="overflow" horzOverflow="overflow" vert="horz" wrap="square" lIns="91440" tIns="45720" rIns="91440" bIns="45720" numCol="1" spcCol="0" rtlCol="0" fromWordArt="0" anchor="t" anchorCtr="0" forceAA="0" upright="0" compatLnSpc="0">
+            <a:spAutoFit/>
+          </a:bodyPr>
+          <a:p>
+            <a:pPr algn="r">
+              <a:defRPr/>
+            </a:pPr>
+            <a:r>
+              <a:rPr sz="1200"/>
+              <a:t>Пока задача не выглядит фантастически сложной.</a:t>
+            </a:r>
+            <a:endParaRPr sz="1200"/>
+          </a:p>
+          <a:p>
+            <a:pPr algn="r">
+              <a:defRPr/>
+            </a:pPr>
+            <a:r>
+              <a:rPr sz="1200"/>
+              <a:t>Ничего не забыл мне сказать, чтоб потом не переделывать ?</a:t>
+            </a:r>
+            <a:endParaRPr sz="1200"/>
+          </a:p>
+        </p:txBody>
+      </p:sp>
+      <p:sp>
+        <p:nvSpPr>
+          <p:cNvPr id="1418735756" name=""/>
+          <p:cNvSpPr txBox="1"/>
+          <p:nvPr/>
+        </p:nvSpPr>
+        <p:spPr bwMode="auto">
+          <a:xfrm flipH="0" flipV="0">
+            <a:off x="6049617" y="3924372"/>
+            <a:ext cx="4544235" cy="274679"/>
+          </a:xfrm>
+          <a:prstGeom prst="rect">
+            <a:avLst/>
+          </a:prstGeom>
+          <a:noFill/>
+        </p:spPr>
+        <p:txBody>
+          <a:bodyPr vertOverflow="overflow" horzOverflow="overflow" vert="horz" wrap="square" lIns="91440" tIns="45720" rIns="91440" bIns="45720" numCol="1" spcCol="0" rtlCol="0" fromWordArt="0" anchor="t" anchorCtr="0" forceAA="0" upright="0" compatLnSpc="0">
+            <a:spAutoFit/>
+          </a:bodyPr>
+          <a:p>
+            <a:pPr>
+              <a:defRPr/>
+            </a:pPr>
+            <a:r>
+              <a:rPr sz="1200"/>
+              <a:t>Да, как раз собираюсь сказать: ты же Docker освоил уже ?</a:t>
+            </a:r>
+            <a:endParaRPr sz="1200"/>
+          </a:p>
+        </p:txBody>
+      </p:sp>
+      <p:sp>
+        <p:nvSpPr>
+          <p:cNvPr id="1210319446" name=""/>
+          <p:cNvSpPr txBox="1"/>
+          <p:nvPr/>
+        </p:nvSpPr>
+        <p:spPr bwMode="auto">
+          <a:xfrm flipH="0" flipV="0">
+            <a:off x="7402842" y="4199052"/>
+            <a:ext cx="4645813" cy="457560"/>
+          </a:xfrm>
+          <a:prstGeom prst="rect">
+            <a:avLst/>
+          </a:prstGeom>
+          <a:noFill/>
+        </p:spPr>
+        <p:txBody>
+          <a:bodyPr vertOverflow="overflow" horzOverflow="overflow" vert="horz" wrap="square" lIns="91440" tIns="45720" rIns="91440" bIns="45720" numCol="1" spcCol="0" rtlCol="0" fromWordArt="0" anchor="t" anchorCtr="0" forceAA="0" upright="0" compatLnSpc="0">
+            <a:spAutoFit/>
+          </a:bodyPr>
+          <a:p>
+            <a:pPr algn="r">
+              <a:defRPr/>
+            </a:pPr>
+            <a:r>
+              <a:rPr sz="1200"/>
+              <a:t>Ну как, освоил... С командами всё ясно и репозиторий завел, но ни одного контейнера пока не запушил</a:t>
+            </a:r>
+            <a:endParaRPr sz="1200"/>
+          </a:p>
+        </p:txBody>
+      </p:sp>
+      <p:sp>
+        <p:nvSpPr>
+          <p:cNvPr id="1409450343" name=""/>
+          <p:cNvSpPr txBox="1"/>
+          <p:nvPr/>
+        </p:nvSpPr>
+        <p:spPr bwMode="auto">
+          <a:xfrm flipH="0" flipV="0">
+            <a:off x="6049617" y="5553455"/>
+            <a:ext cx="1610638" cy="274679"/>
+          </a:xfrm>
+          <a:prstGeom prst="rect">
+            <a:avLst/>
+          </a:prstGeom>
+          <a:noFill/>
+        </p:spPr>
+        <p:txBody>
+          <a:bodyPr vertOverflow="overflow" horzOverflow="overflow" vert="horz" wrap="square" lIns="91440" tIns="45720" rIns="91440" bIns="45720" numCol="1" spcCol="0" rtlCol="0" fromWordArt="0" anchor="t" anchorCtr="0" forceAA="0" upright="0" compatLnSpc="0">
+            <a:spAutoFit/>
+          </a:bodyPr>
+          <a:p>
+            <a:pPr>
+              <a:defRPr/>
+            </a:pPr>
+            <a:r>
+              <a:rPr sz="1200"/>
+              <a:t>На Мальдивы ?</a:t>
+            </a:r>
+            <a:endParaRPr sz="1200"/>
+          </a:p>
+        </p:txBody>
+      </p:sp>
+      <p:sp>
+        <p:nvSpPr>
+          <p:cNvPr id="1913682140" name=""/>
+          <p:cNvSpPr txBox="1"/>
+          <p:nvPr/>
+        </p:nvSpPr>
+        <p:spPr bwMode="auto">
+          <a:xfrm flipH="0" flipV="0">
+            <a:off x="6049617" y="4656612"/>
+            <a:ext cx="5658657" cy="640440"/>
+          </a:xfrm>
+          <a:prstGeom prst="rect">
+            <a:avLst/>
+          </a:prstGeom>
+          <a:noFill/>
+        </p:spPr>
+        <p:txBody>
+          <a:bodyPr vertOverflow="overflow" horzOverflow="overflow" vert="horz" wrap="square" lIns="91440" tIns="45720" rIns="91440" bIns="45720" numCol="1" spcCol="0" rtlCol="0" fromWordArt="0" anchor="t" anchorCtr="0" forceAA="0" upright="0" compatLnSpc="0">
+            <a:spAutoFit/>
+          </a:bodyPr>
+          <a:p>
+            <a:pPr>
+              <a:defRPr/>
+            </a:pPr>
+            <a:r>
+              <a:rPr sz="1200"/>
+              <a:t>Уффф, отлично! Прям выручил! А то и не знаю что делать.</a:t>
+            </a:r>
+            <a:endParaRPr sz="1200"/>
+          </a:p>
+          <a:p>
+            <a:pPr>
+              <a:defRPr/>
+            </a:pPr>
+            <a:r>
+              <a:rPr sz="1200"/>
+              <a:t>DevOps, который должен этим заниматься, представляешь, тоже в отпуске. Только он телефон не берет, говорят на Мальдивах...</a:t>
+            </a:r>
+            <a:endParaRPr sz="1200"/>
+          </a:p>
+        </p:txBody>
+      </p:sp>
+      <p:sp>
+        <p:nvSpPr>
+          <p:cNvPr id="454006582" name=""/>
+          <p:cNvSpPr txBox="1"/>
+          <p:nvPr/>
+        </p:nvSpPr>
+        <p:spPr bwMode="auto">
+          <a:xfrm flipH="0" flipV="0">
+            <a:off x="9695871" y="5249427"/>
+            <a:ext cx="2332820" cy="274679"/>
+          </a:xfrm>
+          <a:prstGeom prst="rect">
+            <a:avLst/>
+          </a:prstGeom>
+          <a:noFill/>
+        </p:spPr>
+        <p:txBody>
+          <a:bodyPr vertOverflow="overflow" horzOverflow="overflow" vert="horz" wrap="square" lIns="91440" tIns="45720" rIns="91440" bIns="45720" numCol="1" spcCol="0" rtlCol="0" fromWordArt="0" anchor="t" anchorCtr="0" forceAA="0" upright="0" compatLnSpc="0">
+            <a:spAutoFit/>
+          </a:bodyPr>
+          <a:p>
+            <a:pPr algn="r">
+              <a:defRPr/>
+            </a:pPr>
+            <a:r>
+              <a:rPr sz="1200"/>
+              <a:t>Вот ведь ж ! Я тоже так хочу</a:t>
+            </a:r>
+            <a:endParaRPr sz="1200"/>
+          </a:p>
+        </p:txBody>
+      </p:sp>
+      <p:sp>
+        <p:nvSpPr>
+          <p:cNvPr id="1884728021" name=""/>
+          <p:cNvSpPr txBox="1"/>
+          <p:nvPr/>
+        </p:nvSpPr>
+        <p:spPr bwMode="auto">
+          <a:xfrm flipH="0" flipV="0">
+            <a:off x="6048896" y="6132161"/>
+            <a:ext cx="6005157" cy="640440"/>
+          </a:xfrm>
+          <a:prstGeom prst="rect">
+            <a:avLst/>
+          </a:prstGeom>
+          <a:noFill/>
+        </p:spPr>
+        <p:txBody>
+          <a:bodyPr vertOverflow="overflow" horzOverflow="overflow" vert="horz" wrap="square" lIns="91440" tIns="45720" rIns="91440" bIns="45720" numCol="1" spcCol="0" rtlCol="0" fromWordArt="0" anchor="t" anchorCtr="0" forceAA="0" upright="0" compatLnSpc="0">
+            <a:spAutoFit/>
+          </a:bodyPr>
+          <a:p>
+            <a:pPr>
+              <a:defRPr/>
+            </a:pPr>
+            <a:r>
+              <a:rPr sz="1200"/>
+              <a:t>Не злись, зачтешь работу за Пет-проект</a:t>
+            </a:r>
+            <a:r>
+              <a:rPr sz="1200"/>
+              <a:t> в ЯндексПрактикуме, всё равно же будешь делать. И вот еще, нужно будет импортировать и использовать ML-объекты в Docker-контейнере. Ты сможешь, я в тебя верю )) Подробности почтой</a:t>
+            </a:r>
+            <a:endParaRPr sz="1200"/>
+          </a:p>
+        </p:txBody>
+      </p:sp>
+      <p:sp>
+        <p:nvSpPr>
+          <p:cNvPr id="321452064" name=""/>
+          <p:cNvSpPr txBox="1"/>
+          <p:nvPr/>
+        </p:nvSpPr>
+        <p:spPr bwMode="auto">
+          <a:xfrm flipH="0" flipV="0">
+            <a:off x="6792297" y="5857481"/>
+            <a:ext cx="5260674" cy="274679"/>
+          </a:xfrm>
+          <a:prstGeom prst="rect">
+            <a:avLst/>
+          </a:prstGeom>
+          <a:noFill/>
+        </p:spPr>
+        <p:txBody>
+          <a:bodyPr vertOverflow="overflow" horzOverflow="overflow" vert="horz" wrap="square" lIns="91440" tIns="45720" rIns="91440" bIns="45720" numCol="1" spcCol="0" rtlCol="0" fromWordArt="0" anchor="t" anchorCtr="0" forceAA="0" upright="0" compatLnSpc="0">
+            <a:spAutoFit/>
+          </a:bodyPr>
+          <a:p>
+            <a:pPr algn="r">
+              <a:defRPr/>
+            </a:pPr>
+            <a:r>
+              <a:rPr sz="1200"/>
+              <a:t>Нет, хотя бы телефон не брать! ну ок, потренируюсь с контейнерами.</a:t>
+            </a:r>
+            <a:endParaRPr sz="1200"/>
+          </a:p>
+        </p:txBody>
+      </p:sp>
+      <p:sp>
+        <p:nvSpPr>
+          <p:cNvPr id="272772829" name="Заголовок 1"/>
+          <p:cNvSpPr>
+            <a:spLocks noGrp="1"/>
+          </p:cNvSpPr>
+          <p:nvPr>
+            <p:ph type="title"/>
+          </p:nvPr>
+        </p:nvSpPr>
+        <p:spPr bwMode="auto">
+          <a:xfrm flipH="0" flipV="0">
+            <a:off x="429599" y="1074736"/>
+            <a:ext cx="5524497" cy="3983035"/>
+          </a:xfrm>
+        </p:spPr>
+        <p:txBody>
+          <a:bodyPr/>
+          <a:lstStyle/>
+          <a:p>
+            <a:pPr>
+              <a:defRPr/>
+            </a:pPr>
+            <a:r>
+              <a:rPr sz="2600" b="0"/>
+              <a:t>Как я буду получать задачи*</a:t>
+            </a:r>
+            <a:br>
+              <a:rPr sz="2600" b="0"/>
+            </a:br>
+            <a:br>
+              <a:rPr sz="2600" b="0"/>
+            </a:br>
+            <a:r>
+              <a:rPr sz="1600" b="0"/>
+              <a:t>*по версии Яндекс Практикума</a:t>
+            </a:r>
+            <a:endParaRPr sz="2000"/>
+          </a:p>
+        </p:txBody>
+      </p:sp>
+    </p:spTree>
+  </p:cSld>
+  <p:clrMapOvr>
+    <a:masterClrMapping/>
+  </p:clrMapOvr>
+  <mc:AlternateContent xmlns:mc="http://schemas.openxmlformats.org/markup-compatibility/2006">
+    <mc:Choice xmlns:p14="http://schemas.microsoft.com/office/powerpoint/2010/main" Requires="p14">
+      <p:transition p14:dur="2000" advClick="1"/>
+    </mc:Choice>
+    <mc:Fallback>
+      <p:transition advClick="1"/>
+    </mc:Fallback>
+  </mc:AlternateContent>
+</p:sld>
+</file>
+
+<file path=ppt/slides/slide7.xml><?xml version="1.0" encoding="utf-8"?>
+<p:sld xmlns:a="http://schemas.openxmlformats.org/drawingml/2006/main" xmlns:r="http://schemas.openxmlformats.org/officeDocument/2006/relationships" xmlns:p="http://schemas.openxmlformats.org/presentationml/2006/main" xmlns:m="http://schemas.openxmlformats.org/officeDocument/2006/math" xmlns:w="http://schemas.openxmlformats.org/wordprocessingml/2006/main" showMasterPhAnim="0" show="1">
+  <p:cSld name="">
+    <p:spTree>
+      <p:nvGrpSpPr>
+        <p:cNvPr id="1" name=""/>
+        <p:cNvGrpSpPr/>
+        <p:nvPr/>
+      </p:nvGrpSpPr>
+      <p:grpSpPr bwMode="auto">
+        <a:xfrm>
+          <a:off x="0" y="0"/>
+          <a:ext cx="0" cy="0"/>
+          <a:chOff x="0" y="0"/>
+          <a:chExt cx="0" cy="0"/>
+        </a:xfrm>
+      </p:grpSpPr>
+      <p:sp>
+        <p:nvSpPr>
           <p:cNvPr id="1231443375" name="Заголовок 1"/>
           <p:cNvSpPr>
             <a:spLocks noGrp="1"/>
@@ -6473,7 +9166,7 @@
         </p:nvSpPr>
         <p:spPr bwMode="auto">
           <a:xfrm flipH="0" flipV="0">
-            <a:off x="1583496" y="-11111"/>
+            <a:off x="1096549" y="-11110"/>
             <a:ext cx="9998901" cy="611186"/>
           </a:xfrm>
         </p:spPr>
@@ -6486,7 +9179,7 @@
             </a:pPr>
             <a:r>
               <a:rPr sz="3600"/>
-              <a:t>Детализация DWH</a:t>
+              <a:t>Схема DWH</a:t>
             </a:r>
             <a:endParaRPr sz="3600"/>
           </a:p>
@@ -6624,8 +9317,8 @@
         </p:blipFill>
         <p:spPr bwMode="auto">
           <a:xfrm flipH="0" flipV="0">
-            <a:off x="0" y="1581149"/>
-            <a:ext cx="3846441" cy="4181473"/>
+            <a:off x="0" y="1581148"/>
+            <a:ext cx="4077675" cy="4432847"/>
           </a:xfrm>
           <a:prstGeom prst="rect">
             <a:avLst/>
@@ -6762,8 +9455,8 @@
         </p:nvCxnSpPr>
         <p:spPr bwMode="auto">
           <a:xfrm flipH="0" flipV="0">
-            <a:off x="4077675" y="790573"/>
-            <a:ext cx="66673" cy="5048250"/>
+            <a:off x="4077675" y="790572"/>
+            <a:ext cx="0" cy="5048249"/>
           </a:xfrm>
           <a:prstGeom prst="line">
             <a:avLst/>
@@ -6801,9 +9494,9 @@
           <p:nvPr/>
         </p:nvCxnSpPr>
         <p:spPr bwMode="auto">
-          <a:xfrm flipH="0" flipV="0">
-            <a:off x="5244684" y="790573"/>
-            <a:ext cx="66672" cy="4972048"/>
+          <a:xfrm flipH="1" flipV="0">
+            <a:off x="5244683" y="790572"/>
+            <a:ext cx="0" cy="5048249"/>
           </a:xfrm>
           <a:prstGeom prst="line">
             <a:avLst/>
@@ -6842,8 +9535,8 @@
         </p:nvCxnSpPr>
         <p:spPr bwMode="auto">
           <a:xfrm flipH="0" flipV="0">
-            <a:off x="7869854" y="790574"/>
-            <a:ext cx="66673" cy="4819649"/>
+            <a:off x="7869853" y="790573"/>
+            <a:ext cx="0" cy="4819648"/>
           </a:xfrm>
           <a:prstGeom prst="line">
             <a:avLst/>
@@ -6888,715 +9581,6 @@
 </p:sld>
 </file>
 
-<file path=ppt/slides/slide5.xml><?xml version="1.0" encoding="utf-8"?>
-<p:sld xmlns:a="http://schemas.openxmlformats.org/drawingml/2006/main" xmlns:r="http://schemas.openxmlformats.org/officeDocument/2006/relationships" xmlns:p="http://schemas.openxmlformats.org/presentationml/2006/main" xmlns:m="http://schemas.openxmlformats.org/officeDocument/2006/math" xmlns:w="http://schemas.openxmlformats.org/wordprocessingml/2006/main" showMasterPhAnim="0" show="1">
-  <p:cSld name="">
-    <p:spTree>
-      <p:nvGrpSpPr>
-        <p:cNvPr id="1" name=""/>
-        <p:cNvGrpSpPr/>
-        <p:nvPr/>
-      </p:nvGrpSpPr>
-      <p:grpSpPr bwMode="auto">
-        <a:xfrm>
-          <a:off x="0" y="0"/>
-          <a:ext cx="0" cy="0"/>
-          <a:chOff x="0" y="0"/>
-          <a:chExt cx="0" cy="0"/>
-        </a:xfrm>
-      </p:grpSpPr>
-      <p:sp>
-        <p:nvSpPr>
-          <p:cNvPr id="1107048973" name=""/>
-          <p:cNvSpPr/>
-          <p:nvPr/>
-        </p:nvSpPr>
-        <p:spPr bwMode="auto">
-          <a:xfrm flipH="0" flipV="0">
-            <a:off x="9814846" y="2073497"/>
-            <a:ext cx="1466849" cy="2471737"/>
-          </a:xfrm>
-          <a:prstGeom prst="flowChartAlternateProcess">
-            <a:avLst/>
-          </a:prstGeom>
-          <a:solidFill>
-            <a:schemeClr val="bg1"/>
-          </a:solidFill>
-        </p:spPr>
-        <p:style>
-          <a:lnRef idx="2">
-            <a:schemeClr val="accent1">
-              <a:shade val="50000"/>
-            </a:schemeClr>
-          </a:lnRef>
-          <a:fillRef idx="1">
-            <a:schemeClr val="accent1"/>
-          </a:fillRef>
-          <a:effectRef idx="0">
-            <a:schemeClr val="accent1"/>
-          </a:effectRef>
-          <a:fontRef idx="minor">
-            <a:schemeClr val="lt1"/>
-          </a:fontRef>
-        </p:style>
-      </p:sp>
-      <p:sp>
-        <p:nvSpPr>
-          <p:cNvPr id="1075663773" name=""/>
-          <p:cNvSpPr/>
-          <p:nvPr/>
-        </p:nvSpPr>
-        <p:spPr bwMode="auto">
-          <a:xfrm flipH="0" flipV="0">
-            <a:off x="1791675" y="1857375"/>
-            <a:ext cx="1466849" cy="4886325"/>
-          </a:xfrm>
-          <a:prstGeom prst="flowChartAlternateProcess">
-            <a:avLst/>
-          </a:prstGeom>
-          <a:solidFill>
-            <a:schemeClr val="bg1"/>
-          </a:solidFill>
-        </p:spPr>
-        <p:style>
-          <a:lnRef idx="2">
-            <a:schemeClr val="accent1">
-              <a:shade val="50000"/>
-            </a:schemeClr>
-          </a:lnRef>
-          <a:fillRef idx="1">
-            <a:schemeClr val="accent1"/>
-          </a:fillRef>
-          <a:effectRef idx="0">
-            <a:schemeClr val="accent1"/>
-          </a:effectRef>
-          <a:fontRef idx="minor">
-            <a:schemeClr val="lt1"/>
-          </a:fontRef>
-        </p:style>
-      </p:sp>
-      <p:sp>
-        <p:nvSpPr>
-          <p:cNvPr id="82389399" name="Заголовок 1"/>
-          <p:cNvSpPr>
-            <a:spLocks noGrp="1"/>
-          </p:cNvSpPr>
-          <p:nvPr>
-            <p:ph type="title"/>
-          </p:nvPr>
-        </p:nvSpPr>
-        <p:spPr bwMode="auto">
-          <a:xfrm flipH="0" flipV="0">
-            <a:off x="1583496" y="-26192"/>
-            <a:ext cx="9998901" cy="601661"/>
-          </a:xfrm>
-        </p:spPr>
-        <p:txBody>
-          <a:bodyPr/>
-          <a:lstStyle/>
-          <a:p>
-            <a:pPr algn="ctr">
-              <a:defRPr/>
-            </a:pPr>
-            <a:r>
-              <a:rPr sz="3600"/>
-              <a:t>Общая структура решения</a:t>
-            </a:r>
-            <a:endParaRPr sz="3600"/>
-          </a:p>
-        </p:txBody>
-      </p:sp>
-      <p:pic>
-        <p:nvPicPr>
-          <p:cNvPr id="1475139699" name=""/>
-          <p:cNvPicPr>
-            <a:picLocks noChangeAspect="1"/>
-          </p:cNvPicPr>
-          <p:nvPr/>
-        </p:nvPicPr>
-        <p:blipFill>
-          <a:blip r:embed="rId2"/>
-          <a:stretch/>
-        </p:blipFill>
-        <p:spPr bwMode="auto">
-          <a:xfrm>
-            <a:off x="10014871" y="42068"/>
-            <a:ext cx="1066799" cy="1066799"/>
-          </a:xfrm>
-          <a:prstGeom prst="rect">
-            <a:avLst/>
-          </a:prstGeom>
-        </p:spPr>
-      </p:pic>
-      <p:pic>
-        <p:nvPicPr>
-          <p:cNvPr id="490056752" name=""/>
-          <p:cNvPicPr>
-            <a:picLocks noChangeAspect="1"/>
-          </p:cNvPicPr>
-          <p:nvPr/>
-        </p:nvPicPr>
-        <p:blipFill>
-          <a:blip r:embed="rId3"/>
-          <a:stretch/>
-        </p:blipFill>
-        <p:spPr bwMode="auto">
-          <a:xfrm>
-            <a:off x="1944074" y="180181"/>
-            <a:ext cx="1162049" cy="790574"/>
-          </a:xfrm>
-          <a:prstGeom prst="rect">
-            <a:avLst/>
-          </a:prstGeom>
-        </p:spPr>
-      </p:pic>
-      <p:pic>
-        <p:nvPicPr>
-          <p:cNvPr id="11383188" name=""/>
-          <p:cNvPicPr>
-            <a:picLocks noChangeAspect="1"/>
-          </p:cNvPicPr>
-          <p:nvPr/>
-        </p:nvPicPr>
-        <p:blipFill>
-          <a:blip r:embed="rId4"/>
-          <a:stretch/>
-        </p:blipFill>
-        <p:spPr bwMode="auto">
-          <a:xfrm flipH="0" flipV="0">
-            <a:off x="2000248" y="1995487"/>
-            <a:ext cx="1113095" cy="957262"/>
-          </a:xfrm>
-          <a:prstGeom prst="rect">
-            <a:avLst/>
-          </a:prstGeom>
-        </p:spPr>
-      </p:pic>
-      <p:pic>
-        <p:nvPicPr>
-          <p:cNvPr id="1511775472" name=""/>
-          <p:cNvPicPr>
-            <a:picLocks noChangeAspect="1"/>
-          </p:cNvPicPr>
-          <p:nvPr/>
-        </p:nvPicPr>
-        <p:blipFill>
-          <a:blip r:embed="rId4"/>
-          <a:stretch/>
-        </p:blipFill>
-        <p:spPr bwMode="auto">
-          <a:xfrm flipH="0" flipV="0">
-            <a:off x="9991723" y="2252662"/>
-            <a:ext cx="1113094" cy="957261"/>
-          </a:xfrm>
-          <a:prstGeom prst="rect">
-            <a:avLst/>
-          </a:prstGeom>
-        </p:spPr>
-      </p:pic>
-      <p:pic>
-        <p:nvPicPr>
-          <p:cNvPr id="2034587820" name=""/>
-          <p:cNvPicPr>
-            <a:picLocks noChangeAspect="1"/>
-          </p:cNvPicPr>
-          <p:nvPr/>
-        </p:nvPicPr>
-        <p:blipFill>
-          <a:blip r:embed="rId5"/>
-          <a:stretch/>
-        </p:blipFill>
-        <p:spPr bwMode="auto">
-          <a:xfrm>
-            <a:off x="2162174" y="3429000"/>
-            <a:ext cx="647699" cy="666749"/>
-          </a:xfrm>
-          <a:prstGeom prst="rect">
-            <a:avLst/>
-          </a:prstGeom>
-        </p:spPr>
-      </p:pic>
-      <p:pic>
-        <p:nvPicPr>
-          <p:cNvPr id="1306279645" name=""/>
-          <p:cNvPicPr>
-            <a:picLocks noChangeAspect="1"/>
-          </p:cNvPicPr>
-          <p:nvPr/>
-        </p:nvPicPr>
-        <p:blipFill>
-          <a:blip r:embed="rId6"/>
-          <a:stretch/>
-        </p:blipFill>
-        <p:spPr bwMode="auto">
-          <a:xfrm flipH="0" flipV="0">
-            <a:off x="2057400" y="5681662"/>
-            <a:ext cx="857250" cy="885825"/>
-          </a:xfrm>
-          <a:prstGeom prst="rect">
-            <a:avLst/>
-          </a:prstGeom>
-        </p:spPr>
-      </p:pic>
-      <p:pic>
-        <p:nvPicPr>
-          <p:cNvPr id="1445654213" name=""/>
-          <p:cNvPicPr>
-            <a:picLocks noChangeAspect="1"/>
-          </p:cNvPicPr>
-          <p:nvPr/>
-        </p:nvPicPr>
-        <p:blipFill>
-          <a:blip r:embed="rId7"/>
-          <a:stretch/>
-        </p:blipFill>
-        <p:spPr bwMode="auto">
-          <a:xfrm flipH="0" flipV="0">
-            <a:off x="9995821" y="3429000"/>
-            <a:ext cx="1104899" cy="828675"/>
-          </a:xfrm>
-          <a:prstGeom prst="rect">
-            <a:avLst/>
-          </a:prstGeom>
-        </p:spPr>
-      </p:pic>
-      <p:pic>
-        <p:nvPicPr>
-          <p:cNvPr id="1546274542" name=""/>
-          <p:cNvPicPr>
-            <a:picLocks noChangeAspect="1"/>
-          </p:cNvPicPr>
-          <p:nvPr/>
-        </p:nvPicPr>
-        <p:blipFill>
-          <a:blip r:embed="rId8"/>
-          <a:stretch/>
-        </p:blipFill>
-        <p:spPr bwMode="auto">
-          <a:xfrm flipH="0" flipV="0">
-            <a:off x="5932865" y="2795587"/>
-            <a:ext cx="1300162" cy="1300162"/>
-          </a:xfrm>
-          <a:prstGeom prst="rect">
-            <a:avLst/>
-          </a:prstGeom>
-        </p:spPr>
-      </p:pic>
-      <p:pic>
-        <p:nvPicPr>
-          <p:cNvPr id="1387748808" name=""/>
-          <p:cNvPicPr>
-            <a:picLocks noChangeAspect="1"/>
-          </p:cNvPicPr>
-          <p:nvPr/>
-        </p:nvPicPr>
-        <p:blipFill>
-          <a:blip r:embed="rId9"/>
-          <a:stretch/>
-        </p:blipFill>
-        <p:spPr bwMode="auto">
-          <a:xfrm flipH="0" flipV="0">
-            <a:off x="1924049" y="4329112"/>
-            <a:ext cx="1123949" cy="1019174"/>
-          </a:xfrm>
-          <a:prstGeom prst="rect">
-            <a:avLst/>
-          </a:prstGeom>
-        </p:spPr>
-      </p:pic>
-      <p:sp>
-        <p:nvSpPr>
-          <p:cNvPr id="816694302" name=""/>
-          <p:cNvSpPr/>
-          <p:nvPr/>
-        </p:nvSpPr>
-        <p:spPr bwMode="auto">
-          <a:xfrm flipH="0" flipV="0">
-            <a:off x="3591900" y="2982801"/>
-            <a:ext cx="2095499" cy="892397"/>
-          </a:xfrm>
-          <a:prstGeom prst="rightArrow">
-            <a:avLst>
-              <a:gd name="adj1" fmla="val 50000"/>
-              <a:gd name="adj2" fmla="val 50000"/>
-            </a:avLst>
-          </a:prstGeom>
-        </p:spPr>
-        <p:style>
-          <a:lnRef idx="2">
-            <a:schemeClr val="accent1">
-              <a:shade val="50000"/>
-            </a:schemeClr>
-          </a:lnRef>
-          <a:fillRef idx="1">
-            <a:schemeClr val="accent1"/>
-          </a:fillRef>
-          <a:effectRef idx="0">
-            <a:schemeClr val="accent1"/>
-          </a:effectRef>
-          <a:fontRef idx="minor">
-            <a:schemeClr val="lt1"/>
-          </a:fontRef>
-        </p:style>
-      </p:sp>
-      <p:sp>
-        <p:nvSpPr>
-          <p:cNvPr id="698436205" name=""/>
-          <p:cNvSpPr/>
-          <p:nvPr/>
-        </p:nvSpPr>
-        <p:spPr bwMode="auto">
-          <a:xfrm flipH="0" flipV="0">
-            <a:off x="7481222" y="2982801"/>
-            <a:ext cx="2095498" cy="892396"/>
-          </a:xfrm>
-          <a:prstGeom prst="rightArrow">
-            <a:avLst>
-              <a:gd name="adj1" fmla="val 50000"/>
-              <a:gd name="adj2" fmla="val 50000"/>
-            </a:avLst>
-          </a:prstGeom>
-        </p:spPr>
-        <p:style>
-          <a:lnRef idx="2">
-            <a:schemeClr val="accent1">
-              <a:shade val="50000"/>
-            </a:schemeClr>
-          </a:lnRef>
-          <a:fillRef idx="1">
-            <a:schemeClr val="accent1"/>
-          </a:fillRef>
-          <a:effectRef idx="0">
-            <a:schemeClr val="accent1"/>
-          </a:effectRef>
-          <a:fontRef idx="minor">
-            <a:schemeClr val="lt1"/>
-          </a:fontRef>
-        </p:style>
-      </p:sp>
-      <p:sp>
-        <p:nvSpPr>
-          <p:cNvPr id="458708580" name=""/>
-          <p:cNvSpPr/>
-          <p:nvPr/>
-        </p:nvSpPr>
-        <p:spPr bwMode="auto">
-          <a:xfrm flipH="0" flipV="0">
-            <a:off x="2244599" y="1171575"/>
-            <a:ext cx="560999" cy="552449"/>
-          </a:xfrm>
-          <a:prstGeom prst="downArrow">
-            <a:avLst>
-              <a:gd name="adj1" fmla="val 50000"/>
-              <a:gd name="adj2" fmla="val 50000"/>
-            </a:avLst>
-          </a:prstGeom>
-        </p:spPr>
-        <p:style>
-          <a:lnRef idx="2">
-            <a:schemeClr val="accent1">
-              <a:shade val="50000"/>
-            </a:schemeClr>
-          </a:lnRef>
-          <a:fillRef idx="1">
-            <a:schemeClr val="accent1"/>
-          </a:fillRef>
-          <a:effectRef idx="0">
-            <a:schemeClr val="accent1"/>
-          </a:effectRef>
-          <a:fontRef idx="minor">
-            <a:schemeClr val="lt1"/>
-          </a:fontRef>
-        </p:style>
-      </p:sp>
-      <p:sp>
-        <p:nvSpPr>
-          <p:cNvPr id="568606502" name=""/>
-          <p:cNvSpPr/>
-          <p:nvPr/>
-        </p:nvSpPr>
-        <p:spPr bwMode="auto">
-          <a:xfrm flipH="0" flipV="0">
-            <a:off x="10305955" y="1274254"/>
-            <a:ext cx="484631" cy="721232"/>
-          </a:xfrm>
-          <a:prstGeom prst="upArrow">
-            <a:avLst>
-              <a:gd name="adj1" fmla="val 50000"/>
-              <a:gd name="adj2" fmla="val 50000"/>
-            </a:avLst>
-          </a:prstGeom>
-        </p:spPr>
-        <p:style>
-          <a:lnRef idx="2">
-            <a:schemeClr val="accent1">
-              <a:shade val="50000"/>
-            </a:schemeClr>
-          </a:lnRef>
-          <a:fillRef idx="1">
-            <a:schemeClr val="accent1"/>
-          </a:fillRef>
-          <a:effectRef idx="0">
-            <a:schemeClr val="accent1"/>
-          </a:effectRef>
-          <a:fontRef idx="minor">
-            <a:schemeClr val="lt1"/>
-          </a:fontRef>
-        </p:style>
-      </p:sp>
-    </p:spTree>
-  </p:cSld>
-  <p:clrMapOvr>
-    <a:masterClrMapping/>
-  </p:clrMapOvr>
-  <mc:AlternateContent xmlns:mc="http://schemas.openxmlformats.org/markup-compatibility/2006">
-    <mc:Choice xmlns:p14="http://schemas.microsoft.com/office/powerpoint/2010/main" Requires="p14">
-      <p:transition p14:dur="2000" advClick="1"/>
-    </mc:Choice>
-    <mc:Fallback>
-      <p:transition advClick="1"/>
-    </mc:Fallback>
-  </mc:AlternateContent>
-</p:sld>
-</file>
-
-<file path=ppt/slides/slide6.xml><?xml version="1.0" encoding="utf-8"?>
-<p:sld xmlns:a="http://schemas.openxmlformats.org/drawingml/2006/main" xmlns:r="http://schemas.openxmlformats.org/officeDocument/2006/relationships" xmlns:p="http://schemas.openxmlformats.org/presentationml/2006/main" xmlns:m="http://schemas.openxmlformats.org/officeDocument/2006/math" xmlns:w="http://schemas.openxmlformats.org/wordprocessingml/2006/main" showMasterPhAnim="0" show="1">
-  <p:cSld name="">
-    <p:spTree>
-      <p:nvGrpSpPr>
-        <p:cNvPr id="1" name=""/>
-        <p:cNvGrpSpPr/>
-        <p:nvPr/>
-      </p:nvGrpSpPr>
-      <p:grpSpPr bwMode="auto">
-        <a:xfrm>
-          <a:off x="0" y="0"/>
-          <a:ext cx="0" cy="0"/>
-          <a:chOff x="0" y="0"/>
-          <a:chExt cx="0" cy="0"/>
-        </a:xfrm>
-      </p:grpSpPr>
-      <p:sp>
-        <p:nvSpPr>
-          <p:cNvPr id="113779044" name="Заголовок 1"/>
-          <p:cNvSpPr>
-            <a:spLocks noGrp="1"/>
-          </p:cNvSpPr>
-          <p:nvPr>
-            <p:ph type="title"/>
-          </p:nvPr>
-        </p:nvSpPr>
-        <p:spPr bwMode="auto">
-          <a:xfrm flipH="0" flipV="0">
-            <a:off x="1583496" y="23018"/>
-            <a:ext cx="9998901" cy="567530"/>
-          </a:xfrm>
-        </p:spPr>
-        <p:txBody>
-          <a:bodyPr vertOverflow="overflow" horzOverflow="overflow" vert="horz" wrap="square" lIns="91440" tIns="45720" rIns="91440" bIns="45720" numCol="1" spcCol="0" rtlCol="0" fromWordArt="0" anchor="ctr" anchorCtr="0" forceAA="0" upright="0" compatLnSpc="0">
-            <a:normAutofit fontScale="95000" lnSpcReduction="1000"/>
-          </a:bodyPr>
-          <a:lstStyle/>
-          <a:p>
-            <a:pPr algn="ctr">
-              <a:defRPr/>
-            </a:pPr>
-            <a:r>
-              <a:rPr sz="3600"/>
-              <a:t>Суть решения</a:t>
-            </a:r>
-            <a:endParaRPr sz="3600"/>
-          </a:p>
-        </p:txBody>
-      </p:sp>
-      <p:pic>
-        <p:nvPicPr>
-          <p:cNvPr id="878985665" name=""/>
-          <p:cNvPicPr>
-            <a:picLocks noChangeAspect="1"/>
-          </p:cNvPicPr>
-          <p:nvPr>
-            <p:ph idx="1"/>
-          </p:nvPr>
-        </p:nvPicPr>
-        <p:blipFill>
-          <a:blip r:embed="rId2"/>
-          <a:stretch/>
-        </p:blipFill>
-        <p:spPr bwMode="auto">
-          <a:xfrm rot="0">
-            <a:off x="4922838" y="785018"/>
-            <a:ext cx="3320217" cy="4525961"/>
-          </a:xfrm>
-          <a:prstGeom prst="rect">
-            <a:avLst/>
-          </a:prstGeom>
-        </p:spPr>
-      </p:pic>
-      <p:sp>
-        <p:nvSpPr>
-          <p:cNvPr id="1905718428" name=""/>
-          <p:cNvSpPr txBox="1"/>
-          <p:nvPr/>
-        </p:nvSpPr>
-        <p:spPr bwMode="auto">
-          <a:xfrm flipH="0" flipV="0">
-            <a:off x="5412817" y="5478535"/>
-            <a:ext cx="2346016" cy="274679"/>
-          </a:xfrm>
-          <a:prstGeom prst="rect">
-            <a:avLst/>
-          </a:prstGeom>
-          <a:noFill/>
-        </p:spPr>
-        <p:txBody>
-          <a:bodyPr vertOverflow="overflow" horzOverflow="overflow" vert="horz" wrap="square" lIns="91440" tIns="45720" rIns="91440" bIns="45720" numCol="1" spcCol="0" rtlCol="0" fromWordArt="0" anchor="t" anchorCtr="0" forceAA="0" upright="0" compatLnSpc="0">
-            <a:spAutoFit/>
-          </a:bodyPr>
-          <a:p>
-            <a:pPr algn="ctr">
-              <a:defRPr/>
-            </a:pPr>
-            <a:r>
-              <a:rPr sz="1200" b="0" i="0" u="none">
-                <a:solidFill>
-                  <a:srgbClr val="000000"/>
-                </a:solidFill>
-                <a:latin typeface="Liberation Sans"/>
-                <a:ea typeface="Liberation Sans"/>
-                <a:cs typeface="Liberation Sans"/>
-              </a:rPr>
-              <a:t>только с собакой</a:t>
-            </a:r>
-            <a:endParaRPr/>
-          </a:p>
-        </p:txBody>
-      </p:sp>
-    </p:spTree>
-  </p:cSld>
-  <p:clrMapOvr>
-    <a:masterClrMapping/>
-  </p:clrMapOvr>
-  <mc:AlternateContent xmlns:mc="http://schemas.openxmlformats.org/markup-compatibility/2006">
-    <mc:Choice xmlns:p14="http://schemas.microsoft.com/office/powerpoint/2010/main" Requires="p14">
-      <p:transition p14:dur="2000" advClick="1"/>
-    </mc:Choice>
-    <mc:Fallback>
-      <p:transition advClick="1"/>
-    </mc:Fallback>
-  </mc:AlternateContent>
-</p:sld>
-</file>
-
-<file path=ppt/slides/slide7.xml><?xml version="1.0" encoding="utf-8"?>
-<p:sld xmlns:a="http://schemas.openxmlformats.org/drawingml/2006/main" xmlns:r="http://schemas.openxmlformats.org/officeDocument/2006/relationships" xmlns:p="http://schemas.openxmlformats.org/presentationml/2006/main" xmlns:m="http://schemas.openxmlformats.org/officeDocument/2006/math" xmlns:w="http://schemas.openxmlformats.org/wordprocessingml/2006/main" showMasterPhAnim="0" show="1">
-  <p:cSld name="">
-    <p:spTree>
-      <p:nvGrpSpPr>
-        <p:cNvPr id="1" name=""/>
-        <p:cNvGrpSpPr/>
-        <p:nvPr/>
-      </p:nvGrpSpPr>
-      <p:grpSpPr bwMode="auto">
-        <a:xfrm>
-          <a:off x="0" y="0"/>
-          <a:ext cx="0" cy="0"/>
-          <a:chOff x="0" y="0"/>
-          <a:chExt cx="0" cy="0"/>
-        </a:xfrm>
-      </p:grpSpPr>
-      <p:sp>
-        <p:nvSpPr>
-          <p:cNvPr id="329300022" name="Заголовок 1"/>
-          <p:cNvSpPr>
-            <a:spLocks noGrp="1"/>
-          </p:cNvSpPr>
-          <p:nvPr>
-            <p:ph type="title"/>
-          </p:nvPr>
-        </p:nvSpPr>
-        <p:spPr bwMode="auto">
-          <a:xfrm flipH="0" flipV="0">
-            <a:off x="1583496" y="-1586"/>
-            <a:ext cx="9998901" cy="668336"/>
-          </a:xfrm>
-        </p:spPr>
-        <p:txBody>
-          <a:bodyPr/>
-          <a:lstStyle/>
-          <a:p>
-            <a:pPr algn="ctr">
-              <a:defRPr/>
-            </a:pPr>
-            <a:r>
-              <a:rPr sz="3600"/>
-              <a:t>Форма решения</a:t>
-            </a:r>
-            <a:endParaRPr sz="3600"/>
-          </a:p>
-        </p:txBody>
-      </p:sp>
-      <p:pic>
-        <p:nvPicPr>
-          <p:cNvPr id="319894013" name=""/>
-          <p:cNvPicPr>
-            <a:picLocks noChangeAspect="1"/>
-          </p:cNvPicPr>
-          <p:nvPr/>
-        </p:nvPicPr>
-        <p:blipFill>
-          <a:blip r:embed="rId2"/>
-          <a:stretch/>
-        </p:blipFill>
-        <p:spPr bwMode="auto">
-          <a:xfrm flipH="0" flipV="0">
-            <a:off x="1191599" y="666749"/>
-            <a:ext cx="10390797" cy="2850572"/>
-          </a:xfrm>
-          <a:prstGeom prst="rect">
-            <a:avLst/>
-          </a:prstGeom>
-        </p:spPr>
-      </p:pic>
-      <p:pic>
-        <p:nvPicPr>
-          <p:cNvPr id="1710832344" name=""/>
-          <p:cNvPicPr>
-            <a:picLocks noChangeAspect="1"/>
-          </p:cNvPicPr>
-          <p:nvPr/>
-        </p:nvPicPr>
-        <p:blipFill>
-          <a:blip r:embed="rId3"/>
-          <a:stretch/>
-        </p:blipFill>
-        <p:spPr bwMode="auto">
-          <a:xfrm flipH="0" flipV="0">
-            <a:off x="1191600" y="3695140"/>
-            <a:ext cx="10390797" cy="3024747"/>
-          </a:xfrm>
-          <a:prstGeom prst="rect">
-            <a:avLst/>
-          </a:prstGeom>
-        </p:spPr>
-      </p:pic>
-    </p:spTree>
-  </p:cSld>
-  <p:clrMapOvr>
-    <a:masterClrMapping/>
-  </p:clrMapOvr>
-  <mc:AlternateContent xmlns:mc="http://schemas.openxmlformats.org/markup-compatibility/2006">
-    <mc:Choice xmlns:p14="http://schemas.microsoft.com/office/powerpoint/2010/main" Requires="p14">
-      <p:transition p14:dur="2000" advClick="1"/>
-    </mc:Choice>
-    <mc:Fallback>
-      <p:transition advClick="1"/>
-    </mc:Fallback>
-  </mc:AlternateContent>
-</p:sld>
-</file>
-
 <file path=ppt/slides/slide8.xml><?xml version="1.0" encoding="utf-8"?>
 <p:sld xmlns:a="http://schemas.openxmlformats.org/drawingml/2006/main" xmlns:r="http://schemas.openxmlformats.org/officeDocument/2006/relationships" xmlns:p="http://schemas.openxmlformats.org/presentationml/2006/main" xmlns:m="http://schemas.openxmlformats.org/officeDocument/2006/math" xmlns:w="http://schemas.openxmlformats.org/wordprocessingml/2006/main" showMasterPhAnim="0" show="1">
   <p:cSld name="">
@@ -7616,7 +9600,77 @@
       </p:grpSpPr>
       <p:sp>
         <p:nvSpPr>
-          <p:cNvPr id="1900147726" name="Заголовок 1"/>
+          <p:cNvPr id="1107048973" name=""/>
+          <p:cNvSpPr/>
+          <p:nvPr/>
+        </p:nvSpPr>
+        <p:spPr bwMode="auto">
+          <a:xfrm flipH="0" flipV="0">
+            <a:off x="9814846" y="2073497"/>
+            <a:ext cx="1466849" cy="2471737"/>
+          </a:xfrm>
+          <a:prstGeom prst="flowChartAlternateProcess">
+            <a:avLst/>
+          </a:prstGeom>
+          <a:solidFill>
+            <a:schemeClr val="bg1"/>
+          </a:solidFill>
+        </p:spPr>
+        <p:style>
+          <a:lnRef idx="2">
+            <a:schemeClr val="accent1">
+              <a:shade val="50000"/>
+            </a:schemeClr>
+          </a:lnRef>
+          <a:fillRef idx="1">
+            <a:schemeClr val="accent1"/>
+          </a:fillRef>
+          <a:effectRef idx="0">
+            <a:schemeClr val="accent1"/>
+          </a:effectRef>
+          <a:fontRef idx="minor">
+            <a:schemeClr val="lt1"/>
+          </a:fontRef>
+        </p:style>
+      </p:sp>
+      <p:sp>
+        <p:nvSpPr>
+          <p:cNvPr id="1075663773" name=""/>
+          <p:cNvSpPr/>
+          <p:nvPr/>
+        </p:nvSpPr>
+        <p:spPr bwMode="auto">
+          <a:xfrm flipH="0" flipV="0">
+            <a:off x="1791675" y="1857375"/>
+            <a:ext cx="1466849" cy="4886325"/>
+          </a:xfrm>
+          <a:prstGeom prst="flowChartAlternateProcess">
+            <a:avLst/>
+          </a:prstGeom>
+          <a:solidFill>
+            <a:schemeClr val="bg1"/>
+          </a:solidFill>
+        </p:spPr>
+        <p:style>
+          <a:lnRef idx="2">
+            <a:schemeClr val="accent1">
+              <a:shade val="50000"/>
+            </a:schemeClr>
+          </a:lnRef>
+          <a:fillRef idx="1">
+            <a:schemeClr val="accent1"/>
+          </a:fillRef>
+          <a:effectRef idx="0">
+            <a:schemeClr val="accent1"/>
+          </a:effectRef>
+          <a:fontRef idx="minor">
+            <a:schemeClr val="lt1"/>
+          </a:fontRef>
+        </p:style>
+      </p:sp>
+      <p:sp>
+        <p:nvSpPr>
+          <p:cNvPr id="82389399" name="Заголовок 1"/>
           <p:cNvSpPr>
             <a:spLocks noGrp="1"/>
           </p:cNvSpPr>
@@ -7626,8 +9680,8 @@
         </p:nvSpPr>
         <p:spPr bwMode="auto">
           <a:xfrm flipH="0" flipV="0">
-            <a:off x="1583496" y="-20636"/>
-            <a:ext cx="9998901" cy="868361"/>
+            <a:off x="1583496" y="-26192"/>
+            <a:ext cx="9998901" cy="601661"/>
           </a:xfrm>
         </p:spPr>
         <p:txBody>
@@ -7638,16 +9692,420 @@
               <a:defRPr/>
             </a:pPr>
             <a:r>
-              <a:rPr/>
-              <a:t>Спасибо за внимание</a:t>
-            </a:r>
-            <a:endParaRPr/>
+              <a:rPr sz="3600"/>
+              <a:t>Общая структура решения</a:t>
+            </a:r>
+            <a:endParaRPr sz="3600"/>
           </a:p>
         </p:txBody>
       </p:sp>
       <p:pic>
         <p:nvPicPr>
-          <p:cNvPr id="1691216704" name=""/>
+          <p:cNvPr id="1475139699" name=""/>
+          <p:cNvPicPr>
+            <a:picLocks noChangeAspect="1"/>
+          </p:cNvPicPr>
+          <p:nvPr/>
+        </p:nvPicPr>
+        <p:blipFill>
+          <a:blip r:embed="rId2"/>
+          <a:stretch/>
+        </p:blipFill>
+        <p:spPr bwMode="auto">
+          <a:xfrm>
+            <a:off x="10014871" y="42068"/>
+            <a:ext cx="1066799" cy="1066799"/>
+          </a:xfrm>
+          <a:prstGeom prst="rect">
+            <a:avLst/>
+          </a:prstGeom>
+        </p:spPr>
+      </p:pic>
+      <p:pic>
+        <p:nvPicPr>
+          <p:cNvPr id="490056752" name=""/>
+          <p:cNvPicPr>
+            <a:picLocks noChangeAspect="1"/>
+          </p:cNvPicPr>
+          <p:nvPr/>
+        </p:nvPicPr>
+        <p:blipFill>
+          <a:blip r:embed="rId3"/>
+          <a:stretch/>
+        </p:blipFill>
+        <p:spPr bwMode="auto">
+          <a:xfrm>
+            <a:off x="1944074" y="180181"/>
+            <a:ext cx="1162049" cy="790574"/>
+          </a:xfrm>
+          <a:prstGeom prst="rect">
+            <a:avLst/>
+          </a:prstGeom>
+        </p:spPr>
+      </p:pic>
+      <p:pic>
+        <p:nvPicPr>
+          <p:cNvPr id="11383188" name=""/>
+          <p:cNvPicPr>
+            <a:picLocks noChangeAspect="1"/>
+          </p:cNvPicPr>
+          <p:nvPr/>
+        </p:nvPicPr>
+        <p:blipFill>
+          <a:blip r:embed="rId4"/>
+          <a:stretch/>
+        </p:blipFill>
+        <p:spPr bwMode="auto">
+          <a:xfrm flipH="0" flipV="0">
+            <a:off x="2000248" y="1995487"/>
+            <a:ext cx="1113095" cy="957262"/>
+          </a:xfrm>
+          <a:prstGeom prst="rect">
+            <a:avLst/>
+          </a:prstGeom>
+        </p:spPr>
+      </p:pic>
+      <p:pic>
+        <p:nvPicPr>
+          <p:cNvPr id="1511775472" name=""/>
+          <p:cNvPicPr>
+            <a:picLocks noChangeAspect="1"/>
+          </p:cNvPicPr>
+          <p:nvPr/>
+        </p:nvPicPr>
+        <p:blipFill>
+          <a:blip r:embed="rId4"/>
+          <a:stretch/>
+        </p:blipFill>
+        <p:spPr bwMode="auto">
+          <a:xfrm flipH="0" flipV="0">
+            <a:off x="9991723" y="2252662"/>
+            <a:ext cx="1113094" cy="957261"/>
+          </a:xfrm>
+          <a:prstGeom prst="rect">
+            <a:avLst/>
+          </a:prstGeom>
+        </p:spPr>
+      </p:pic>
+      <p:pic>
+        <p:nvPicPr>
+          <p:cNvPr id="2034587820" name=""/>
+          <p:cNvPicPr>
+            <a:picLocks noChangeAspect="1"/>
+          </p:cNvPicPr>
+          <p:nvPr/>
+        </p:nvPicPr>
+        <p:blipFill>
+          <a:blip r:embed="rId5"/>
+          <a:stretch/>
+        </p:blipFill>
+        <p:spPr bwMode="auto">
+          <a:xfrm>
+            <a:off x="2162174" y="3429000"/>
+            <a:ext cx="647699" cy="666749"/>
+          </a:xfrm>
+          <a:prstGeom prst="rect">
+            <a:avLst/>
+          </a:prstGeom>
+        </p:spPr>
+      </p:pic>
+      <p:pic>
+        <p:nvPicPr>
+          <p:cNvPr id="1306279645" name=""/>
+          <p:cNvPicPr>
+            <a:picLocks noChangeAspect="1"/>
+          </p:cNvPicPr>
+          <p:nvPr/>
+        </p:nvPicPr>
+        <p:blipFill>
+          <a:blip r:embed="rId6"/>
+          <a:stretch/>
+        </p:blipFill>
+        <p:spPr bwMode="auto">
+          <a:xfrm flipH="0" flipV="0">
+            <a:off x="2057400" y="5681662"/>
+            <a:ext cx="857250" cy="885825"/>
+          </a:xfrm>
+          <a:prstGeom prst="rect">
+            <a:avLst/>
+          </a:prstGeom>
+        </p:spPr>
+      </p:pic>
+      <p:pic>
+        <p:nvPicPr>
+          <p:cNvPr id="1445654213" name=""/>
+          <p:cNvPicPr>
+            <a:picLocks noChangeAspect="1"/>
+          </p:cNvPicPr>
+          <p:nvPr/>
+        </p:nvPicPr>
+        <p:blipFill>
+          <a:blip r:embed="rId7"/>
+          <a:stretch/>
+        </p:blipFill>
+        <p:spPr bwMode="auto">
+          <a:xfrm flipH="0" flipV="0">
+            <a:off x="9995821" y="3429000"/>
+            <a:ext cx="1104899" cy="828675"/>
+          </a:xfrm>
+          <a:prstGeom prst="rect">
+            <a:avLst/>
+          </a:prstGeom>
+        </p:spPr>
+      </p:pic>
+      <p:pic>
+        <p:nvPicPr>
+          <p:cNvPr id="1546274542" name=""/>
+          <p:cNvPicPr>
+            <a:picLocks noChangeAspect="1"/>
+          </p:cNvPicPr>
+          <p:nvPr/>
+        </p:nvPicPr>
+        <p:blipFill>
+          <a:blip r:embed="rId8"/>
+          <a:stretch/>
+        </p:blipFill>
+        <p:spPr bwMode="auto">
+          <a:xfrm flipH="0" flipV="0">
+            <a:off x="5932865" y="2795587"/>
+            <a:ext cx="1300162" cy="1300162"/>
+          </a:xfrm>
+          <a:prstGeom prst="rect">
+            <a:avLst/>
+          </a:prstGeom>
+        </p:spPr>
+      </p:pic>
+      <p:pic>
+        <p:nvPicPr>
+          <p:cNvPr id="1387748808" name=""/>
+          <p:cNvPicPr>
+            <a:picLocks noChangeAspect="1"/>
+          </p:cNvPicPr>
+          <p:nvPr/>
+        </p:nvPicPr>
+        <p:blipFill>
+          <a:blip r:embed="rId9"/>
+          <a:stretch/>
+        </p:blipFill>
+        <p:spPr bwMode="auto">
+          <a:xfrm flipH="0" flipV="0">
+            <a:off x="1924049" y="4329112"/>
+            <a:ext cx="1123949" cy="1019174"/>
+          </a:xfrm>
+          <a:prstGeom prst="rect">
+            <a:avLst/>
+          </a:prstGeom>
+        </p:spPr>
+      </p:pic>
+      <p:sp>
+        <p:nvSpPr>
+          <p:cNvPr id="816694302" name=""/>
+          <p:cNvSpPr/>
+          <p:nvPr/>
+        </p:nvSpPr>
+        <p:spPr bwMode="auto">
+          <a:xfrm flipH="0" flipV="0">
+            <a:off x="3591900" y="2982801"/>
+            <a:ext cx="2095499" cy="892397"/>
+          </a:xfrm>
+          <a:prstGeom prst="rightArrow">
+            <a:avLst>
+              <a:gd name="adj1" fmla="val 50000"/>
+              <a:gd name="adj2" fmla="val 50000"/>
+            </a:avLst>
+          </a:prstGeom>
+        </p:spPr>
+        <p:style>
+          <a:lnRef idx="2">
+            <a:schemeClr val="accent1">
+              <a:shade val="50000"/>
+            </a:schemeClr>
+          </a:lnRef>
+          <a:fillRef idx="1">
+            <a:schemeClr val="accent1"/>
+          </a:fillRef>
+          <a:effectRef idx="0">
+            <a:schemeClr val="accent1"/>
+          </a:effectRef>
+          <a:fontRef idx="minor">
+            <a:schemeClr val="lt1"/>
+          </a:fontRef>
+        </p:style>
+      </p:sp>
+      <p:sp>
+        <p:nvSpPr>
+          <p:cNvPr id="698436205" name=""/>
+          <p:cNvSpPr/>
+          <p:nvPr/>
+        </p:nvSpPr>
+        <p:spPr bwMode="auto">
+          <a:xfrm flipH="0" flipV="0">
+            <a:off x="7481222" y="2982801"/>
+            <a:ext cx="2095498" cy="892396"/>
+          </a:xfrm>
+          <a:prstGeom prst="rightArrow">
+            <a:avLst>
+              <a:gd name="adj1" fmla="val 50000"/>
+              <a:gd name="adj2" fmla="val 50000"/>
+            </a:avLst>
+          </a:prstGeom>
+        </p:spPr>
+        <p:style>
+          <a:lnRef idx="2">
+            <a:schemeClr val="accent1">
+              <a:shade val="50000"/>
+            </a:schemeClr>
+          </a:lnRef>
+          <a:fillRef idx="1">
+            <a:schemeClr val="accent1"/>
+          </a:fillRef>
+          <a:effectRef idx="0">
+            <a:schemeClr val="accent1"/>
+          </a:effectRef>
+          <a:fontRef idx="minor">
+            <a:schemeClr val="lt1"/>
+          </a:fontRef>
+        </p:style>
+      </p:sp>
+      <p:sp>
+        <p:nvSpPr>
+          <p:cNvPr id="458708580" name=""/>
+          <p:cNvSpPr/>
+          <p:nvPr/>
+        </p:nvSpPr>
+        <p:spPr bwMode="auto">
+          <a:xfrm flipH="0" flipV="0">
+            <a:off x="2244599" y="1171575"/>
+            <a:ext cx="560999" cy="552449"/>
+          </a:xfrm>
+          <a:prstGeom prst="downArrow">
+            <a:avLst>
+              <a:gd name="adj1" fmla="val 50000"/>
+              <a:gd name="adj2" fmla="val 50000"/>
+            </a:avLst>
+          </a:prstGeom>
+        </p:spPr>
+        <p:style>
+          <a:lnRef idx="2">
+            <a:schemeClr val="accent1">
+              <a:shade val="50000"/>
+            </a:schemeClr>
+          </a:lnRef>
+          <a:fillRef idx="1">
+            <a:schemeClr val="accent1"/>
+          </a:fillRef>
+          <a:effectRef idx="0">
+            <a:schemeClr val="accent1"/>
+          </a:effectRef>
+          <a:fontRef idx="minor">
+            <a:schemeClr val="lt1"/>
+          </a:fontRef>
+        </p:style>
+      </p:sp>
+      <p:sp>
+        <p:nvSpPr>
+          <p:cNvPr id="568606502" name=""/>
+          <p:cNvSpPr/>
+          <p:nvPr/>
+        </p:nvSpPr>
+        <p:spPr bwMode="auto">
+          <a:xfrm flipH="0" flipV="0">
+            <a:off x="10305955" y="1274254"/>
+            <a:ext cx="484631" cy="721232"/>
+          </a:xfrm>
+          <a:prstGeom prst="upArrow">
+            <a:avLst>
+              <a:gd name="adj1" fmla="val 50000"/>
+              <a:gd name="adj2" fmla="val 50000"/>
+            </a:avLst>
+          </a:prstGeom>
+        </p:spPr>
+        <p:style>
+          <a:lnRef idx="2">
+            <a:schemeClr val="accent1">
+              <a:shade val="50000"/>
+            </a:schemeClr>
+          </a:lnRef>
+          <a:fillRef idx="1">
+            <a:schemeClr val="accent1"/>
+          </a:fillRef>
+          <a:effectRef idx="0">
+            <a:schemeClr val="accent1"/>
+          </a:effectRef>
+          <a:fontRef idx="minor">
+            <a:schemeClr val="lt1"/>
+          </a:fontRef>
+        </p:style>
+      </p:sp>
+    </p:spTree>
+  </p:cSld>
+  <p:clrMapOvr>
+    <a:masterClrMapping/>
+  </p:clrMapOvr>
+  <mc:AlternateContent xmlns:mc="http://schemas.openxmlformats.org/markup-compatibility/2006">
+    <mc:Choice xmlns:p14="http://schemas.microsoft.com/office/powerpoint/2010/main" Requires="p14">
+      <p:transition p14:dur="2000" advClick="1"/>
+    </mc:Choice>
+    <mc:Fallback>
+      <p:transition advClick="1"/>
+    </mc:Fallback>
+  </mc:AlternateContent>
+</p:sld>
+</file>
+
+<file path=ppt/slides/slide9.xml><?xml version="1.0" encoding="utf-8"?>
+<p:sld xmlns:a="http://schemas.openxmlformats.org/drawingml/2006/main" xmlns:r="http://schemas.openxmlformats.org/officeDocument/2006/relationships" xmlns:p="http://schemas.openxmlformats.org/presentationml/2006/main" xmlns:m="http://schemas.openxmlformats.org/officeDocument/2006/math" xmlns:w="http://schemas.openxmlformats.org/wordprocessingml/2006/main" showMasterPhAnim="0" show="1">
+  <p:cSld name="">
+    <p:spTree>
+      <p:nvGrpSpPr>
+        <p:cNvPr id="1" name=""/>
+        <p:cNvGrpSpPr/>
+        <p:nvPr/>
+      </p:nvGrpSpPr>
+      <p:grpSpPr bwMode="auto">
+        <a:xfrm>
+          <a:off x="0" y="0"/>
+          <a:ext cx="0" cy="0"/>
+          <a:chOff x="0" y="0"/>
+          <a:chExt cx="0" cy="0"/>
+        </a:xfrm>
+      </p:grpSpPr>
+      <p:sp>
+        <p:nvSpPr>
+          <p:cNvPr id="113779044" name="Заголовок 1"/>
+          <p:cNvSpPr>
+            <a:spLocks noGrp="1"/>
+          </p:cNvSpPr>
+          <p:nvPr>
+            <p:ph type="title"/>
+          </p:nvPr>
+        </p:nvSpPr>
+        <p:spPr bwMode="auto">
+          <a:xfrm flipH="0" flipV="0">
+            <a:off x="1583496" y="23018"/>
+            <a:ext cx="9998901" cy="567530"/>
+          </a:xfrm>
+        </p:spPr>
+        <p:txBody>
+          <a:bodyPr vertOverflow="overflow" horzOverflow="overflow" vert="horz" wrap="square" lIns="91440" tIns="45720" rIns="91440" bIns="45720" numCol="1" spcCol="0" rtlCol="0" fromWordArt="0" anchor="ctr" anchorCtr="0" forceAA="0" upright="0" compatLnSpc="0">
+            <a:normAutofit fontScale="95000" lnSpcReduction="1000"/>
+          </a:bodyPr>
+          <a:lstStyle/>
+          <a:p>
+            <a:pPr algn="ctr">
+              <a:defRPr/>
+            </a:pPr>
+            <a:r>
+              <a:rPr sz="3600"/>
+              <a:t>Суть решения</a:t>
+            </a:r>
+            <a:endParaRPr sz="3600"/>
+          </a:p>
+        </p:txBody>
+      </p:sp>
+      <p:pic>
+        <p:nvPicPr>
+          <p:cNvPr id="878985665" name=""/>
           <p:cNvPicPr>
             <a:picLocks noChangeAspect="1"/>
           </p:cNvPicPr>
@@ -7661,14 +10119,53 @@
         </p:blipFill>
         <p:spPr bwMode="auto">
           <a:xfrm rot="0">
-            <a:off x="4377116" y="847724"/>
-            <a:ext cx="4525961" cy="4525961"/>
+            <a:off x="4922838" y="785018"/>
+            <a:ext cx="3320217" cy="4525961"/>
           </a:xfrm>
           <a:prstGeom prst="rect">
             <a:avLst/>
           </a:prstGeom>
         </p:spPr>
       </p:pic>
+      <p:sp>
+        <p:nvSpPr>
+          <p:cNvPr id="1905718428" name=""/>
+          <p:cNvSpPr txBox="1"/>
+          <p:nvPr/>
+        </p:nvSpPr>
+        <p:spPr bwMode="auto">
+          <a:xfrm flipH="0" flipV="0">
+            <a:off x="5412817" y="5478535"/>
+            <a:ext cx="2346016" cy="274679"/>
+          </a:xfrm>
+          <a:prstGeom prst="rect">
+            <a:avLst/>
+          </a:prstGeom>
+          <a:noFill/>
+        </p:spPr>
+        <p:txBody>
+          <a:bodyPr vertOverflow="overflow" horzOverflow="overflow" vert="horz" wrap="square" lIns="91440" tIns="45720" rIns="91440" bIns="45720" numCol="1" spcCol="0" rtlCol="0" fromWordArt="0" anchor="t" anchorCtr="0" forceAA="0" upright="0" compatLnSpc="0">
+            <a:spAutoFit/>
+          </a:bodyPr>
+          <a:p>
+            <a:pPr algn="ctr">
+              <a:defRPr/>
+            </a:pPr>
+            <a:r>
+              <a:rPr sz="1200" b="0" i="0" u="none">
+                <a:solidFill>
+                  <a:srgbClr val="000000"/>
+                </a:solidFill>
+                <a:latin typeface="Liberation Sans"/>
+                <a:ea typeface="Liberation Sans"/>
+                <a:cs typeface="Liberation Sans"/>
+              </a:rPr>
+              <a:t>только с собакой</a:t>
+            </a:r>
+            <a:endParaRPr/>
+          </a:p>
+        </p:txBody>
+      </p:sp>
     </p:spTree>
   </p:cSld>
   <p:clrMapOvr>
